--- a/Cyclones In Australia.pptx
+++ b/Cyclones In Australia.pptx
@@ -13,9 +13,9 @@
   <p:sldIdLst>
     <p:sldId id="259" r:id="rId2"/>
     <p:sldId id="260" r:id="rId3"/>
-    <p:sldId id="261" r:id="rId4"/>
-    <p:sldId id="262" r:id="rId5"/>
-    <p:sldId id="263" r:id="rId6"/>
+    <p:sldId id="264" r:id="rId4"/>
+    <p:sldId id="265" r:id="rId5"/>
+    <p:sldId id="261" r:id="rId6"/>
   </p:sldIdLst>
   <p:sldSz cx="12192000" cy="6858000"/>
   <p:notesSz cx="6858000" cy="9144000"/>
@@ -125,1071 +125,12 @@
 </p:presentation>
 </file>
 
-<file path=ppt/charts/chart1.xml><?xml version="1.0" encoding="utf-8"?>
-<c:chartSpace xmlns:c="http://schemas.openxmlformats.org/drawingml/2006/chart" xmlns:a="http://schemas.openxmlformats.org/drawingml/2006/main" xmlns:r="http://schemas.openxmlformats.org/officeDocument/2006/relationships" xmlns:c16r2="http://schemas.microsoft.com/office/drawing/2015/06/chart">
-  <c:date1904 val="0"/>
-  <c:lang val="en-GB"/>
-  <c:roundedCorners val="0"/>
-  <mc:AlternateContent xmlns:mc="http://schemas.openxmlformats.org/markup-compatibility/2006">
-    <mc:Choice xmlns:c14="http://schemas.microsoft.com/office/drawing/2007/8/2/chart" Requires="c14">
-      <c14:style val="102"/>
-    </mc:Choice>
-    <mc:Fallback>
-      <c:style val="2"/>
-    </mc:Fallback>
-  </mc:AlternateContent>
-  <c:chart>
-    <c:autoTitleDeleted val="1"/>
-    <c:plotArea>
-      <c:layout/>
-      <c:barChart>
-        <c:barDir val="col"/>
-        <c:grouping val="clustered"/>
-        <c:varyColors val="0"/>
-        <c:ser>
-          <c:idx val="0"/>
-          <c:order val="0"/>
-          <c:tx>
-            <c:strRef>
-              <c:f>Sheet1!$B$1</c:f>
-              <c:strCache>
-                <c:ptCount val="1"/>
-                <c:pt idx="0">
-                  <c:v>Series 1</c:v>
-                </c:pt>
-              </c:strCache>
-            </c:strRef>
-          </c:tx>
-          <c:spPr>
-            <a:gradFill rotWithShape="1">
-              <a:gsLst>
-                <a:gs pos="0">
-                  <a:schemeClr val="accent1">
-                    <a:satMod val="103000"/>
-                    <a:lumMod val="102000"/>
-                    <a:tint val="94000"/>
-                  </a:schemeClr>
-                </a:gs>
-                <a:gs pos="50000">
-                  <a:schemeClr val="accent1">
-                    <a:satMod val="110000"/>
-                    <a:lumMod val="100000"/>
-                    <a:shade val="100000"/>
-                  </a:schemeClr>
-                </a:gs>
-                <a:gs pos="100000">
-                  <a:schemeClr val="accent1">
-                    <a:lumMod val="99000"/>
-                    <a:satMod val="120000"/>
-                    <a:shade val="78000"/>
-                  </a:schemeClr>
-                </a:gs>
-              </a:gsLst>
-              <a:lin ang="5400000" scaled="0"/>
-            </a:gradFill>
-            <a:ln>
-              <a:noFill/>
-            </a:ln>
-            <a:effectLst>
-              <a:outerShdw blurRad="57150" dist="19050" dir="5400000" algn="ctr" rotWithShape="0">
-                <a:srgbClr val="000000">
-                  <a:alpha val="63000"/>
-                </a:srgbClr>
-              </a:outerShdw>
-            </a:effectLst>
-          </c:spPr>
-          <c:invertIfNegative val="0"/>
-          <c:cat>
-            <c:strRef>
-              <c:f>Sheet1!$A$2:$A$5</c:f>
-              <c:strCache>
-                <c:ptCount val="4"/>
-                <c:pt idx="0">
-                  <c:v>Category 1</c:v>
-                </c:pt>
-                <c:pt idx="1">
-                  <c:v>Category 2</c:v>
-                </c:pt>
-                <c:pt idx="2">
-                  <c:v>Category 3</c:v>
-                </c:pt>
-                <c:pt idx="3">
-                  <c:v>Category 4</c:v>
-                </c:pt>
-              </c:strCache>
-            </c:strRef>
-          </c:cat>
-          <c:val>
-            <c:numRef>
-              <c:f>Sheet1!$B$2:$B$5</c:f>
-              <c:numCache>
-                <c:formatCode>General</c:formatCode>
-                <c:ptCount val="4"/>
-                <c:pt idx="0">
-                  <c:v>4.3</c:v>
-                </c:pt>
-                <c:pt idx="1">
-                  <c:v>2.5</c:v>
-                </c:pt>
-                <c:pt idx="2">
-                  <c:v>3.5</c:v>
-                </c:pt>
-                <c:pt idx="3">
-                  <c:v>4.5</c:v>
-                </c:pt>
-              </c:numCache>
-            </c:numRef>
-          </c:val>
-          <c:extLst>
-            <c:ext xmlns:c16="http://schemas.microsoft.com/office/drawing/2014/chart" uri="{C3380CC4-5D6E-409C-BE32-E72D297353CC}">
-              <c16:uniqueId val="{00000000-8392-4FD2-AACC-B80B126B6291}"/>
-            </c:ext>
-          </c:extLst>
-        </c:ser>
-        <c:ser>
-          <c:idx val="1"/>
-          <c:order val="1"/>
-          <c:tx>
-            <c:strRef>
-              <c:f>Sheet1!$C$1</c:f>
-              <c:strCache>
-                <c:ptCount val="1"/>
-                <c:pt idx="0">
-                  <c:v>Series 2</c:v>
-                </c:pt>
-              </c:strCache>
-            </c:strRef>
-          </c:tx>
-          <c:spPr>
-            <a:gradFill rotWithShape="1">
-              <a:gsLst>
-                <a:gs pos="0">
-                  <a:schemeClr val="accent2">
-                    <a:satMod val="103000"/>
-                    <a:lumMod val="102000"/>
-                    <a:tint val="94000"/>
-                  </a:schemeClr>
-                </a:gs>
-                <a:gs pos="50000">
-                  <a:schemeClr val="accent2">
-                    <a:satMod val="110000"/>
-                    <a:lumMod val="100000"/>
-                    <a:shade val="100000"/>
-                  </a:schemeClr>
-                </a:gs>
-                <a:gs pos="100000">
-                  <a:schemeClr val="accent2">
-                    <a:lumMod val="99000"/>
-                    <a:satMod val="120000"/>
-                    <a:shade val="78000"/>
-                  </a:schemeClr>
-                </a:gs>
-              </a:gsLst>
-              <a:lin ang="5400000" scaled="0"/>
-            </a:gradFill>
-            <a:ln>
-              <a:noFill/>
-            </a:ln>
-            <a:effectLst>
-              <a:outerShdw blurRad="57150" dist="19050" dir="5400000" algn="ctr" rotWithShape="0">
-                <a:srgbClr val="000000">
-                  <a:alpha val="63000"/>
-                </a:srgbClr>
-              </a:outerShdw>
-            </a:effectLst>
-          </c:spPr>
-          <c:invertIfNegative val="0"/>
-          <c:cat>
-            <c:strRef>
-              <c:f>Sheet1!$A$2:$A$5</c:f>
-              <c:strCache>
-                <c:ptCount val="4"/>
-                <c:pt idx="0">
-                  <c:v>Category 1</c:v>
-                </c:pt>
-                <c:pt idx="1">
-                  <c:v>Category 2</c:v>
-                </c:pt>
-                <c:pt idx="2">
-                  <c:v>Category 3</c:v>
-                </c:pt>
-                <c:pt idx="3">
-                  <c:v>Category 4</c:v>
-                </c:pt>
-              </c:strCache>
-            </c:strRef>
-          </c:cat>
-          <c:val>
-            <c:numRef>
-              <c:f>Sheet1!$C$2:$C$5</c:f>
-              <c:numCache>
-                <c:formatCode>General</c:formatCode>
-                <c:ptCount val="4"/>
-                <c:pt idx="0">
-                  <c:v>2.4</c:v>
-                </c:pt>
-                <c:pt idx="1">
-                  <c:v>4.4000000000000004</c:v>
-                </c:pt>
-                <c:pt idx="2">
-                  <c:v>1.8</c:v>
-                </c:pt>
-                <c:pt idx="3">
-                  <c:v>2.8</c:v>
-                </c:pt>
-              </c:numCache>
-            </c:numRef>
-          </c:val>
-          <c:extLst>
-            <c:ext xmlns:c16="http://schemas.microsoft.com/office/drawing/2014/chart" uri="{C3380CC4-5D6E-409C-BE32-E72D297353CC}">
-              <c16:uniqueId val="{00000001-8392-4FD2-AACC-B80B126B6291}"/>
-            </c:ext>
-          </c:extLst>
-        </c:ser>
-        <c:ser>
-          <c:idx val="2"/>
-          <c:order val="2"/>
-          <c:tx>
-            <c:strRef>
-              <c:f>Sheet1!$D$1</c:f>
-              <c:strCache>
-                <c:ptCount val="1"/>
-                <c:pt idx="0">
-                  <c:v>Series 3</c:v>
-                </c:pt>
-              </c:strCache>
-            </c:strRef>
-          </c:tx>
-          <c:spPr>
-            <a:gradFill rotWithShape="1">
-              <a:gsLst>
-                <a:gs pos="0">
-                  <a:schemeClr val="accent3">
-                    <a:satMod val="103000"/>
-                    <a:lumMod val="102000"/>
-                    <a:tint val="94000"/>
-                  </a:schemeClr>
-                </a:gs>
-                <a:gs pos="50000">
-                  <a:schemeClr val="accent3">
-                    <a:satMod val="110000"/>
-                    <a:lumMod val="100000"/>
-                    <a:shade val="100000"/>
-                  </a:schemeClr>
-                </a:gs>
-                <a:gs pos="100000">
-                  <a:schemeClr val="accent3">
-                    <a:lumMod val="99000"/>
-                    <a:satMod val="120000"/>
-                    <a:shade val="78000"/>
-                  </a:schemeClr>
-                </a:gs>
-              </a:gsLst>
-              <a:lin ang="5400000" scaled="0"/>
-            </a:gradFill>
-            <a:ln>
-              <a:noFill/>
-            </a:ln>
-            <a:effectLst>
-              <a:outerShdw blurRad="57150" dist="19050" dir="5400000" algn="ctr" rotWithShape="0">
-                <a:srgbClr val="000000">
-                  <a:alpha val="63000"/>
-                </a:srgbClr>
-              </a:outerShdw>
-            </a:effectLst>
-          </c:spPr>
-          <c:invertIfNegative val="0"/>
-          <c:cat>
-            <c:strRef>
-              <c:f>Sheet1!$A$2:$A$5</c:f>
-              <c:strCache>
-                <c:ptCount val="4"/>
-                <c:pt idx="0">
-                  <c:v>Category 1</c:v>
-                </c:pt>
-                <c:pt idx="1">
-                  <c:v>Category 2</c:v>
-                </c:pt>
-                <c:pt idx="2">
-                  <c:v>Category 3</c:v>
-                </c:pt>
-                <c:pt idx="3">
-                  <c:v>Category 4</c:v>
-                </c:pt>
-              </c:strCache>
-            </c:strRef>
-          </c:cat>
-          <c:val>
-            <c:numRef>
-              <c:f>Sheet1!$D$2:$D$5</c:f>
-              <c:numCache>
-                <c:formatCode>General</c:formatCode>
-                <c:ptCount val="4"/>
-                <c:pt idx="0">
-                  <c:v>2</c:v>
-                </c:pt>
-                <c:pt idx="1">
-                  <c:v>2</c:v>
-                </c:pt>
-                <c:pt idx="2">
-                  <c:v>3</c:v>
-                </c:pt>
-                <c:pt idx="3">
-                  <c:v>5</c:v>
-                </c:pt>
-              </c:numCache>
-            </c:numRef>
-          </c:val>
-          <c:extLst>
-            <c:ext xmlns:c16="http://schemas.microsoft.com/office/drawing/2014/chart" uri="{C3380CC4-5D6E-409C-BE32-E72D297353CC}">
-              <c16:uniqueId val="{00000002-8392-4FD2-AACC-B80B126B6291}"/>
-            </c:ext>
-          </c:extLst>
-        </c:ser>
-        <c:dLbls>
-          <c:showLegendKey val="0"/>
-          <c:showVal val="0"/>
-          <c:showCatName val="0"/>
-          <c:showSerName val="0"/>
-          <c:showPercent val="0"/>
-          <c:showBubbleSize val="0"/>
-        </c:dLbls>
-        <c:gapWidth val="100"/>
-        <c:overlap val="-24"/>
-        <c:axId val="516113312"/>
-        <c:axId val="516099592"/>
-      </c:barChart>
-      <c:catAx>
-        <c:axId val="516113312"/>
-        <c:scaling>
-          <c:orientation val="minMax"/>
-        </c:scaling>
-        <c:delete val="0"/>
-        <c:axPos val="b"/>
-        <c:numFmt formatCode="General" sourceLinked="1"/>
-        <c:majorTickMark val="none"/>
-        <c:minorTickMark val="none"/>
-        <c:tickLblPos val="nextTo"/>
-        <c:spPr>
-          <a:noFill/>
-          <a:ln w="12700" cap="flat" cmpd="sng" algn="ctr">
-            <a:solidFill>
-              <a:schemeClr val="lt1">
-                <a:lumMod val="95000"/>
-                <a:alpha val="54000"/>
-              </a:schemeClr>
-            </a:solidFill>
-            <a:round/>
-          </a:ln>
-          <a:effectLst/>
-        </c:spPr>
-        <c:txPr>
-          <a:bodyPr rot="-60000000" spcFirstLastPara="1" vertOverflow="ellipsis" vert="horz" wrap="square" anchor="ctr" anchorCtr="1"/>
-          <a:lstStyle/>
-          <a:p>
-            <a:pPr>
-              <a:defRPr sz="1197" b="0" i="0" u="none" strike="noStrike" kern="1200" baseline="0">
-                <a:solidFill>
-                  <a:schemeClr val="lt1">
-                    <a:lumMod val="85000"/>
-                  </a:schemeClr>
-                </a:solidFill>
-                <a:latin typeface="+mn-lt"/>
-                <a:ea typeface="+mn-ea"/>
-                <a:cs typeface="+mn-cs"/>
-              </a:defRPr>
-            </a:pPr>
-            <a:endParaRPr lang="en-US"/>
-          </a:p>
-        </c:txPr>
-        <c:crossAx val="516099592"/>
-        <c:crosses val="autoZero"/>
-        <c:auto val="1"/>
-        <c:lblAlgn val="ctr"/>
-        <c:lblOffset val="100"/>
-        <c:noMultiLvlLbl val="0"/>
-      </c:catAx>
-      <c:valAx>
-        <c:axId val="516099592"/>
-        <c:scaling>
-          <c:orientation val="minMax"/>
-        </c:scaling>
-        <c:delete val="0"/>
-        <c:axPos val="l"/>
-        <c:majorGridlines>
-          <c:spPr>
-            <a:ln w="9525" cap="flat" cmpd="sng" algn="ctr">
-              <a:solidFill>
-                <a:schemeClr val="lt1">
-                  <a:lumMod val="95000"/>
-                  <a:alpha val="10000"/>
-                </a:schemeClr>
-              </a:solidFill>
-              <a:round/>
-            </a:ln>
-            <a:effectLst/>
-          </c:spPr>
-        </c:majorGridlines>
-        <c:numFmt formatCode="General" sourceLinked="1"/>
-        <c:majorTickMark val="none"/>
-        <c:minorTickMark val="none"/>
-        <c:tickLblPos val="nextTo"/>
-        <c:spPr>
-          <a:noFill/>
-          <a:ln>
-            <a:noFill/>
-          </a:ln>
-          <a:effectLst/>
-        </c:spPr>
-        <c:txPr>
-          <a:bodyPr rot="-60000000" spcFirstLastPara="1" vertOverflow="ellipsis" vert="horz" wrap="square" anchor="ctr" anchorCtr="1"/>
-          <a:lstStyle/>
-          <a:p>
-            <a:pPr>
-              <a:defRPr sz="1197" b="0" i="0" u="none" strike="noStrike" kern="1200" baseline="0">
-                <a:solidFill>
-                  <a:schemeClr val="lt1">
-                    <a:lumMod val="85000"/>
-                  </a:schemeClr>
-                </a:solidFill>
-                <a:latin typeface="+mn-lt"/>
-                <a:ea typeface="+mn-ea"/>
-                <a:cs typeface="+mn-cs"/>
-              </a:defRPr>
-            </a:pPr>
-            <a:endParaRPr lang="en-US"/>
-          </a:p>
-        </c:txPr>
-        <c:crossAx val="516113312"/>
-        <c:crosses val="autoZero"/>
-        <c:crossBetween val="between"/>
-      </c:valAx>
-      <c:spPr>
-        <a:noFill/>
-        <a:ln>
-          <a:noFill/>
-        </a:ln>
-        <a:effectLst/>
-      </c:spPr>
-    </c:plotArea>
-    <c:legend>
-      <c:legendPos val="b"/>
-      <c:overlay val="0"/>
-      <c:spPr>
-        <a:noFill/>
-        <a:ln>
-          <a:noFill/>
-        </a:ln>
-        <a:effectLst/>
-      </c:spPr>
-      <c:txPr>
-        <a:bodyPr rot="0" spcFirstLastPara="1" vertOverflow="ellipsis" vert="horz" wrap="square" anchor="ctr" anchorCtr="1"/>
-        <a:lstStyle/>
-        <a:p>
-          <a:pPr>
-            <a:defRPr sz="1197" b="0" i="0" u="none" strike="noStrike" kern="1200" baseline="0">
-              <a:solidFill>
-                <a:schemeClr val="lt1">
-                  <a:lumMod val="85000"/>
-                </a:schemeClr>
-              </a:solidFill>
-              <a:latin typeface="+mn-lt"/>
-              <a:ea typeface="+mn-ea"/>
-              <a:cs typeface="+mn-cs"/>
-            </a:defRPr>
-          </a:pPr>
-          <a:endParaRPr lang="en-US"/>
-        </a:p>
-      </c:txPr>
-    </c:legend>
-    <c:plotVisOnly val="1"/>
-    <c:dispBlanksAs val="gap"/>
-    <c:showDLblsOverMax val="0"/>
-  </c:chart>
-  <c:spPr>
-    <a:gradFill flip="none" rotWithShape="1">
-      <a:gsLst>
-        <a:gs pos="0">
-          <a:schemeClr val="dk1">
-            <a:lumMod val="65000"/>
-            <a:lumOff val="35000"/>
-          </a:schemeClr>
-        </a:gs>
-        <a:gs pos="100000">
-          <a:schemeClr val="dk1">
-            <a:lumMod val="85000"/>
-            <a:lumOff val="15000"/>
-          </a:schemeClr>
-        </a:gs>
-      </a:gsLst>
-      <a:path path="circle">
-        <a:fillToRect l="50000" t="50000" r="50000" b="50000"/>
-      </a:path>
-      <a:tileRect/>
-    </a:gradFill>
-    <a:ln>
-      <a:noFill/>
-    </a:ln>
-    <a:effectLst/>
-  </c:spPr>
-  <c:txPr>
-    <a:bodyPr/>
-    <a:lstStyle/>
-    <a:p>
-      <a:pPr>
-        <a:defRPr/>
-      </a:pPr>
-      <a:endParaRPr lang="en-US"/>
-    </a:p>
-  </c:txPr>
-  <c:externalData r:id="rId3">
-    <c:autoUpdate val="0"/>
-  </c:externalData>
-</c:chartSpace>
-</file>
-
-<file path=ppt/charts/colors1.xml><?xml version="1.0" encoding="utf-8"?>
-<cs:colorStyle xmlns:cs="http://schemas.microsoft.com/office/drawing/2012/chartStyle" xmlns:a="http://schemas.openxmlformats.org/drawingml/2006/main" meth="cycle" id="10">
-  <a:schemeClr val="accent1"/>
-  <a:schemeClr val="accent2"/>
-  <a:schemeClr val="accent3"/>
-  <a:schemeClr val="accent4"/>
-  <a:schemeClr val="accent5"/>
-  <a:schemeClr val="accent6"/>
-  <cs:variation/>
-  <cs:variation>
-    <a:lumMod val="60000"/>
-  </cs:variation>
-  <cs:variation>
-    <a:lumMod val="80000"/>
-    <a:lumOff val="20000"/>
-  </cs:variation>
-  <cs:variation>
-    <a:lumMod val="80000"/>
-  </cs:variation>
-  <cs:variation>
-    <a:lumMod val="60000"/>
-    <a:lumOff val="40000"/>
-  </cs:variation>
-  <cs:variation>
-    <a:lumMod val="50000"/>
-  </cs:variation>
-  <cs:variation>
-    <a:lumMod val="70000"/>
-    <a:lumOff val="30000"/>
-  </cs:variation>
-  <cs:variation>
-    <a:lumMod val="70000"/>
-  </cs:variation>
-  <cs:variation>
-    <a:lumMod val="50000"/>
-    <a:lumOff val="50000"/>
-  </cs:variation>
-</cs:colorStyle>
-</file>
-
-<file path=ppt/charts/style1.xml><?xml version="1.0" encoding="utf-8"?>
-<cs:chartStyle xmlns:cs="http://schemas.microsoft.com/office/drawing/2012/chartStyle" xmlns:a="http://schemas.openxmlformats.org/drawingml/2006/main" id="209">
-  <cs:axisTitle>
-    <cs:lnRef idx="0"/>
-    <cs:fillRef idx="0"/>
-    <cs:effectRef idx="0"/>
-    <cs:fontRef idx="minor">
-      <a:schemeClr val="lt1">
-        <a:lumMod val="85000"/>
-      </a:schemeClr>
-    </cs:fontRef>
-    <cs:defRPr sz="1197" b="1" kern="1200" cap="all"/>
-  </cs:axisTitle>
-  <cs:categoryAxis>
-    <cs:lnRef idx="0"/>
-    <cs:fillRef idx="0"/>
-    <cs:effectRef idx="0"/>
-    <cs:fontRef idx="minor">
-      <a:schemeClr val="lt1">
-        <a:lumMod val="85000"/>
-      </a:schemeClr>
-    </cs:fontRef>
-    <cs:spPr>
-      <a:ln w="12700" cap="flat" cmpd="sng" algn="ctr">
-        <a:solidFill>
-          <a:schemeClr val="lt1">
-            <a:lumMod val="95000"/>
-            <a:alpha val="54000"/>
-          </a:schemeClr>
-        </a:solidFill>
-        <a:round/>
-      </a:ln>
-    </cs:spPr>
-    <cs:defRPr sz="1197" kern="1200"/>
-  </cs:categoryAxis>
-  <cs:chartArea>
-    <cs:lnRef idx="0"/>
-    <cs:fillRef idx="0"/>
-    <cs:effectRef idx="0"/>
-    <cs:fontRef idx="minor">
-      <a:schemeClr val="dk1"/>
-    </cs:fontRef>
-    <cs:spPr>
-      <a:gradFill flip="none" rotWithShape="1">
-        <a:gsLst>
-          <a:gs pos="0">
-            <a:schemeClr val="dk1">
-              <a:lumMod val="65000"/>
-              <a:lumOff val="35000"/>
-            </a:schemeClr>
-          </a:gs>
-          <a:gs pos="100000">
-            <a:schemeClr val="dk1">
-              <a:lumMod val="85000"/>
-              <a:lumOff val="15000"/>
-            </a:schemeClr>
-          </a:gs>
-        </a:gsLst>
-        <a:path path="circle">
-          <a:fillToRect l="50000" t="50000" r="50000" b="50000"/>
-        </a:path>
-        <a:tileRect/>
-      </a:gradFill>
-    </cs:spPr>
-    <cs:defRPr sz="1330" kern="1200"/>
-  </cs:chartArea>
-  <cs:dataLabel>
-    <cs:lnRef idx="0"/>
-    <cs:fillRef idx="0"/>
-    <cs:effectRef idx="0"/>
-    <cs:fontRef idx="minor">
-      <a:schemeClr val="lt1">
-        <a:lumMod val="85000"/>
-      </a:schemeClr>
-    </cs:fontRef>
-    <cs:defRPr sz="1197" kern="1200"/>
-  </cs:dataLabel>
-  <cs:dataLabelCallout>
-    <cs:lnRef idx="0"/>
-    <cs:fillRef idx="0"/>
-    <cs:effectRef idx="0"/>
-    <cs:fontRef idx="minor">
-      <a:schemeClr val="dk1">
-        <a:lumMod val="65000"/>
-        <a:lumOff val="35000"/>
-      </a:schemeClr>
-    </cs:fontRef>
-    <cs:spPr>
-      <a:solidFill>
-        <a:schemeClr val="lt1"/>
-      </a:solidFill>
-    </cs:spPr>
-    <cs:defRPr sz="1197" kern="1200"/>
-    <cs:bodyPr rot="0" spcFirstLastPara="1" vertOverflow="clip" horzOverflow="clip" vert="horz" wrap="square" lIns="36576" tIns="18288" rIns="36576" bIns="18288" anchor="ctr" anchorCtr="1">
-      <a:spAutoFit/>
-    </cs:bodyPr>
-  </cs:dataLabelCallout>
-  <cs:dataPoint>
-    <cs:lnRef idx="0"/>
-    <cs:fillRef idx="3">
-      <cs:styleClr val="auto"/>
-    </cs:fillRef>
-    <cs:effectRef idx="3"/>
-    <cs:fontRef idx="minor">
-      <a:schemeClr val="lt1"/>
-    </cs:fontRef>
-  </cs:dataPoint>
-  <cs:dataPoint3D>
-    <cs:lnRef idx="0"/>
-    <cs:fillRef idx="3">
-      <cs:styleClr val="auto"/>
-    </cs:fillRef>
-    <cs:effectRef idx="3"/>
-    <cs:fontRef idx="minor">
-      <a:schemeClr val="lt1"/>
-    </cs:fontRef>
-  </cs:dataPoint3D>
-  <cs:dataPointLine>
-    <cs:lnRef idx="0">
-      <cs:styleClr val="auto"/>
-    </cs:lnRef>
-    <cs:fillRef idx="3"/>
-    <cs:effectRef idx="3"/>
-    <cs:fontRef idx="minor">
-      <a:schemeClr val="lt1"/>
-    </cs:fontRef>
-    <cs:spPr>
-      <a:ln w="34925" cap="rnd">
-        <a:solidFill>
-          <a:schemeClr val="phClr"/>
-        </a:solidFill>
-        <a:round/>
-      </a:ln>
-    </cs:spPr>
-  </cs:dataPointLine>
-  <cs:dataPointMarker>
-    <cs:lnRef idx="0">
-      <cs:styleClr val="auto"/>
-    </cs:lnRef>
-    <cs:fillRef idx="3">
-      <cs:styleClr val="auto"/>
-    </cs:fillRef>
-    <cs:effectRef idx="3"/>
-    <cs:fontRef idx="minor">
-      <a:schemeClr val="lt1"/>
-    </cs:fontRef>
-    <cs:spPr>
-      <a:ln w="9525">
-        <a:solidFill>
-          <a:schemeClr val="phClr"/>
-        </a:solidFill>
-        <a:round/>
-      </a:ln>
-    </cs:spPr>
-  </cs:dataPointMarker>
-  <cs:dataPointMarkerLayout symbol="circle" size="6"/>
-  <cs:dataPointWireframe>
-    <cs:lnRef idx="0">
-      <cs:styleClr val="auto"/>
-    </cs:lnRef>
-    <cs:fillRef idx="3"/>
-    <cs:effectRef idx="3"/>
-    <cs:fontRef idx="minor">
-      <a:schemeClr val="lt1"/>
-    </cs:fontRef>
-    <cs:spPr>
-      <a:ln w="9525" cap="rnd">
-        <a:solidFill>
-          <a:schemeClr val="phClr"/>
-        </a:solidFill>
-        <a:round/>
-      </a:ln>
-    </cs:spPr>
-  </cs:dataPointWireframe>
-  <cs:dataTable>
-    <cs:lnRef idx="0"/>
-    <cs:fillRef idx="0"/>
-    <cs:effectRef idx="0"/>
-    <cs:fontRef idx="minor">
-      <a:schemeClr val="lt1">
-        <a:lumMod val="85000"/>
-      </a:schemeClr>
-    </cs:fontRef>
-    <cs:spPr>
-      <a:ln w="9525">
-        <a:solidFill>
-          <a:schemeClr val="lt1">
-            <a:lumMod val="95000"/>
-            <a:alpha val="54000"/>
-          </a:schemeClr>
-        </a:solidFill>
-      </a:ln>
-    </cs:spPr>
-    <cs:defRPr sz="1197" kern="1200"/>
-  </cs:dataTable>
-  <cs:downBar>
-    <cs:lnRef idx="0"/>
-    <cs:fillRef idx="0"/>
-    <cs:effectRef idx="0"/>
-    <cs:fontRef idx="minor">
-      <a:schemeClr val="lt1"/>
-    </cs:fontRef>
-    <cs:spPr>
-      <a:solidFill>
-        <a:schemeClr val="dk1">
-          <a:lumMod val="75000"/>
-          <a:lumOff val="25000"/>
-        </a:schemeClr>
-      </a:solidFill>
-      <a:ln w="9525">
-        <a:solidFill>
-          <a:schemeClr val="lt1">
-            <a:lumMod val="95000"/>
-            <a:alpha val="54000"/>
-          </a:schemeClr>
-        </a:solidFill>
-      </a:ln>
-    </cs:spPr>
-  </cs:downBar>
-  <cs:dropLine>
-    <cs:lnRef idx="0"/>
-    <cs:fillRef idx="0"/>
-    <cs:effectRef idx="0"/>
-    <cs:fontRef idx="minor">
-      <a:schemeClr val="lt1"/>
-    </cs:fontRef>
-    <cs:spPr>
-      <a:ln w="9525">
-        <a:solidFill>
-          <a:schemeClr val="lt1">
-            <a:lumMod val="95000"/>
-            <a:alpha val="54000"/>
-          </a:schemeClr>
-        </a:solidFill>
-        <a:prstDash val="dash"/>
-      </a:ln>
-    </cs:spPr>
-  </cs:dropLine>
-  <cs:errorBar>
-    <cs:lnRef idx="0"/>
-    <cs:fillRef idx="0"/>
-    <cs:effectRef idx="0"/>
-    <cs:fontRef idx="minor">
-      <a:schemeClr val="lt1"/>
-    </cs:fontRef>
-    <cs:spPr>
-      <a:ln w="9525" cap="flat" cmpd="sng" algn="ctr">
-        <a:solidFill>
-          <a:schemeClr val="lt1">
-            <a:lumMod val="95000"/>
-          </a:schemeClr>
-        </a:solidFill>
-        <a:round/>
-      </a:ln>
-    </cs:spPr>
-  </cs:errorBar>
-  <cs:floor>
-    <cs:lnRef idx="0"/>
-    <cs:fillRef idx="0"/>
-    <cs:effectRef idx="0"/>
-    <cs:fontRef idx="minor">
-      <a:schemeClr val="lt1"/>
-    </cs:fontRef>
-  </cs:floor>
-  <cs:gridlineMajor>
-    <cs:lnRef idx="0"/>
-    <cs:fillRef idx="0"/>
-    <cs:effectRef idx="0"/>
-    <cs:fontRef idx="minor">
-      <a:schemeClr val="lt1"/>
-    </cs:fontRef>
-    <cs:spPr>
-      <a:ln w="9525" cap="flat" cmpd="sng" algn="ctr">
-        <a:solidFill>
-          <a:schemeClr val="lt1">
-            <a:lumMod val="95000"/>
-            <a:alpha val="10000"/>
-          </a:schemeClr>
-        </a:solidFill>
-        <a:round/>
-      </a:ln>
-    </cs:spPr>
-  </cs:gridlineMajor>
-  <cs:gridlineMinor>
-    <cs:lnRef idx="0"/>
-    <cs:fillRef idx="0"/>
-    <cs:effectRef idx="0"/>
-    <cs:fontRef idx="minor">
-      <a:schemeClr val="lt1"/>
-    </cs:fontRef>
-    <cs:spPr>
-      <a:ln>
-        <a:solidFill>
-          <a:schemeClr val="lt1">
-            <a:lumMod val="95000"/>
-            <a:alpha val="5000"/>
-          </a:schemeClr>
-        </a:solidFill>
-      </a:ln>
-    </cs:spPr>
-  </cs:gridlineMinor>
-  <cs:hiLoLine>
-    <cs:lnRef idx="0"/>
-    <cs:fillRef idx="0"/>
-    <cs:effectRef idx="0"/>
-    <cs:fontRef idx="minor">
-      <a:schemeClr val="lt1"/>
-    </cs:fontRef>
-    <cs:spPr>
-      <a:ln w="9525">
-        <a:solidFill>
-          <a:schemeClr val="lt1">
-            <a:lumMod val="95000"/>
-            <a:alpha val="54000"/>
-          </a:schemeClr>
-        </a:solidFill>
-        <a:prstDash val="dash"/>
-      </a:ln>
-    </cs:spPr>
-  </cs:hiLoLine>
-  <cs:leaderLine>
-    <cs:lnRef idx="0"/>
-    <cs:fillRef idx="0"/>
-    <cs:effectRef idx="0"/>
-    <cs:fontRef idx="minor">
-      <a:schemeClr val="lt1"/>
-    </cs:fontRef>
-    <cs:spPr>
-      <a:ln w="9525">
-        <a:solidFill>
-          <a:schemeClr val="lt1">
-            <a:lumMod val="95000"/>
-            <a:alpha val="54000"/>
-          </a:schemeClr>
-        </a:solidFill>
-      </a:ln>
-    </cs:spPr>
-  </cs:leaderLine>
-  <cs:legend>
-    <cs:lnRef idx="0"/>
-    <cs:fillRef idx="0"/>
-    <cs:effectRef idx="0"/>
-    <cs:fontRef idx="minor">
-      <a:schemeClr val="lt1">
-        <a:lumMod val="85000"/>
-      </a:schemeClr>
-    </cs:fontRef>
-    <cs:defRPr sz="1197" kern="1200"/>
-  </cs:legend>
-  <cs:plotArea>
-    <cs:lnRef idx="0"/>
-    <cs:fillRef idx="0"/>
-    <cs:effectRef idx="0"/>
-    <cs:fontRef idx="minor">
-      <a:schemeClr val="lt1"/>
-    </cs:fontRef>
-  </cs:plotArea>
-  <cs:plotArea3D>
-    <cs:lnRef idx="0"/>
-    <cs:fillRef idx="0"/>
-    <cs:effectRef idx="0"/>
-    <cs:fontRef idx="minor">
-      <a:schemeClr val="lt1"/>
-    </cs:fontRef>
-  </cs:plotArea3D>
-  <cs:seriesAxis>
-    <cs:lnRef idx="0"/>
-    <cs:fillRef idx="0"/>
-    <cs:effectRef idx="0"/>
-    <cs:fontRef idx="minor">
-      <a:schemeClr val="lt1">
-        <a:lumMod val="85000"/>
-      </a:schemeClr>
-    </cs:fontRef>
-    <cs:spPr>
-      <a:ln w="12700" cap="flat" cmpd="sng" algn="ctr">
-        <a:solidFill>
-          <a:schemeClr val="lt1">
-            <a:lumMod val="95000"/>
-            <a:alpha val="54000"/>
-          </a:schemeClr>
-        </a:solidFill>
-        <a:round/>
-      </a:ln>
-    </cs:spPr>
-    <cs:defRPr sz="1197" kern="1200"/>
-  </cs:seriesAxis>
-  <cs:seriesLine>
-    <cs:lnRef idx="0"/>
-    <cs:fillRef idx="0"/>
-    <cs:effectRef idx="0"/>
-    <cs:fontRef idx="minor">
-      <a:schemeClr val="lt1"/>
-    </cs:fontRef>
-    <cs:spPr>
-      <a:ln w="9525" cap="flat" cmpd="sng" algn="ctr">
-        <a:solidFill>
-          <a:schemeClr val="lt1">
-            <a:lumMod val="95000"/>
-            <a:alpha val="54000"/>
-          </a:schemeClr>
-        </a:solidFill>
-        <a:round/>
-      </a:ln>
-    </cs:spPr>
-  </cs:seriesLine>
-  <cs:title>
-    <cs:lnRef idx="0"/>
-    <cs:fillRef idx="0"/>
-    <cs:effectRef idx="0"/>
-    <cs:fontRef idx="minor">
-      <a:schemeClr val="lt1">
-        <a:lumMod val="95000"/>
-      </a:schemeClr>
-    </cs:fontRef>
-    <cs:defRPr sz="2128" b="1" kern="1200" spc="100" baseline="0">
-      <a:effectLst>
-        <a:outerShdw blurRad="50800" dist="38100" dir="5400000" algn="t" rotWithShape="0">
-          <a:prstClr val="black">
-            <a:alpha val="40000"/>
-          </a:prstClr>
-        </a:outerShdw>
-      </a:effectLst>
-    </cs:defRPr>
-  </cs:title>
-  <cs:trendline>
-    <cs:lnRef idx="0">
-      <cs:styleClr val="auto"/>
-    </cs:lnRef>
-    <cs:fillRef idx="0"/>
-    <cs:effectRef idx="0"/>
-    <cs:fontRef idx="minor">
-      <a:schemeClr val="lt1"/>
-    </cs:fontRef>
-    <cs:spPr>
-      <a:ln w="19050" cap="rnd">
-        <a:solidFill>
-          <a:schemeClr val="phClr"/>
-        </a:solidFill>
-      </a:ln>
-    </cs:spPr>
-  </cs:trendline>
-  <cs:trendlineLabel>
-    <cs:lnRef idx="0"/>
-    <cs:fillRef idx="0"/>
-    <cs:effectRef idx="0"/>
-    <cs:fontRef idx="minor">
-      <a:schemeClr val="lt1">
-        <a:lumMod val="85000"/>
-      </a:schemeClr>
-    </cs:fontRef>
-    <cs:defRPr sz="1197" kern="1200"/>
-  </cs:trendlineLabel>
-  <cs:upBar>
-    <cs:lnRef idx="0"/>
-    <cs:fillRef idx="0"/>
-    <cs:effectRef idx="0"/>
-    <cs:fontRef idx="minor">
-      <a:schemeClr val="lt1"/>
-    </cs:fontRef>
-    <cs:spPr>
-      <a:solidFill>
-        <a:schemeClr val="lt1"/>
-      </a:solidFill>
-      <a:ln w="9525">
-        <a:solidFill>
-          <a:schemeClr val="lt1">
-            <a:lumMod val="95000"/>
-            <a:alpha val="54000"/>
-          </a:schemeClr>
-        </a:solidFill>
-      </a:ln>
-    </cs:spPr>
-  </cs:upBar>
-  <cs:valueAxis>
-    <cs:lnRef idx="0"/>
-    <cs:fillRef idx="0"/>
-    <cs:effectRef idx="0"/>
-    <cs:fontRef idx="minor">
-      <a:schemeClr val="lt1">
-        <a:lumMod val="85000"/>
-      </a:schemeClr>
-    </cs:fontRef>
-    <cs:defRPr sz="1197" kern="1200"/>
-  </cs:valueAxis>
-  <cs:wall>
-    <cs:lnRef idx="0"/>
-    <cs:fillRef idx="0"/>
-    <cs:effectRef idx="0"/>
-    <cs:fontRef idx="minor">
-      <a:schemeClr val="lt1"/>
-    </cs:fontRef>
-  </cs:wall>
-</cs:chartStyle>
-</file>
-
 <file path=ppt/diagrams/colors1.xml><?xml version="1.0" encoding="utf-8"?>
-<dgm:colorsDef xmlns:dgm="http://schemas.openxmlformats.org/drawingml/2006/diagram" xmlns:a="http://schemas.openxmlformats.org/drawingml/2006/main" uniqueId="urn:microsoft.com/office/officeart/2005/8/colors/colorful2">
+<dgm:colorsDef xmlns:dgm="http://schemas.openxmlformats.org/drawingml/2006/diagram" xmlns:a="http://schemas.openxmlformats.org/drawingml/2006/main" uniqueId="urn:microsoft.com/office/officeart/2018/5/colors/Iconchunking_neutralbg_colorful1">
   <dgm:title val=""/>
   <dgm:desc val=""/>
   <dgm:catLst>
-    <dgm:cat type="colorful" pri="10200"/>
+    <dgm:cat type="colorful" pri="10100"/>
   </dgm:catLst>
   <dgm:styleLbl name="node0">
     <dgm:fillClrLst meth="repeat">
@@ -1204,12 +145,17 @@
     <dgm:txEffectClrLst/>
   </dgm:styleLbl>
   <dgm:styleLbl name="node1">
-    <dgm:fillClrLst>
+    <dgm:fillClrLst meth="repeat">
       <a:schemeClr val="accent2"/>
       <a:schemeClr val="accent3"/>
+      <a:schemeClr val="accent4"/>
+      <a:schemeClr val="accent5"/>
+      <a:schemeClr val="accent6"/>
     </dgm:fillClrLst>
     <dgm:linClrLst meth="repeat">
-      <a:schemeClr val="lt1"/>
+      <a:schemeClr val="lt1">
+        <a:alpha val="0"/>
+      </a:schemeClr>
     </dgm:linClrLst>
     <dgm:effectClrLst/>
     <dgm:txLinClrLst/>
@@ -1217,13 +163,19 @@
     <dgm:txEffectClrLst/>
   </dgm:styleLbl>
   <dgm:styleLbl name="alignNode1">
-    <dgm:fillClrLst>
+    <dgm:fillClrLst meth="repeat">
       <a:schemeClr val="accent2"/>
       <a:schemeClr val="accent3"/>
+      <a:schemeClr val="accent4"/>
+      <a:schemeClr val="accent5"/>
+      <a:schemeClr val="accent6"/>
     </dgm:fillClrLst>
-    <dgm:linClrLst>
+    <dgm:linClrLst meth="repeat">
       <a:schemeClr val="accent2"/>
       <a:schemeClr val="accent3"/>
+      <a:schemeClr val="accent4"/>
+      <a:schemeClr val="accent5"/>
+      <a:schemeClr val="accent6"/>
     </dgm:linClrLst>
     <dgm:effectClrLst/>
     <dgm:txLinClrLst/>
@@ -1231,9 +183,12 @@
     <dgm:txEffectClrLst/>
   </dgm:styleLbl>
   <dgm:styleLbl name="lnNode1">
-    <dgm:fillClrLst>
+    <dgm:fillClrLst meth="repeat">
       <a:schemeClr val="accent2"/>
       <a:schemeClr val="accent3"/>
+      <a:schemeClr val="accent4"/>
+      <a:schemeClr val="accent5"/>
+      <a:schemeClr val="accent6"/>
     </dgm:fillClrLst>
     <dgm:linClrLst meth="repeat">
       <a:schemeClr val="lt1"/>
@@ -1244,11 +199,20 @@
     <dgm:txEffectClrLst/>
   </dgm:styleLbl>
   <dgm:styleLbl name="vennNode1">
-    <dgm:fillClrLst>
+    <dgm:fillClrLst meth="repeat">
       <a:schemeClr val="accent2">
         <a:alpha val="50000"/>
       </a:schemeClr>
       <a:schemeClr val="accent3">
+        <a:alpha val="50000"/>
+      </a:schemeClr>
+      <a:schemeClr val="accent4">
+        <a:alpha val="50000"/>
+      </a:schemeClr>
+      <a:schemeClr val="accent5">
+        <a:alpha val="50000"/>
+      </a:schemeClr>
+      <a:schemeClr val="accent6">
         <a:alpha val="50000"/>
       </a:schemeClr>
     </dgm:fillClrLst>
@@ -1262,7 +226,7 @@
   </dgm:styleLbl>
   <dgm:styleLbl name="node2">
     <dgm:fillClrLst>
-      <a:schemeClr val="accent3"/>
+      <a:schemeClr val="accent2"/>
     </dgm:fillClrLst>
     <dgm:linClrLst meth="repeat">
       <a:schemeClr val="lt1"/>
@@ -1274,7 +238,7 @@
   </dgm:styleLbl>
   <dgm:styleLbl name="node3">
     <dgm:fillClrLst>
-      <a:schemeClr val="accent4"/>
+      <a:schemeClr val="accent3"/>
     </dgm:fillClrLst>
     <dgm:linClrLst meth="repeat">
       <a:schemeClr val="lt1"/>
@@ -1286,7 +250,7 @@
   </dgm:styleLbl>
   <dgm:styleLbl name="node4">
     <dgm:fillClrLst>
-      <a:schemeClr val="accent5"/>
+      <a:schemeClr val="accent4"/>
     </dgm:fillClrLst>
     <dgm:linClrLst meth="repeat">
       <a:schemeClr val="lt1"/>
@@ -1297,11 +261,20 @@
     <dgm:txEffectClrLst/>
   </dgm:styleLbl>
   <dgm:styleLbl name="fgImgPlace1">
-    <dgm:fillClrLst>
+    <dgm:fillClrLst meth="repeat">
       <a:schemeClr val="accent2">
         <a:tint val="50000"/>
       </a:schemeClr>
       <a:schemeClr val="accent3">
+        <a:tint val="50000"/>
+      </a:schemeClr>
+      <a:schemeClr val="accent4">
+        <a:tint val="50000"/>
+      </a:schemeClr>
+      <a:schemeClr val="accent5">
+        <a:tint val="50000"/>
+      </a:schemeClr>
+      <a:schemeClr val="accent6">
         <a:tint val="50000"/>
       </a:schemeClr>
     </dgm:fillClrLst>
@@ -1317,10 +290,10 @@
   </dgm:styleLbl>
   <dgm:styleLbl name="alignImgPlace1">
     <dgm:fillClrLst>
-      <a:schemeClr val="accent2">
+      <a:schemeClr val="accent1">
         <a:tint val="50000"/>
       </a:schemeClr>
-      <a:schemeClr val="accent3">
+      <a:schemeClr val="accent2">
         <a:tint val="20000"/>
       </a:schemeClr>
     </dgm:fillClrLst>
@@ -1336,10 +309,10 @@
   </dgm:styleLbl>
   <dgm:styleLbl name="bgImgPlace1">
     <dgm:fillClrLst>
-      <a:schemeClr val="accent2">
+      <a:schemeClr val="accent1">
         <a:tint val="50000"/>
       </a:schemeClr>
-      <a:schemeClr val="accent3">
+      <a:schemeClr val="accent2">
         <a:tint val="20000"/>
       </a:schemeClr>
     </dgm:fillClrLst>
@@ -1354,11 +327,14 @@
     <dgm:txEffectClrLst/>
   </dgm:styleLbl>
   <dgm:styleLbl name="sibTrans2D1">
-    <dgm:fillClrLst>
+    <dgm:fillClrLst meth="repeat">
       <a:schemeClr val="accent2"/>
       <a:schemeClr val="accent3"/>
+      <a:schemeClr val="accent4"/>
+      <a:schemeClr val="accent5"/>
+      <a:schemeClr val="accent6"/>
     </dgm:fillClrLst>
-    <dgm:linClrLst meth="repeat">
+    <dgm:linClrLst meth="cycle">
       <a:schemeClr val="lt1"/>
     </dgm:linClrLst>
     <dgm:effectClrLst/>
@@ -1367,11 +343,14 @@
     <dgm:txEffectClrLst/>
   </dgm:styleLbl>
   <dgm:styleLbl name="fgSibTrans2D1">
-    <dgm:fillClrLst>
+    <dgm:fillClrLst meth="repeat">
       <a:schemeClr val="accent2"/>
       <a:schemeClr val="accent3"/>
+      <a:schemeClr val="accent4"/>
+      <a:schemeClr val="accent5"/>
+      <a:schemeClr val="accent6"/>
     </dgm:fillClrLst>
-    <dgm:linClrLst meth="repeat">
+    <dgm:linClrLst meth="cycle">
       <a:schemeClr val="lt1"/>
     </dgm:linClrLst>
     <dgm:effectClrLst/>
@@ -1382,11 +361,14 @@
     <dgm:txEffectClrLst/>
   </dgm:styleLbl>
   <dgm:styleLbl name="bgSibTrans2D1">
-    <dgm:fillClrLst>
+    <dgm:fillClrLst meth="repeat">
       <a:schemeClr val="accent2"/>
       <a:schemeClr val="accent3"/>
+      <a:schemeClr val="accent4"/>
+      <a:schemeClr val="accent5"/>
+      <a:schemeClr val="accent6"/>
     </dgm:fillClrLst>
-    <dgm:linClrLst meth="repeat">
+    <dgm:linClrLst meth="cycle">
       <a:schemeClr val="lt1"/>
     </dgm:linClrLst>
     <dgm:effectClrLst/>
@@ -1397,10 +379,19 @@
     <dgm:txEffectClrLst/>
   </dgm:styleLbl>
   <dgm:styleLbl name="sibTrans1D1">
-    <dgm:fillClrLst/>
-    <dgm:linClrLst>
+    <dgm:fillClrLst meth="repeat">
       <a:schemeClr val="accent2"/>
       <a:schemeClr val="accent3"/>
+      <a:schemeClr val="accent4"/>
+      <a:schemeClr val="accent5"/>
+      <a:schemeClr val="accent6"/>
+    </dgm:fillClrLst>
+    <dgm:linClrLst meth="repeat">
+      <a:schemeClr val="accent2"/>
+      <a:schemeClr val="accent3"/>
+      <a:schemeClr val="accent4"/>
+      <a:schemeClr val="accent5"/>
+      <a:schemeClr val="accent6"/>
     </dgm:linClrLst>
     <dgm:effectClrLst/>
     <dgm:txLinClrLst/>
@@ -1427,12 +418,10 @@
   </dgm:styleLbl>
   <dgm:styleLbl name="asst0">
     <dgm:fillClrLst meth="repeat">
-      <a:schemeClr val="accent2"/>
+      <a:schemeClr val="accent1"/>
     </dgm:fillClrLst>
     <dgm:linClrLst meth="repeat">
-      <a:schemeClr val="lt1">
-        <a:shade val="80000"/>
-      </a:schemeClr>
+      <a:schemeClr val="lt1"/>
     </dgm:linClrLst>
     <dgm:effectClrLst/>
     <dgm:txLinClrLst/>
@@ -1441,12 +430,10 @@
   </dgm:styleLbl>
   <dgm:styleLbl name="asst1">
     <dgm:fillClrLst meth="repeat">
-      <a:schemeClr val="accent3"/>
+      <a:schemeClr val="accent2"/>
     </dgm:fillClrLst>
     <dgm:linClrLst meth="repeat">
-      <a:schemeClr val="lt1">
-        <a:shade val="80000"/>
-      </a:schemeClr>
+      <a:schemeClr val="lt1"/>
     </dgm:linClrLst>
     <dgm:effectClrLst/>
     <dgm:txLinClrLst/>
@@ -1454,6 +441,18 @@
     <dgm:txEffectClrLst/>
   </dgm:styleLbl>
   <dgm:styleLbl name="asst2">
+    <dgm:fillClrLst>
+      <a:schemeClr val="accent3"/>
+    </dgm:fillClrLst>
+    <dgm:linClrLst meth="repeat">
+      <a:schemeClr val="lt1"/>
+    </dgm:linClrLst>
+    <dgm:effectClrLst/>
+    <dgm:txLinClrLst/>
+    <dgm:txFillClrLst/>
+    <dgm:txEffectClrLst/>
+  </dgm:styleLbl>
+  <dgm:styleLbl name="asst3">
     <dgm:fillClrLst>
       <a:schemeClr val="accent4"/>
     </dgm:fillClrLst>
@@ -1465,21 +464,9 @@
     <dgm:txFillClrLst/>
     <dgm:txEffectClrLst/>
   </dgm:styleLbl>
-  <dgm:styleLbl name="asst3">
+  <dgm:styleLbl name="asst4">
     <dgm:fillClrLst>
       <a:schemeClr val="accent5"/>
-    </dgm:fillClrLst>
-    <dgm:linClrLst meth="repeat">
-      <a:schemeClr val="lt1"/>
-    </dgm:linClrLst>
-    <dgm:effectClrLst/>
-    <dgm:txLinClrLst/>
-    <dgm:txFillClrLst/>
-    <dgm:txEffectClrLst/>
-  </dgm:styleLbl>
-  <dgm:styleLbl name="asst4">
-    <dgm:fillClrLst>
-      <a:schemeClr val="accent6"/>
     </dgm:fillClrLst>
     <dgm:linClrLst meth="repeat">
       <a:schemeClr val="lt1"/>
@@ -1546,7 +533,7 @@
       <a:schemeClr val="accent2"/>
     </dgm:fillClrLst>
     <dgm:linClrLst meth="repeat">
-      <a:schemeClr val="accent2"/>
+      <a:schemeClr val="accent1"/>
     </dgm:linClrLst>
     <dgm:effectClrLst/>
     <dgm:txLinClrLst/>
@@ -1557,8 +544,24 @@
   </dgm:styleLbl>
   <dgm:styleLbl name="parChTrans1D2">
     <dgm:fillClrLst meth="repeat">
-      <a:schemeClr val="accent2">
+      <a:schemeClr val="accent3">
         <a:tint val="90000"/>
+      </a:schemeClr>
+    </dgm:fillClrLst>
+    <dgm:linClrLst meth="repeat">
+      <a:schemeClr val="accent2"/>
+    </dgm:linClrLst>
+    <dgm:effectClrLst/>
+    <dgm:txLinClrLst/>
+    <dgm:txFillClrLst meth="repeat">
+      <a:schemeClr val="tx1"/>
+    </dgm:txFillClrLst>
+    <dgm:txEffectClrLst/>
+  </dgm:styleLbl>
+  <dgm:styleLbl name="parChTrans1D3">
+    <dgm:fillClrLst meth="repeat">
+      <a:schemeClr val="accent4">
+        <a:tint val="70000"/>
       </a:schemeClr>
     </dgm:fillClrLst>
     <dgm:linClrLst meth="repeat">
@@ -1571,30 +574,14 @@
     </dgm:txFillClrLst>
     <dgm:txEffectClrLst/>
   </dgm:styleLbl>
-  <dgm:styleLbl name="parChTrans1D3">
+  <dgm:styleLbl name="parChTrans1D4">
     <dgm:fillClrLst meth="repeat">
-      <a:schemeClr val="accent2">
-        <a:tint val="70000"/>
+      <a:schemeClr val="accent5">
+        <a:tint val="50000"/>
       </a:schemeClr>
     </dgm:fillClrLst>
     <dgm:linClrLst meth="repeat">
       <a:schemeClr val="accent4"/>
-    </dgm:linClrLst>
-    <dgm:effectClrLst/>
-    <dgm:txLinClrLst/>
-    <dgm:txFillClrLst meth="repeat">
-      <a:schemeClr val="tx1"/>
-    </dgm:txFillClrLst>
-    <dgm:txEffectClrLst/>
-  </dgm:styleLbl>
-  <dgm:styleLbl name="parChTrans1D4">
-    <dgm:fillClrLst meth="repeat">
-      <a:schemeClr val="accent2">
-        <a:tint val="50000"/>
-      </a:schemeClr>
-    </dgm:fillClrLst>
-    <dgm:linClrLst meth="repeat">
-      <a:schemeClr val="accent5"/>
     </dgm:linClrLst>
     <dgm:effectClrLst/>
     <dgm:txLinClrLst/>
@@ -1609,9 +596,12 @@
         <a:alpha val="90000"/>
       </a:schemeClr>
     </dgm:fillClrLst>
-    <dgm:linClrLst>
+    <dgm:linClrLst meth="repeat">
       <a:schemeClr val="accent2"/>
       <a:schemeClr val="accent3"/>
+      <a:schemeClr val="accent4"/>
+      <a:schemeClr val="accent5"/>
+      <a:schemeClr val="accent6"/>
     </dgm:linClrLst>
     <dgm:effectClrLst/>
     <dgm:txLinClrLst/>
@@ -1626,9 +616,12 @@
         <a:alpha val="90000"/>
       </a:schemeClr>
     </dgm:fillClrLst>
-    <dgm:linClrLst>
+    <dgm:linClrLst meth="repeat">
       <a:schemeClr val="accent2"/>
       <a:schemeClr val="accent3"/>
+      <a:schemeClr val="accent4"/>
+      <a:schemeClr val="accent5"/>
+      <a:schemeClr val="accent6"/>
     </dgm:linClrLst>
     <dgm:effectClrLst/>
     <dgm:txLinClrLst/>
@@ -1643,9 +636,12 @@
         <a:alpha val="90000"/>
       </a:schemeClr>
     </dgm:fillClrLst>
-    <dgm:linClrLst>
+    <dgm:linClrLst meth="repeat">
       <a:schemeClr val="accent2"/>
       <a:schemeClr val="accent3"/>
+      <a:schemeClr val="accent4"/>
+      <a:schemeClr val="accent5"/>
+      <a:schemeClr val="accent6"/>
     </dgm:linClrLst>
     <dgm:effectClrLst/>
     <dgm:txLinClrLst/>
@@ -1661,7 +657,7 @@
       </a:schemeClr>
     </dgm:fillClrLst>
     <dgm:linClrLst meth="repeat">
-      <a:schemeClr val="accent2"/>
+      <a:schemeClr val="accent1"/>
     </dgm:linClrLst>
     <dgm:effectClrLst/>
     <dgm:txLinClrLst/>
@@ -1676,9 +672,12 @@
         <a:alpha val="90000"/>
       </a:schemeClr>
     </dgm:fillClrLst>
-    <dgm:linClrLst>
+    <dgm:linClrLst meth="repeat">
       <a:schemeClr val="accent2"/>
       <a:schemeClr val="accent3"/>
+      <a:schemeClr val="accent4"/>
+      <a:schemeClr val="accent5"/>
+      <a:schemeClr val="accent6"/>
     </dgm:linClrLst>
     <dgm:effectClrLst/>
     <dgm:txLinClrLst/>
@@ -1691,9 +690,12 @@
     <dgm:fillClrLst meth="repeat">
       <a:schemeClr val="lt1"/>
     </dgm:fillClrLst>
-    <dgm:linClrLst>
+    <dgm:linClrLst meth="repeat">
       <a:schemeClr val="accent2"/>
       <a:schemeClr val="accent3"/>
+      <a:schemeClr val="accent4"/>
+      <a:schemeClr val="accent5"/>
+      <a:schemeClr val="accent6"/>
     </dgm:linClrLst>
     <dgm:effectClrLst/>
     <dgm:txLinClrLst/>
@@ -1706,9 +708,12 @@
     <dgm:fillClrLst meth="repeat">
       <a:schemeClr val="lt1"/>
     </dgm:fillClrLst>
-    <dgm:linClrLst>
+    <dgm:linClrLst meth="repeat">
       <a:schemeClr val="accent2"/>
       <a:schemeClr val="accent3"/>
+      <a:schemeClr val="accent4"/>
+      <a:schemeClr val="accent5"/>
+      <a:schemeClr val="accent6"/>
     </dgm:linClrLst>
     <dgm:effectClrLst/>
     <dgm:txLinClrLst/>
@@ -1721,9 +726,12 @@
     <dgm:fillClrLst meth="repeat">
       <a:schemeClr val="lt1"/>
     </dgm:fillClrLst>
-    <dgm:linClrLst>
+    <dgm:linClrLst meth="repeat">
       <a:schemeClr val="accent2"/>
       <a:schemeClr val="accent3"/>
+      <a:schemeClr val="accent4"/>
+      <a:schemeClr val="accent5"/>
+      <a:schemeClr val="accent6"/>
     </dgm:linClrLst>
     <dgm:effectClrLst/>
     <dgm:txLinClrLst/>
@@ -1733,7 +741,7 @@
     <dgm:txEffectClrLst/>
   </dgm:styleLbl>
   <dgm:styleLbl name="fgAccFollowNode1">
-    <dgm:fillClrLst>
+    <dgm:fillClrLst meth="repeat">
       <a:schemeClr val="accent2">
         <a:tint val="40000"/>
         <a:alpha val="90000"/>
@@ -1742,13 +750,37 @@
         <a:tint val="40000"/>
         <a:alpha val="90000"/>
       </a:schemeClr>
+      <a:schemeClr val="accent4">
+        <a:tint val="40000"/>
+        <a:alpha val="90000"/>
+      </a:schemeClr>
+      <a:schemeClr val="accent5">
+        <a:tint val="40000"/>
+        <a:alpha val="90000"/>
+      </a:schemeClr>
+      <a:schemeClr val="accent6">
+        <a:tint val="40000"/>
+        <a:alpha val="90000"/>
+      </a:schemeClr>
     </dgm:fillClrLst>
-    <dgm:linClrLst>
+    <dgm:linClrLst meth="repeat">
       <a:schemeClr val="accent2">
         <a:tint val="40000"/>
         <a:alpha val="90000"/>
       </a:schemeClr>
       <a:schemeClr val="accent3">
+        <a:tint val="40000"/>
+        <a:alpha val="90000"/>
+      </a:schemeClr>
+      <a:schemeClr val="accent4">
+        <a:tint val="40000"/>
+        <a:alpha val="90000"/>
+      </a:schemeClr>
+      <a:schemeClr val="accent5">
+        <a:tint val="40000"/>
+        <a:alpha val="90000"/>
+      </a:schemeClr>
+      <a:schemeClr val="accent6">
         <a:tint val="40000"/>
         <a:alpha val="90000"/>
       </a:schemeClr>
@@ -1761,7 +793,7 @@
     <dgm:txEffectClrLst/>
   </dgm:styleLbl>
   <dgm:styleLbl name="alignAccFollowNode1">
-    <dgm:fillClrLst>
+    <dgm:fillClrLst meth="repeat">
       <a:schemeClr val="accent2">
         <a:tint val="40000"/>
         <a:alpha val="90000"/>
@@ -1770,13 +802,37 @@
         <a:tint val="40000"/>
         <a:alpha val="90000"/>
       </a:schemeClr>
+      <a:schemeClr val="accent4">
+        <a:tint val="40000"/>
+        <a:alpha val="90000"/>
+      </a:schemeClr>
+      <a:schemeClr val="accent5">
+        <a:tint val="40000"/>
+        <a:alpha val="90000"/>
+      </a:schemeClr>
+      <a:schemeClr val="accent6">
+        <a:tint val="40000"/>
+        <a:alpha val="90000"/>
+      </a:schemeClr>
     </dgm:fillClrLst>
-    <dgm:linClrLst>
+    <dgm:linClrLst meth="repeat">
       <a:schemeClr val="accent2">
         <a:tint val="40000"/>
         <a:alpha val="90000"/>
       </a:schemeClr>
       <a:schemeClr val="accent3">
+        <a:tint val="40000"/>
+        <a:alpha val="90000"/>
+      </a:schemeClr>
+      <a:schemeClr val="accent4">
+        <a:tint val="40000"/>
+        <a:alpha val="90000"/>
+      </a:schemeClr>
+      <a:schemeClr val="accent5">
+        <a:tint val="40000"/>
+        <a:alpha val="90000"/>
+      </a:schemeClr>
+      <a:schemeClr val="accent6">
         <a:tint val="40000"/>
         <a:alpha val="90000"/>
       </a:schemeClr>
@@ -1789,7 +845,7 @@
     <dgm:txEffectClrLst/>
   </dgm:styleLbl>
   <dgm:styleLbl name="bgAccFollowNode1">
-    <dgm:fillClrLst>
+    <dgm:fillClrLst meth="repeat">
       <a:schemeClr val="accent2">
         <a:tint val="40000"/>
         <a:alpha val="90000"/>
@@ -1798,13 +854,37 @@
         <a:tint val="40000"/>
         <a:alpha val="90000"/>
       </a:schemeClr>
+      <a:schemeClr val="accent4">
+        <a:tint val="40000"/>
+        <a:alpha val="90000"/>
+      </a:schemeClr>
+      <a:schemeClr val="accent5">
+        <a:tint val="40000"/>
+        <a:alpha val="90000"/>
+      </a:schemeClr>
+      <a:schemeClr val="accent6">
+        <a:tint val="40000"/>
+        <a:alpha val="90000"/>
+      </a:schemeClr>
     </dgm:fillClrLst>
-    <dgm:linClrLst>
+    <dgm:linClrLst meth="repeat">
       <a:schemeClr val="accent2">
         <a:tint val="40000"/>
         <a:alpha val="90000"/>
       </a:schemeClr>
       <a:schemeClr val="accent3">
+        <a:tint val="40000"/>
+        <a:alpha val="90000"/>
+      </a:schemeClr>
+      <a:schemeClr val="accent4">
+        <a:tint val="40000"/>
+        <a:alpha val="90000"/>
+      </a:schemeClr>
+      <a:schemeClr val="accent5">
+        <a:tint val="40000"/>
+        <a:alpha val="90000"/>
+      </a:schemeClr>
+      <a:schemeClr val="accent6">
         <a:tint val="40000"/>
         <a:alpha val="90000"/>
       </a:schemeClr>
@@ -1839,7 +919,7 @@
       </a:schemeClr>
     </dgm:fillClrLst>
     <dgm:linClrLst>
-      <a:schemeClr val="accent3"/>
+      <a:schemeClr val="accent2"/>
     </dgm:linClrLst>
     <dgm:effectClrLst/>
     <dgm:txLinClrLst/>
@@ -1855,7 +935,7 @@
       </a:schemeClr>
     </dgm:fillClrLst>
     <dgm:linClrLst>
-      <a:schemeClr val="accent4"/>
+      <a:schemeClr val="accent3"/>
     </dgm:linClrLst>
     <dgm:effectClrLst/>
     <dgm:txLinClrLst/>
@@ -1871,7 +951,7 @@
       </a:schemeClr>
     </dgm:fillClrLst>
     <dgm:linClrLst>
-      <a:schemeClr val="accent5"/>
+      <a:schemeClr val="accent4"/>
     </dgm:linClrLst>
     <dgm:effectClrLst/>
     <dgm:txLinClrLst/>
@@ -1882,8 +962,8 @@
   </dgm:styleLbl>
   <dgm:styleLbl name="bgShp">
     <dgm:fillClrLst meth="repeat">
-      <a:schemeClr val="accent2">
-        <a:tint val="40000"/>
+      <a:schemeClr val="bg1">
+        <a:lumMod val="95000"/>
       </a:schemeClr>
     </dgm:fillClrLst>
     <dgm:linClrLst meth="repeat">
@@ -1914,7 +994,7 @@
   </dgm:styleLbl>
   <dgm:styleLbl name="trBgShp">
     <dgm:fillClrLst meth="repeat">
-      <a:schemeClr val="accent2">
+      <a:schemeClr val="accent1">
         <a:tint val="50000"/>
         <a:alpha val="40000"/>
       </a:schemeClr>
@@ -1969,8 +1049,8 @@
 <file path=ppt/diagrams/data1.xml><?xml version="1.0" encoding="utf-8"?>
 <dgm:dataModel xmlns:dgm="http://schemas.openxmlformats.org/drawingml/2006/diagram" xmlns:a="http://schemas.openxmlformats.org/drawingml/2006/main">
   <dgm:ptLst>
-    <dgm:pt modelId="{3F442EA2-39BA-4C9A-AD59-755D4917D532}" type="doc">
-      <dgm:prSet loTypeId="urn:microsoft.com/office/officeart/2005/8/layout/list1" loCatId="list" qsTypeId="urn:microsoft.com/office/officeart/2005/8/quickstyle/simple1" qsCatId="simple" csTypeId="urn:microsoft.com/office/officeart/2005/8/colors/colorful2" csCatId="colorful" phldr="1"/>
+    <dgm:pt modelId="{408663D6-B54A-417E-B153-6F311FCD22B0}" type="doc">
+      <dgm:prSet loTypeId="urn:microsoft.com/office/officeart/2018/2/layout/IconVerticalSolidList" loCatId="icon" qsTypeId="urn:microsoft.com/office/officeart/2005/8/quickstyle/simple1" qsCatId="simple" csTypeId="urn:microsoft.com/office/officeart/2018/5/colors/Iconchunking_neutralbg_colorful1" csCatId="colorful" phldr="1"/>
       <dgm:spPr/>
       <dgm:t>
         <a:bodyPr/>
@@ -1980,26 +1060,42 @@
         </a:p>
       </dgm:t>
     </dgm:pt>
-    <dgm:pt modelId="{4DF9FE7B-F642-4898-A360-D4E3814E1A3D}">
-      <dgm:prSet phldrT="[Text]"/>
+    <dgm:pt modelId="{A3BE33AB-D240-4C98-8EB7-E046DB04FFB2}">
+      <dgm:prSet custT="1"/>
       <dgm:spPr/>
       <dgm:t>
         <a:bodyPr/>
         <a:lstStyle/>
         <a:p>
+          <a:pPr>
+            <a:lnSpc>
+              <a:spcPct val="100000"/>
+            </a:lnSpc>
+          </a:pPr>
           <a:r>
-            <a:rPr lang="en-US" dirty="0"/>
-            <a:t>Group A</a:t>
+            <a:rPr lang="en-US" sz="2400" b="0" i="0" kern="1200" dirty="0">
+              <a:solidFill>
+                <a:prstClr val="black">
+                  <a:hueOff val="0"/>
+                  <a:satOff val="0"/>
+                  <a:lumOff val="0"/>
+                  <a:alphaOff val="0"/>
+                </a:prstClr>
+              </a:solidFill>
+              <a:latin typeface="American Typewriter" panose="02090604020004020304" pitchFamily="18" charset="77"/>
+              <a:ea typeface="+mn-ea"/>
+              <a:cs typeface="+mn-cs"/>
+            </a:rPr>
+            <a:t>Clean and modify the data using Pandas and Jupyter Notebook</a:t>
+          </a:r>
+          <a:r>
+            <a:rPr lang="en-US" sz="1800" kern="1200" dirty="0"/>
+            <a:t>.</a:t>
           </a:r>
         </a:p>
       </dgm:t>
-      <dgm:extLst>
-        <a:ext uri="{E40237B7-FDA0-4F09-8148-C483321AD2D9}">
-          <dgm14:cNvPr xmlns:dgm14="http://schemas.microsoft.com/office/drawing/2010/diagram" id="0" name="" title="Group A title"/>
-        </a:ext>
-      </dgm:extLst>
     </dgm:pt>
-    <dgm:pt modelId="{1C10F06D-860A-4604-A7AD-02E614FE3976}" type="parTrans" cxnId="{EBD8BE8D-6018-43E2-B081-034BB5656EB6}">
+    <dgm:pt modelId="{8C403C21-EC68-4FD0-919A-63A20025E411}" type="parTrans" cxnId="{68A5A5F2-445E-42C1-94CE-67D0562F8F24}">
       <dgm:prSet/>
       <dgm:spPr/>
       <dgm:t>
@@ -2010,7 +1106,7 @@
         </a:p>
       </dgm:t>
     </dgm:pt>
-    <dgm:pt modelId="{43C18EFF-81FC-4D70-8C6B-E95FF3730413}" type="sibTrans" cxnId="{EBD8BE8D-6018-43E2-B081-034BB5656EB6}">
+    <dgm:pt modelId="{A3A56AA8-80A9-43A6-BA4A-9CC9E435B2EB}" type="sibTrans" cxnId="{68A5A5F2-445E-42C1-94CE-67D0562F8F24}">
       <dgm:prSet/>
       <dgm:spPr/>
       <dgm:t>
@@ -2021,26 +1117,28 @@
         </a:p>
       </dgm:t>
     </dgm:pt>
-    <dgm:pt modelId="{EFF2750D-B4B3-474C-8B62-8B638DC31F7E}">
-      <dgm:prSet phldrT="[Text]"/>
+    <dgm:pt modelId="{45C6E364-7183-4B1A-972B-3EF98E2D84FB}">
+      <dgm:prSet custT="1"/>
       <dgm:spPr/>
       <dgm:t>
         <a:bodyPr/>
         <a:lstStyle/>
         <a:p>
+          <a:pPr>
+            <a:lnSpc>
+              <a:spcPct val="100000"/>
+            </a:lnSpc>
+          </a:pPr>
           <a:r>
-            <a:rPr lang="en-US" dirty="0"/>
-            <a:t>Task 1</a:t>
+            <a:rPr lang="en-US" sz="2400" b="0" i="0" dirty="0">
+              <a:latin typeface="American Typewriter" panose="02090604020004020304" pitchFamily="18" charset="77"/>
+            </a:rPr>
+            <a:t> Use HTML, CSS and JavaScript on the front end.</a:t>
           </a:r>
         </a:p>
       </dgm:t>
-      <dgm:extLst>
-        <a:ext uri="{E40237B7-FDA0-4F09-8148-C483321AD2D9}">
-          <dgm14:cNvPr xmlns:dgm14="http://schemas.microsoft.com/office/drawing/2010/diagram" id="0" name="" title="Group A tasks"/>
-        </a:ext>
-      </dgm:extLst>
     </dgm:pt>
-    <dgm:pt modelId="{AEBC78E6-CDDC-4C8F-A157-3C51E907FACD}" type="parTrans" cxnId="{A058DDA2-48CA-4E5B-B389-F71A59C262B0}">
+    <dgm:pt modelId="{0450023E-C971-4D7A-B3B0-B27B07401477}" type="parTrans" cxnId="{999DCDC3-89E0-4341-9D23-EB0FE8D9309D}">
       <dgm:prSet/>
       <dgm:spPr/>
       <dgm:t>
@@ -2051,7 +1149,7 @@
         </a:p>
       </dgm:t>
     </dgm:pt>
-    <dgm:pt modelId="{75C067D7-FCD2-4969-8F27-4BBDA88E75ED}" type="sibTrans" cxnId="{A058DDA2-48CA-4E5B-B389-F71A59C262B0}">
+    <dgm:pt modelId="{22C40F61-8386-45D7-8B7E-5F2C2D9ADC8B}" type="sibTrans" cxnId="{999DCDC3-89E0-4341-9D23-EB0FE8D9309D}">
       <dgm:prSet/>
       <dgm:spPr/>
       <dgm:t>
@@ -2062,21 +1160,38 @@
         </a:p>
       </dgm:t>
     </dgm:pt>
-    <dgm:pt modelId="{789CD6DB-3A68-4A41-90BD-4F0CBB3617D1}">
-      <dgm:prSet phldrT="[Text]"/>
+    <dgm:pt modelId="{2D7268C0-00E2-43EE-92CC-C7CD5C43C097}">
+      <dgm:prSet custT="1"/>
       <dgm:spPr/>
       <dgm:t>
         <a:bodyPr/>
         <a:lstStyle/>
         <a:p>
+          <a:pPr>
+            <a:lnSpc>
+              <a:spcPct val="100000"/>
+            </a:lnSpc>
+          </a:pPr>
           <a:r>
-            <a:rPr lang="en-US" dirty="0"/>
-            <a:t>Task 2</a:t>
+            <a:rPr lang="en-US" sz="2400" b="0" i="0" kern="1200" dirty="0">
+              <a:solidFill>
+                <a:prstClr val="black">
+                  <a:hueOff val="0"/>
+                  <a:satOff val="0"/>
+                  <a:lumOff val="0"/>
+                  <a:alphaOff val="0"/>
+                </a:prstClr>
+              </a:solidFill>
+              <a:latin typeface="American Typewriter" panose="02090604020004020304" pitchFamily="18" charset="77"/>
+              <a:ea typeface="+mn-ea"/>
+              <a:cs typeface="+mn-cs"/>
+            </a:rPr>
+            <a:t>             Use D3, Plotly, JSuites and Leaflet to visualize the data.</a:t>
           </a:r>
         </a:p>
       </dgm:t>
     </dgm:pt>
-    <dgm:pt modelId="{C0BEB5FF-8DFB-40B9-A228-C0C6097DDDC4}" type="parTrans" cxnId="{62C10234-45D3-426A-8820-4C0D1D8CBA21}">
+    <dgm:pt modelId="{B3AE392A-D6E3-4383-9959-62F714D3A847}" type="parTrans" cxnId="{15271804-A5FE-4EC3-8CB9-49B0C62A2211}">
       <dgm:prSet/>
       <dgm:spPr/>
       <dgm:t>
@@ -2087,7 +1202,7 @@
         </a:p>
       </dgm:t>
     </dgm:pt>
-    <dgm:pt modelId="{1A702531-A59F-4EE2-8246-E2EB0955D8B1}" type="sibTrans" cxnId="{62C10234-45D3-426A-8820-4C0D1D8CBA21}">
+    <dgm:pt modelId="{9C42DE7D-E0C7-4F1F-AC25-E4841978750A}" type="sibTrans" cxnId="{15271804-A5FE-4EC3-8CB9-49B0C62A2211}">
       <dgm:prSet/>
       <dgm:spPr/>
       <dgm:t>
@@ -2098,26 +1213,38 @@
         </a:p>
       </dgm:t>
     </dgm:pt>
-    <dgm:pt modelId="{3929B1E1-4BC4-4C73-ABE8-27CEF96A3652}">
-      <dgm:prSet phldrT="[Text]"/>
+    <dgm:pt modelId="{5E3A7F29-168B-42DA-8E82-8F04799F0C51}">
+      <dgm:prSet custT="1"/>
       <dgm:spPr/>
       <dgm:t>
         <a:bodyPr/>
         <a:lstStyle/>
         <a:p>
+          <a:pPr>
+            <a:lnSpc>
+              <a:spcPct val="100000"/>
+            </a:lnSpc>
+          </a:pPr>
           <a:r>
-            <a:rPr lang="en-US" dirty="0"/>
-            <a:t>Group B</a:t>
+            <a:rPr lang="en-US" sz="2400" b="0" i="0" kern="1200" dirty="0">
+              <a:solidFill>
+                <a:prstClr val="black">
+                  <a:hueOff val="0"/>
+                  <a:satOff val="0"/>
+                  <a:lumOff val="0"/>
+                  <a:alphaOff val="0"/>
+                </a:prstClr>
+              </a:solidFill>
+              <a:latin typeface="American Typewriter" panose="02090604020004020304" pitchFamily="18" charset="77"/>
+              <a:ea typeface="+mn-ea"/>
+              <a:cs typeface="+mn-cs"/>
+            </a:rPr>
+            <a:t>Use Python as the programming language, Flask as the web server and Heroku to host the application</a:t>
           </a:r>
         </a:p>
       </dgm:t>
-      <dgm:extLst>
-        <a:ext uri="{E40237B7-FDA0-4F09-8148-C483321AD2D9}">
-          <dgm14:cNvPr xmlns:dgm14="http://schemas.microsoft.com/office/drawing/2010/diagram" id="0" name="" title="Group B title"/>
-        </a:ext>
-      </dgm:extLst>
     </dgm:pt>
-    <dgm:pt modelId="{F356CC76-9117-4B79-A270-BBBAFD3E9C79}" type="parTrans" cxnId="{1339090C-9A95-4C05-841C-FA3AF987601B}">
+    <dgm:pt modelId="{0580238F-5556-4752-B500-DEC1A1D42019}" type="sibTrans" cxnId="{1152E90A-9A72-4359-918D-0CB0806907C1}">
       <dgm:prSet/>
       <dgm:spPr/>
       <dgm:t>
@@ -2128,7 +1255,7 @@
         </a:p>
       </dgm:t>
     </dgm:pt>
-    <dgm:pt modelId="{19BA0C22-38BB-4E9F-89D5-0FF5FF9F12CE}" type="sibTrans" cxnId="{1339090C-9A95-4C05-841C-FA3AF987601B}">
+    <dgm:pt modelId="{61A09ED9-2B1D-4FD8-9657-C671AEED290E}" type="parTrans" cxnId="{1152E90A-9A72-4359-918D-0CB0806907C1}">
       <dgm:prSet/>
       <dgm:spPr/>
       <dgm:t>
@@ -2139,347 +1266,348 @@
         </a:p>
       </dgm:t>
     </dgm:pt>
-    <dgm:pt modelId="{99E0600D-9954-43F4-8926-13B8777FAAA1}">
-      <dgm:prSet phldrT="[Text]"/>
+    <dgm:pt modelId="{A696A335-757E-C743-A0BA-54C53D5B4202}">
+      <dgm:prSet custT="1"/>
       <dgm:spPr/>
       <dgm:t>
         <a:bodyPr/>
         <a:lstStyle/>
         <a:p>
+          <a:pPr>
+            <a:lnSpc>
+              <a:spcPct val="100000"/>
+            </a:lnSpc>
+          </a:pPr>
           <a:r>
-            <a:rPr lang="en-US" dirty="0"/>
-            <a:t>Task 1</a:t>
+            <a:rPr lang="en-GB" sz="2400" b="0" i="0" kern="1200" dirty="0">
+              <a:solidFill>
+                <a:prstClr val="black">
+                  <a:hueOff val="0"/>
+                  <a:satOff val="0"/>
+                  <a:lumOff val="0"/>
+                  <a:alphaOff val="0"/>
+                </a:prstClr>
+              </a:solidFill>
+              <a:latin typeface="American Typewriter" panose="02090604020004020304" pitchFamily="18" charset="77"/>
+              <a:ea typeface="+mn-ea"/>
+              <a:cs typeface="+mn-cs"/>
+            </a:rPr>
+            <a:t>Deployed Python’s Scikit machine learning models</a:t>
           </a:r>
         </a:p>
       </dgm:t>
-      <dgm:extLst>
-        <a:ext uri="{E40237B7-FDA0-4F09-8148-C483321AD2D9}">
-          <dgm14:cNvPr xmlns:dgm14="http://schemas.microsoft.com/office/drawing/2010/diagram" id="0" name="" title="Group B tasks"/>
-        </a:ext>
-      </dgm:extLst>
     </dgm:pt>
-    <dgm:pt modelId="{BE23F476-2C5C-42ED-BF2B-CD5FC7ADDDF6}" type="parTrans" cxnId="{09FCCB9D-A30A-4326-970E-26252D39327F}">
+    <dgm:pt modelId="{BC9D8B9B-A7F0-7F46-A7A1-00F45EC33623}" type="parTrans" cxnId="{4AA45DA0-B00A-0D4C-9705-D15ED4DFDC93}">
       <dgm:prSet/>
       <dgm:spPr/>
       <dgm:t>
         <a:bodyPr/>
         <a:lstStyle/>
         <a:p>
-          <a:endParaRPr lang="en-US"/>
+          <a:endParaRPr lang="en-GB"/>
         </a:p>
       </dgm:t>
     </dgm:pt>
-    <dgm:pt modelId="{C44937DC-4907-4769-AA8B-1B3E7391D7B0}" type="sibTrans" cxnId="{09FCCB9D-A30A-4326-970E-26252D39327F}">
+    <dgm:pt modelId="{735C16B0-5F42-FC42-9F05-68699D5BE791}" type="sibTrans" cxnId="{4AA45DA0-B00A-0D4C-9705-D15ED4DFDC93}">
       <dgm:prSet/>
       <dgm:spPr/>
       <dgm:t>
         <a:bodyPr/>
         <a:lstStyle/>
         <a:p>
-          <a:endParaRPr lang="en-US"/>
+          <a:endParaRPr lang="en-GB"/>
         </a:p>
       </dgm:t>
     </dgm:pt>
-    <dgm:pt modelId="{0791135C-9DAB-47F6-BE9C-A3E56A2DDA50}">
-      <dgm:prSet phldrT="[Text]"/>
-      <dgm:spPr/>
-      <dgm:t>
-        <a:bodyPr/>
-        <a:lstStyle/>
-        <a:p>
-          <a:r>
-            <a:rPr lang="en-US" dirty="0"/>
-            <a:t>Task 2</a:t>
-          </a:r>
-        </a:p>
-      </dgm:t>
-    </dgm:pt>
-    <dgm:pt modelId="{D6057E63-9793-4991-97C1-30FC405E95A5}" type="parTrans" cxnId="{B3B26E9A-58E5-497B-BD59-F5567958C609}">
-      <dgm:prSet/>
-      <dgm:spPr/>
-      <dgm:t>
-        <a:bodyPr/>
-        <a:lstStyle/>
-        <a:p>
-          <a:endParaRPr lang="en-US"/>
-        </a:p>
-      </dgm:t>
-    </dgm:pt>
-    <dgm:pt modelId="{B670C2A7-83CB-4F4C-BC19-A3A7C066A822}" type="sibTrans" cxnId="{B3B26E9A-58E5-497B-BD59-F5567958C609}">
-      <dgm:prSet/>
-      <dgm:spPr/>
-      <dgm:t>
-        <a:bodyPr/>
-        <a:lstStyle/>
-        <a:p>
-          <a:endParaRPr lang="en-US"/>
-        </a:p>
-      </dgm:t>
-    </dgm:pt>
-    <dgm:pt modelId="{60CDF8D0-D4FC-4467-A51E-79C5A58B0B2C}">
-      <dgm:prSet phldrT="[Text]"/>
-      <dgm:spPr/>
-      <dgm:t>
-        <a:bodyPr/>
-        <a:lstStyle/>
-        <a:p>
-          <a:r>
-            <a:rPr lang="en-US" dirty="0"/>
-            <a:t>Group C</a:t>
-          </a:r>
-        </a:p>
-      </dgm:t>
-      <dgm:extLst>
-        <a:ext uri="{E40237B7-FDA0-4F09-8148-C483321AD2D9}">
-          <dgm14:cNvPr xmlns:dgm14="http://schemas.microsoft.com/office/drawing/2010/diagram" id="0" name="" title="Group C title"/>
-        </a:ext>
-      </dgm:extLst>
-    </dgm:pt>
-    <dgm:pt modelId="{E12A269F-AB82-486A-9077-80F2BBBE48C2}" type="parTrans" cxnId="{2BA65DEC-E719-4ED3-8135-48349D42DD04}">
-      <dgm:prSet/>
-      <dgm:spPr/>
-      <dgm:t>
-        <a:bodyPr/>
-        <a:lstStyle/>
-        <a:p>
-          <a:endParaRPr lang="en-US"/>
-        </a:p>
-      </dgm:t>
-    </dgm:pt>
-    <dgm:pt modelId="{3F7FD59D-A716-4310-A89A-AB6F740D9FFF}" type="sibTrans" cxnId="{2BA65DEC-E719-4ED3-8135-48349D42DD04}">
-      <dgm:prSet/>
-      <dgm:spPr/>
-      <dgm:t>
-        <a:bodyPr/>
-        <a:lstStyle/>
-        <a:p>
-          <a:endParaRPr lang="en-US"/>
-        </a:p>
-      </dgm:t>
-    </dgm:pt>
-    <dgm:pt modelId="{50629C12-7464-4473-ADEF-1A284F8A9957}">
-      <dgm:prSet phldrT="[Text]"/>
-      <dgm:spPr/>
-      <dgm:t>
-        <a:bodyPr/>
-        <a:lstStyle/>
-        <a:p>
-          <a:r>
-            <a:rPr lang="en-US" dirty="0"/>
-            <a:t>Task 1</a:t>
-          </a:r>
-        </a:p>
-      </dgm:t>
-      <dgm:extLst>
-        <a:ext uri="{E40237B7-FDA0-4F09-8148-C483321AD2D9}">
-          <dgm14:cNvPr xmlns:dgm14="http://schemas.microsoft.com/office/drawing/2010/diagram" id="0" name="" title="Group C tasks"/>
-        </a:ext>
-      </dgm:extLst>
-    </dgm:pt>
-    <dgm:pt modelId="{9D1CB46C-0CFA-4B27-9224-267431FBD094}" type="parTrans" cxnId="{1D32FCC9-657C-4348-9C0D-52115D559FEB}">
-      <dgm:prSet/>
-      <dgm:spPr/>
-      <dgm:t>
-        <a:bodyPr/>
-        <a:lstStyle/>
-        <a:p>
-          <a:endParaRPr lang="en-US"/>
-        </a:p>
-      </dgm:t>
-    </dgm:pt>
-    <dgm:pt modelId="{4576BCC5-0598-4332-A2E7-87AC3ADD4EB8}" type="sibTrans" cxnId="{1D32FCC9-657C-4348-9C0D-52115D559FEB}">
-      <dgm:prSet/>
-      <dgm:spPr/>
-      <dgm:t>
-        <a:bodyPr/>
-        <a:lstStyle/>
-        <a:p>
-          <a:endParaRPr lang="en-US"/>
-        </a:p>
-      </dgm:t>
-    </dgm:pt>
-    <dgm:pt modelId="{5E7E8819-F483-44DF-919F-6E95468C8963}">
-      <dgm:prSet phldrT="[Text]"/>
-      <dgm:spPr/>
-      <dgm:t>
-        <a:bodyPr/>
-        <a:lstStyle/>
-        <a:p>
-          <a:r>
-            <a:rPr lang="en-US" dirty="0"/>
-            <a:t>Task 2</a:t>
-          </a:r>
-        </a:p>
-      </dgm:t>
-    </dgm:pt>
-    <dgm:pt modelId="{C9D6A9DA-302E-4548-885F-28DE53027054}" type="parTrans" cxnId="{4900DF99-B2B3-456B-AD0C-5CC7040B8204}">
-      <dgm:prSet/>
-      <dgm:spPr/>
-      <dgm:t>
-        <a:bodyPr/>
-        <a:lstStyle/>
-        <a:p>
-          <a:endParaRPr lang="en-US"/>
-        </a:p>
-      </dgm:t>
-    </dgm:pt>
-    <dgm:pt modelId="{88B013DA-0720-49D9-A5D2-47224518ADD0}" type="sibTrans" cxnId="{4900DF99-B2B3-456B-AD0C-5CC7040B8204}">
-      <dgm:prSet/>
-      <dgm:spPr/>
-      <dgm:t>
-        <a:bodyPr/>
-        <a:lstStyle/>
-        <a:p>
-          <a:endParaRPr lang="en-US"/>
-        </a:p>
-      </dgm:t>
-    </dgm:pt>
-    <dgm:pt modelId="{E6A445EE-D086-4B01-B491-D67950A5A065}" type="pres">
-      <dgm:prSet presAssocID="{3F442EA2-39BA-4C9A-AD59-755D4917D532}" presName="linear" presStyleCnt="0">
+    <dgm:pt modelId="{B54201C9-71F5-42D7-9EB5-C2342D3EAD84}" type="pres">
+      <dgm:prSet presAssocID="{408663D6-B54A-417E-B153-6F311FCD22B0}" presName="root" presStyleCnt="0">
         <dgm:presLayoutVars>
           <dgm:dir/>
-          <dgm:animLvl val="lvl"/>
           <dgm:resizeHandles val="exact"/>
         </dgm:presLayoutVars>
       </dgm:prSet>
       <dgm:spPr/>
     </dgm:pt>
-    <dgm:pt modelId="{6D3A9625-D3EB-4CA1-AB05-34452283708A}" type="pres">
-      <dgm:prSet presAssocID="{4DF9FE7B-F642-4898-A360-D4E3814E1A3D}" presName="parentLin" presStyleCnt="0"/>
+    <dgm:pt modelId="{C75531C8-6CFC-45D0-9753-AEDB60E77657}" type="pres">
+      <dgm:prSet presAssocID="{A3BE33AB-D240-4C98-8EB7-E046DB04FFB2}" presName="compNode" presStyleCnt="0"/>
       <dgm:spPr/>
     </dgm:pt>
-    <dgm:pt modelId="{7E290D25-335D-4339-A8E8-B036E46B5EB5}" type="pres">
-      <dgm:prSet presAssocID="{4DF9FE7B-F642-4898-A360-D4E3814E1A3D}" presName="parentLeftMargin" presStyleLbl="node1" presStyleIdx="0" presStyleCnt="3"/>
+    <dgm:pt modelId="{3C80F671-1E64-4BFD-98FF-BD7BEA967DA3}" type="pres">
+      <dgm:prSet presAssocID="{A3BE33AB-D240-4C98-8EB7-E046DB04FFB2}" presName="bgRect" presStyleLbl="bgShp" presStyleIdx="0" presStyleCnt="5" custLinFactNeighborX="-249" custLinFactNeighborY="10779"/>
+      <dgm:spPr>
+        <a:solidFill>
+          <a:schemeClr val="bg1">
+            <a:lumMod val="95000"/>
+            <a:hueOff val="0"/>
+            <a:satOff val="0"/>
+            <a:lumOff val="0"/>
+            <a:alpha val="0"/>
+          </a:schemeClr>
+        </a:solidFill>
+      </dgm:spPr>
+    </dgm:pt>
+    <dgm:pt modelId="{43E9A24F-2156-49D7-8A52-92F332804987}" type="pres">
+      <dgm:prSet presAssocID="{A3BE33AB-D240-4C98-8EB7-E046DB04FFB2}" presName="iconRect" presStyleLbl="node1" presStyleIdx="0" presStyleCnt="5" custLinFactNeighborX="23662" custLinFactNeighborY="73614"/>
+      <dgm:spPr>
+        <a:blipFill>
+          <a:blip xmlns:r="http://schemas.openxmlformats.org/officeDocument/2006/relationships" r:embed="rId1"/>
+          <a:srcRect/>
+          <a:stretch>
+            <a:fillRect t="-8000" b="-8000"/>
+          </a:stretch>
+        </a:blipFill>
+        <a:ln>
+          <a:noFill/>
+        </a:ln>
+      </dgm:spPr>
+    </dgm:pt>
+    <dgm:pt modelId="{D049A007-A246-4734-AC8F-62A9BD52A146}" type="pres">
+      <dgm:prSet presAssocID="{A3BE33AB-D240-4C98-8EB7-E046DB04FFB2}" presName="spaceRect" presStyleCnt="0"/>
       <dgm:spPr/>
     </dgm:pt>
-    <dgm:pt modelId="{674922F1-7266-4681-AD4F-1C618A5FFF23}" type="pres">
-      <dgm:prSet presAssocID="{4DF9FE7B-F642-4898-A360-D4E3814E1A3D}" presName="parentText" presStyleLbl="node1" presStyleIdx="0" presStyleCnt="3">
+    <dgm:pt modelId="{2FA5E788-8603-4C22-A39C-D4353561DB7C}" type="pres">
+      <dgm:prSet presAssocID="{A3BE33AB-D240-4C98-8EB7-E046DB04FFB2}" presName="parTx" presStyleLbl="revTx" presStyleIdx="0" presStyleCnt="5" custLinFactNeighborY="39375">
         <dgm:presLayoutVars>
           <dgm:chMax val="0"/>
-          <dgm:bulletEnabled val="1"/>
+          <dgm:chPref val="0"/>
         </dgm:presLayoutVars>
       </dgm:prSet>
       <dgm:spPr/>
     </dgm:pt>
-    <dgm:pt modelId="{96C29850-0672-4B77-B5DE-2E1563038631}" type="pres">
-      <dgm:prSet presAssocID="{4DF9FE7B-F642-4898-A360-D4E3814E1A3D}" presName="negativeSpace" presStyleCnt="0"/>
+    <dgm:pt modelId="{C12EEB20-1E01-495F-A425-47E61C4B757D}" type="pres">
+      <dgm:prSet presAssocID="{A3A56AA8-80A9-43A6-BA4A-9CC9E435B2EB}" presName="sibTrans" presStyleCnt="0"/>
       <dgm:spPr/>
     </dgm:pt>
-    <dgm:pt modelId="{80259B02-529C-422B-91BE-D70198BA9F6C}" type="pres">
-      <dgm:prSet presAssocID="{4DF9FE7B-F642-4898-A360-D4E3814E1A3D}" presName="childText" presStyleLbl="conFgAcc1" presStyleIdx="0" presStyleCnt="3">
+    <dgm:pt modelId="{17C1A993-B6B0-42FA-99AF-CABDA00FF4FE}" type="pres">
+      <dgm:prSet presAssocID="{5E3A7F29-168B-42DA-8E82-8F04799F0C51}" presName="compNode" presStyleCnt="0"/>
+      <dgm:spPr/>
+    </dgm:pt>
+    <dgm:pt modelId="{796AF969-B2FF-4497-912F-DE17D19E0724}" type="pres">
+      <dgm:prSet presAssocID="{5E3A7F29-168B-42DA-8E82-8F04799F0C51}" presName="bgRect" presStyleLbl="bgShp" presStyleIdx="1" presStyleCnt="5"/>
+      <dgm:spPr>
+        <a:solidFill>
+          <a:schemeClr val="bg1">
+            <a:lumMod val="95000"/>
+            <a:hueOff val="0"/>
+            <a:satOff val="0"/>
+            <a:lumOff val="0"/>
+            <a:alpha val="0"/>
+          </a:schemeClr>
+        </a:solidFill>
+      </dgm:spPr>
+    </dgm:pt>
+    <dgm:pt modelId="{5E065CEA-2C67-4ACC-8414-DB36A74E3C80}" type="pres">
+      <dgm:prSet presAssocID="{5E3A7F29-168B-42DA-8E82-8F04799F0C51}" presName="iconRect" presStyleLbl="node1" presStyleIdx="1" presStyleCnt="5" custLinFactNeighborX="8792" custLinFactNeighborY="39321"/>
+      <dgm:spPr>
+        <a:blipFill>
+          <a:blip xmlns:r="http://schemas.openxmlformats.org/officeDocument/2006/relationships" r:embed="rId2"/>
+          <a:srcRect/>
+          <a:stretch>
+            <a:fillRect/>
+          </a:stretch>
+        </a:blipFill>
+        <a:ln>
+          <a:noFill/>
+        </a:ln>
+      </dgm:spPr>
+    </dgm:pt>
+    <dgm:pt modelId="{9E82A070-686C-4327-BAF7-065E24B1BDCA}" type="pres">
+      <dgm:prSet presAssocID="{5E3A7F29-168B-42DA-8E82-8F04799F0C51}" presName="spaceRect" presStyleCnt="0"/>
+      <dgm:spPr/>
+    </dgm:pt>
+    <dgm:pt modelId="{012635BC-62B8-4E55-AD8A-E9F47181CDED}" type="pres">
+      <dgm:prSet presAssocID="{5E3A7F29-168B-42DA-8E82-8F04799F0C51}" presName="parTx" presStyleLbl="revTx" presStyleIdx="1" presStyleCnt="5" custLinFactNeighborY="32952">
         <dgm:presLayoutVars>
-          <dgm:bulletEnabled val="1"/>
+          <dgm:chMax val="0"/>
+          <dgm:chPref val="0"/>
         </dgm:presLayoutVars>
       </dgm:prSet>
       <dgm:spPr/>
     </dgm:pt>
-    <dgm:pt modelId="{E53EFB4E-D3DB-42E1-82AC-148F7D29254F}" type="pres">
-      <dgm:prSet presAssocID="{43C18EFF-81FC-4D70-8C6B-E95FF3730413}" presName="spaceBetweenRectangles" presStyleCnt="0"/>
+    <dgm:pt modelId="{6CDE4FC7-FA43-4465-81EF-50E7BE5E5AC8}" type="pres">
+      <dgm:prSet presAssocID="{0580238F-5556-4752-B500-DEC1A1D42019}" presName="sibTrans" presStyleCnt="0"/>
       <dgm:spPr/>
     </dgm:pt>
-    <dgm:pt modelId="{07AC1C38-F728-4390-9C76-57A49ED97DBB}" type="pres">
-      <dgm:prSet presAssocID="{3929B1E1-4BC4-4C73-ABE8-27CEF96A3652}" presName="parentLin" presStyleCnt="0"/>
+    <dgm:pt modelId="{0E65F5CD-55A9-40A9-B9FE-3E6F34F14528}" type="pres">
+      <dgm:prSet presAssocID="{45C6E364-7183-4B1A-972B-3EF98E2D84FB}" presName="compNode" presStyleCnt="0"/>
       <dgm:spPr/>
     </dgm:pt>
-    <dgm:pt modelId="{D0037F0D-DB9A-4BA4-97B4-D939B26E14DA}" type="pres">
-      <dgm:prSet presAssocID="{3929B1E1-4BC4-4C73-ABE8-27CEF96A3652}" presName="parentLeftMargin" presStyleLbl="node1" presStyleIdx="0" presStyleCnt="3"/>
+    <dgm:pt modelId="{BA615855-B56C-4789-BCB2-38FDC6A40EBE}" type="pres">
+      <dgm:prSet presAssocID="{45C6E364-7183-4B1A-972B-3EF98E2D84FB}" presName="bgRect" presStyleLbl="bgShp" presStyleIdx="2" presStyleCnt="5"/>
+      <dgm:spPr>
+        <a:solidFill>
+          <a:schemeClr val="bg1">
+            <a:lumMod val="95000"/>
+            <a:hueOff val="0"/>
+            <a:satOff val="0"/>
+            <a:lumOff val="0"/>
+            <a:alpha val="0"/>
+          </a:schemeClr>
+        </a:solidFill>
+      </dgm:spPr>
+    </dgm:pt>
+    <dgm:pt modelId="{99471358-9648-4CD1-B055-3976A892A828}" type="pres">
+      <dgm:prSet presAssocID="{45C6E364-7183-4B1A-972B-3EF98E2D84FB}" presName="iconRect" presStyleLbl="node1" presStyleIdx="2" presStyleCnt="5" custScaleX="133502" custScaleY="110740" custLinFactNeighborX="21601" custLinFactNeighborY="35116"/>
+      <dgm:spPr>
+        <a:blipFill dpi="0" rotWithShape="1">
+          <a:blip xmlns:r="http://schemas.openxmlformats.org/officeDocument/2006/relationships" r:embed="rId3"/>
+          <a:srcRect/>
+          <a:stretch>
+            <a:fillRect t="-10000" b="-10000"/>
+          </a:stretch>
+        </a:blipFill>
+        <a:ln>
+          <a:noFill/>
+        </a:ln>
+      </dgm:spPr>
+    </dgm:pt>
+    <dgm:pt modelId="{27F0FAD5-DC76-4D89-97FD-2275D7F843B9}" type="pres">
+      <dgm:prSet presAssocID="{45C6E364-7183-4B1A-972B-3EF98E2D84FB}" presName="spaceRect" presStyleCnt="0"/>
       <dgm:spPr/>
     </dgm:pt>
-    <dgm:pt modelId="{21EEBBE2-729F-4D85-8CAE-C2B30FF126D2}" type="pres">
-      <dgm:prSet presAssocID="{3929B1E1-4BC4-4C73-ABE8-27CEF96A3652}" presName="parentText" presStyleLbl="node1" presStyleIdx="1" presStyleCnt="3">
+    <dgm:pt modelId="{80364E72-3159-4F99-AECC-711BAFB4FD54}" type="pres">
+      <dgm:prSet presAssocID="{45C6E364-7183-4B1A-972B-3EF98E2D84FB}" presName="parTx" presStyleLbl="revTx" presStyleIdx="2" presStyleCnt="5" custLinFactNeighborX="-590" custLinFactNeighborY="19333">
         <dgm:presLayoutVars>
           <dgm:chMax val="0"/>
-          <dgm:bulletEnabled val="1"/>
+          <dgm:chPref val="0"/>
         </dgm:presLayoutVars>
       </dgm:prSet>
       <dgm:spPr/>
     </dgm:pt>
-    <dgm:pt modelId="{AACB3FAF-C320-430D-84D4-71BA6D1761D1}" type="pres">
-      <dgm:prSet presAssocID="{3929B1E1-4BC4-4C73-ABE8-27CEF96A3652}" presName="negativeSpace" presStyleCnt="0"/>
+    <dgm:pt modelId="{DA7BA8F3-CFA7-3946-B47D-051934992C70}" type="pres">
+      <dgm:prSet presAssocID="{22C40F61-8386-45D7-8B7E-5F2C2D9ADC8B}" presName="sibTrans" presStyleCnt="0"/>
       <dgm:spPr/>
     </dgm:pt>
-    <dgm:pt modelId="{5282638F-EFF2-4770-BB1A-21455422E45D}" type="pres">
-      <dgm:prSet presAssocID="{3929B1E1-4BC4-4C73-ABE8-27CEF96A3652}" presName="childText" presStyleLbl="conFgAcc1" presStyleIdx="1" presStyleCnt="3">
+    <dgm:pt modelId="{FBCF7BE0-1B4C-A142-B294-F9E3A9DF4CDB}" type="pres">
+      <dgm:prSet presAssocID="{2D7268C0-00E2-43EE-92CC-C7CD5C43C097}" presName="compNode" presStyleCnt="0"/>
+      <dgm:spPr/>
+    </dgm:pt>
+    <dgm:pt modelId="{B2299F77-372D-724D-B807-9706E219FB72}" type="pres">
+      <dgm:prSet presAssocID="{2D7268C0-00E2-43EE-92CC-C7CD5C43C097}" presName="bgRect" presStyleLbl="bgShp" presStyleIdx="3" presStyleCnt="5" custFlipHor="0" custScaleX="31106" custScaleY="95004" custLinFactNeighborX="-19926" custLinFactNeighborY="-5136"/>
+      <dgm:spPr>
+        <a:noFill/>
+      </dgm:spPr>
+    </dgm:pt>
+    <dgm:pt modelId="{B14FF618-2CAD-094A-849E-219F16265820}" type="pres">
+      <dgm:prSet presAssocID="{2D7268C0-00E2-43EE-92CC-C7CD5C43C097}" presName="iconRect" presStyleLbl="node1" presStyleIdx="3" presStyleCnt="5" custLinFactNeighborX="64522" custLinFactNeighborY="29919"/>
+      <dgm:spPr>
+        <a:blipFill>
+          <a:blip xmlns:r="http://schemas.openxmlformats.org/officeDocument/2006/relationships" r:embed="rId4"/>
+          <a:srcRect/>
+          <a:stretch>
+            <a:fillRect/>
+          </a:stretch>
+        </a:blipFill>
+      </dgm:spPr>
+    </dgm:pt>
+    <dgm:pt modelId="{A89D1CB2-A03D-954C-A822-03CE57D5FB34}" type="pres">
+      <dgm:prSet presAssocID="{2D7268C0-00E2-43EE-92CC-C7CD5C43C097}" presName="spaceRect" presStyleCnt="0"/>
+      <dgm:spPr/>
+    </dgm:pt>
+    <dgm:pt modelId="{75578D56-AF95-F845-BA77-44B2C7C42046}" type="pres">
+      <dgm:prSet presAssocID="{2D7268C0-00E2-43EE-92CC-C7CD5C43C097}" presName="parTx" presStyleLbl="revTx" presStyleIdx="3" presStyleCnt="5" custScaleX="108433" custLinFactNeighborX="-2865" custLinFactNeighborY="20590">
         <dgm:presLayoutVars>
-          <dgm:bulletEnabled val="1"/>
+          <dgm:chMax val="0"/>
+          <dgm:chPref val="0"/>
         </dgm:presLayoutVars>
       </dgm:prSet>
       <dgm:spPr/>
     </dgm:pt>
-    <dgm:pt modelId="{8CE827AA-77D8-4146-A665-00110A17769E}" type="pres">
-      <dgm:prSet presAssocID="{19BA0C22-38BB-4E9F-89D5-0FF5FF9F12CE}" presName="spaceBetweenRectangles" presStyleCnt="0"/>
+    <dgm:pt modelId="{511A7634-D0DE-1748-B5EC-6EC55AE9CE5C}" type="pres">
+      <dgm:prSet presAssocID="{9C42DE7D-E0C7-4F1F-AC25-E4841978750A}" presName="sibTrans" presStyleCnt="0"/>
       <dgm:spPr/>
     </dgm:pt>
-    <dgm:pt modelId="{34C9EE47-81AF-461E-8292-AB107AA0D367}" type="pres">
-      <dgm:prSet presAssocID="{60CDF8D0-D4FC-4467-A51E-79C5A58B0B2C}" presName="parentLin" presStyleCnt="0"/>
+    <dgm:pt modelId="{753398AE-26F2-DD42-B40E-88B86974B0EE}" type="pres">
+      <dgm:prSet presAssocID="{A696A335-757E-C743-A0BA-54C53D5B4202}" presName="compNode" presStyleCnt="0"/>
       <dgm:spPr/>
     </dgm:pt>
-    <dgm:pt modelId="{864CB39B-29F9-473D-90E5-0686D86E278F}" type="pres">
-      <dgm:prSet presAssocID="{60CDF8D0-D4FC-4467-A51E-79C5A58B0B2C}" presName="parentLeftMargin" presStyleLbl="node1" presStyleIdx="1" presStyleCnt="3"/>
+    <dgm:pt modelId="{DE055049-F0C9-7440-A802-5A0B3BE77FDC}" type="pres">
+      <dgm:prSet presAssocID="{A696A335-757E-C743-A0BA-54C53D5B4202}" presName="bgRect" presStyleLbl="bgShp" presStyleIdx="4" presStyleCnt="5" custLinFactNeighborX="4359" custLinFactNeighborY="1057"/>
+      <dgm:spPr>
+        <a:solidFill>
+          <a:schemeClr val="bg1">
+            <a:lumMod val="95000"/>
+            <a:hueOff val="0"/>
+            <a:satOff val="0"/>
+            <a:lumOff val="0"/>
+            <a:alpha val="1000"/>
+          </a:schemeClr>
+        </a:solidFill>
+      </dgm:spPr>
+    </dgm:pt>
+    <dgm:pt modelId="{B163A757-D159-F94B-AF51-D312541B8733}" type="pres">
+      <dgm:prSet presAssocID="{A696A335-757E-C743-A0BA-54C53D5B4202}" presName="iconRect" presStyleLbl="node1" presStyleIdx="4" presStyleCnt="5"/>
+      <dgm:spPr>
+        <a:blipFill>
+          <a:blip xmlns:r="http://schemas.openxmlformats.org/officeDocument/2006/relationships" r:embed="rId5">
+            <a:extLst>
+              <a:ext uri="{28A0092B-C50C-407E-A947-70E740481C1C}">
+                <a14:useLocalDpi xmlns:a14="http://schemas.microsoft.com/office/drawing/2010/main" val="0"/>
+              </a:ext>
+            </a:extLst>
+          </a:blip>
+          <a:srcRect/>
+          <a:stretch>
+            <a:fillRect l="-21000" r="-21000"/>
+          </a:stretch>
+        </a:blipFill>
+      </dgm:spPr>
+    </dgm:pt>
+    <dgm:pt modelId="{FAA21E2A-C4CA-5B40-BE5F-0986914CA5DF}" type="pres">
+      <dgm:prSet presAssocID="{A696A335-757E-C743-A0BA-54C53D5B4202}" presName="spaceRect" presStyleCnt="0"/>
       <dgm:spPr/>
     </dgm:pt>
-    <dgm:pt modelId="{5B203A22-00AF-46E7-9415-C6DAFD7E01CC}" type="pres">
-      <dgm:prSet presAssocID="{60CDF8D0-D4FC-4467-A51E-79C5A58B0B2C}" presName="parentText" presStyleLbl="node1" presStyleIdx="2" presStyleCnt="3">
+    <dgm:pt modelId="{6BC11AE7-8008-E94F-A87F-970CD244DC7E}" type="pres">
+      <dgm:prSet presAssocID="{A696A335-757E-C743-A0BA-54C53D5B4202}" presName="parTx" presStyleLbl="revTx" presStyleIdx="4" presStyleCnt="5">
         <dgm:presLayoutVars>
           <dgm:chMax val="0"/>
-          <dgm:bulletEnabled val="1"/>
-        </dgm:presLayoutVars>
-      </dgm:prSet>
-      <dgm:spPr/>
-    </dgm:pt>
-    <dgm:pt modelId="{DF9C1F84-81DE-4E5D-9537-C2D1A211B8B6}" type="pres">
-      <dgm:prSet presAssocID="{60CDF8D0-D4FC-4467-A51E-79C5A58B0B2C}" presName="negativeSpace" presStyleCnt="0"/>
-      <dgm:spPr/>
-    </dgm:pt>
-    <dgm:pt modelId="{964E6811-5072-4466-B721-689C35A65029}" type="pres">
-      <dgm:prSet presAssocID="{60CDF8D0-D4FC-4467-A51E-79C5A58B0B2C}" presName="childText" presStyleLbl="conFgAcc1" presStyleIdx="2" presStyleCnt="3">
-        <dgm:presLayoutVars>
-          <dgm:bulletEnabled val="1"/>
+          <dgm:chPref val="0"/>
         </dgm:presLayoutVars>
       </dgm:prSet>
       <dgm:spPr/>
     </dgm:pt>
   </dgm:ptLst>
   <dgm:cxnLst>
-    <dgm:cxn modelId="{1339090C-9A95-4C05-841C-FA3AF987601B}" srcId="{3F442EA2-39BA-4C9A-AD59-755D4917D532}" destId="{3929B1E1-4BC4-4C73-ABE8-27CEF96A3652}" srcOrd="1" destOrd="0" parTransId="{F356CC76-9117-4B79-A270-BBBAFD3E9C79}" sibTransId="{19BA0C22-38BB-4E9F-89D5-0FF5FF9F12CE}"/>
-    <dgm:cxn modelId="{459EDE1B-83A7-4B6B-B912-F01D5F962186}" type="presOf" srcId="{5E7E8819-F483-44DF-919F-6E95468C8963}" destId="{964E6811-5072-4466-B721-689C35A65029}" srcOrd="0" destOrd="1" presId="urn:microsoft.com/office/officeart/2005/8/layout/list1"/>
-    <dgm:cxn modelId="{6108362B-9689-4D0E-8844-2D493AD2CE1C}" type="presOf" srcId="{60CDF8D0-D4FC-4467-A51E-79C5A58B0B2C}" destId="{5B203A22-00AF-46E7-9415-C6DAFD7E01CC}" srcOrd="1" destOrd="0" presId="urn:microsoft.com/office/officeart/2005/8/layout/list1"/>
-    <dgm:cxn modelId="{FE14672D-88A2-4DAE-AC76-CAB968FE519F}" type="presOf" srcId="{3929B1E1-4BC4-4C73-ABE8-27CEF96A3652}" destId="{21EEBBE2-729F-4D85-8CAE-C2B30FF126D2}" srcOrd="1" destOrd="0" presId="urn:microsoft.com/office/officeart/2005/8/layout/list1"/>
-    <dgm:cxn modelId="{62C10234-45D3-426A-8820-4C0D1D8CBA21}" srcId="{4DF9FE7B-F642-4898-A360-D4E3814E1A3D}" destId="{789CD6DB-3A68-4A41-90BD-4F0CBB3617D1}" srcOrd="1" destOrd="0" parTransId="{C0BEB5FF-8DFB-40B9-A228-C0C6097DDDC4}" sibTransId="{1A702531-A59F-4EE2-8246-E2EB0955D8B1}"/>
-    <dgm:cxn modelId="{10498C3A-7068-4ABA-A4D0-3524C0D50310}" type="presOf" srcId="{789CD6DB-3A68-4A41-90BD-4F0CBB3617D1}" destId="{80259B02-529C-422B-91BE-D70198BA9F6C}" srcOrd="0" destOrd="1" presId="urn:microsoft.com/office/officeart/2005/8/layout/list1"/>
-    <dgm:cxn modelId="{3F0C293E-2E7E-4665-8D44-581D552DF9A1}" type="presOf" srcId="{99E0600D-9954-43F4-8926-13B8777FAAA1}" destId="{5282638F-EFF2-4770-BB1A-21455422E45D}" srcOrd="0" destOrd="0" presId="urn:microsoft.com/office/officeart/2005/8/layout/list1"/>
-    <dgm:cxn modelId="{80F58D57-B962-4C9D-B013-5548ADF87448}" type="presOf" srcId="{50629C12-7464-4473-ADEF-1A284F8A9957}" destId="{964E6811-5072-4466-B721-689C35A65029}" srcOrd="0" destOrd="0" presId="urn:microsoft.com/office/officeart/2005/8/layout/list1"/>
-    <dgm:cxn modelId="{2A11C66B-2222-40EF-8E11-88B88D0D3D24}" type="presOf" srcId="{4DF9FE7B-F642-4898-A360-D4E3814E1A3D}" destId="{674922F1-7266-4681-AD4F-1C618A5FFF23}" srcOrd="1" destOrd="0" presId="urn:microsoft.com/office/officeart/2005/8/layout/list1"/>
-    <dgm:cxn modelId="{B1527982-10E5-4CE7-9744-094C706192AF}" type="presOf" srcId="{0791135C-9DAB-47F6-BE9C-A3E56A2DDA50}" destId="{5282638F-EFF2-4770-BB1A-21455422E45D}" srcOrd="0" destOrd="1" presId="urn:microsoft.com/office/officeart/2005/8/layout/list1"/>
-    <dgm:cxn modelId="{EBD8BE8D-6018-43E2-B081-034BB5656EB6}" srcId="{3F442EA2-39BA-4C9A-AD59-755D4917D532}" destId="{4DF9FE7B-F642-4898-A360-D4E3814E1A3D}" srcOrd="0" destOrd="0" parTransId="{1C10F06D-860A-4604-A7AD-02E614FE3976}" sibTransId="{43C18EFF-81FC-4D70-8C6B-E95FF3730413}"/>
-    <dgm:cxn modelId="{3EBFF094-02A9-4D87-B328-CDC32C77ABA8}" type="presOf" srcId="{3929B1E1-4BC4-4C73-ABE8-27CEF96A3652}" destId="{D0037F0D-DB9A-4BA4-97B4-D939B26E14DA}" srcOrd="0" destOrd="0" presId="urn:microsoft.com/office/officeart/2005/8/layout/list1"/>
-    <dgm:cxn modelId="{2416B399-0486-41EC-9CA5-0704E3CCA3BD}" type="presOf" srcId="{4DF9FE7B-F642-4898-A360-D4E3814E1A3D}" destId="{7E290D25-335D-4339-A8E8-B036E46B5EB5}" srcOrd="0" destOrd="0" presId="urn:microsoft.com/office/officeart/2005/8/layout/list1"/>
-    <dgm:cxn modelId="{4900DF99-B2B3-456B-AD0C-5CC7040B8204}" srcId="{60CDF8D0-D4FC-4467-A51E-79C5A58B0B2C}" destId="{5E7E8819-F483-44DF-919F-6E95468C8963}" srcOrd="1" destOrd="0" parTransId="{C9D6A9DA-302E-4548-885F-28DE53027054}" sibTransId="{88B013DA-0720-49D9-A5D2-47224518ADD0}"/>
-    <dgm:cxn modelId="{B3B26E9A-58E5-497B-BD59-F5567958C609}" srcId="{3929B1E1-4BC4-4C73-ABE8-27CEF96A3652}" destId="{0791135C-9DAB-47F6-BE9C-A3E56A2DDA50}" srcOrd="1" destOrd="0" parTransId="{D6057E63-9793-4991-97C1-30FC405E95A5}" sibTransId="{B670C2A7-83CB-4F4C-BC19-A3A7C066A822}"/>
-    <dgm:cxn modelId="{09FCCB9D-A30A-4326-970E-26252D39327F}" srcId="{3929B1E1-4BC4-4C73-ABE8-27CEF96A3652}" destId="{99E0600D-9954-43F4-8926-13B8777FAAA1}" srcOrd="0" destOrd="0" parTransId="{BE23F476-2C5C-42ED-BF2B-CD5FC7ADDDF6}" sibTransId="{C44937DC-4907-4769-AA8B-1B3E7391D7B0}"/>
-    <dgm:cxn modelId="{A058DDA2-48CA-4E5B-B389-F71A59C262B0}" srcId="{4DF9FE7B-F642-4898-A360-D4E3814E1A3D}" destId="{EFF2750D-B4B3-474C-8B62-8B638DC31F7E}" srcOrd="0" destOrd="0" parTransId="{AEBC78E6-CDDC-4C8F-A157-3C51E907FACD}" sibTransId="{75C067D7-FCD2-4969-8F27-4BBDA88E75ED}"/>
-    <dgm:cxn modelId="{339A87A3-3EC4-4744-B773-ADAA643DE229}" type="presOf" srcId="{EFF2750D-B4B3-474C-8B62-8B638DC31F7E}" destId="{80259B02-529C-422B-91BE-D70198BA9F6C}" srcOrd="0" destOrd="0" presId="urn:microsoft.com/office/officeart/2005/8/layout/list1"/>
-    <dgm:cxn modelId="{1D32FCC9-657C-4348-9C0D-52115D559FEB}" srcId="{60CDF8D0-D4FC-4467-A51E-79C5A58B0B2C}" destId="{50629C12-7464-4473-ADEF-1A284F8A9957}" srcOrd="0" destOrd="0" parTransId="{9D1CB46C-0CFA-4B27-9224-267431FBD094}" sibTransId="{4576BCC5-0598-4332-A2E7-87AC3ADD4EB8}"/>
-    <dgm:cxn modelId="{2BF18ED1-39D2-485A-8964-4E3198F8F4F0}" type="presOf" srcId="{60CDF8D0-D4FC-4467-A51E-79C5A58B0B2C}" destId="{864CB39B-29F9-473D-90E5-0686D86E278F}" srcOrd="0" destOrd="0" presId="urn:microsoft.com/office/officeart/2005/8/layout/list1"/>
-    <dgm:cxn modelId="{F00D43D3-2EBF-439E-A0F5-E3EE90A22AD7}" type="presOf" srcId="{3F442EA2-39BA-4C9A-AD59-755D4917D532}" destId="{E6A445EE-D086-4B01-B491-D67950A5A065}" srcOrd="0" destOrd="0" presId="urn:microsoft.com/office/officeart/2005/8/layout/list1"/>
-    <dgm:cxn modelId="{2BA65DEC-E719-4ED3-8135-48349D42DD04}" srcId="{3F442EA2-39BA-4C9A-AD59-755D4917D532}" destId="{60CDF8D0-D4FC-4467-A51E-79C5A58B0B2C}" srcOrd="2" destOrd="0" parTransId="{E12A269F-AB82-486A-9077-80F2BBBE48C2}" sibTransId="{3F7FD59D-A716-4310-A89A-AB6F740D9FFF}"/>
-    <dgm:cxn modelId="{41C27657-66EF-4C3B-8E9C-7B2E84A2DD1A}" type="presParOf" srcId="{E6A445EE-D086-4B01-B491-D67950A5A065}" destId="{6D3A9625-D3EB-4CA1-AB05-34452283708A}" srcOrd="0" destOrd="0" presId="urn:microsoft.com/office/officeart/2005/8/layout/list1"/>
-    <dgm:cxn modelId="{0F3AA7EF-4CA3-4B58-8428-01B782E35A1B}" type="presParOf" srcId="{6D3A9625-D3EB-4CA1-AB05-34452283708A}" destId="{7E290D25-335D-4339-A8E8-B036E46B5EB5}" srcOrd="0" destOrd="0" presId="urn:microsoft.com/office/officeart/2005/8/layout/list1"/>
-    <dgm:cxn modelId="{05E32DD5-D6B4-46E8-9A33-1E9C9AB9A269}" type="presParOf" srcId="{6D3A9625-D3EB-4CA1-AB05-34452283708A}" destId="{674922F1-7266-4681-AD4F-1C618A5FFF23}" srcOrd="1" destOrd="0" presId="urn:microsoft.com/office/officeart/2005/8/layout/list1"/>
-    <dgm:cxn modelId="{9FEECAB6-0BBC-4A1B-84D0-174D9A555E14}" type="presParOf" srcId="{E6A445EE-D086-4B01-B491-D67950A5A065}" destId="{96C29850-0672-4B77-B5DE-2E1563038631}" srcOrd="1" destOrd="0" presId="urn:microsoft.com/office/officeart/2005/8/layout/list1"/>
-    <dgm:cxn modelId="{A528E9B1-D521-4863-A216-D0A9CE821899}" type="presParOf" srcId="{E6A445EE-D086-4B01-B491-D67950A5A065}" destId="{80259B02-529C-422B-91BE-D70198BA9F6C}" srcOrd="2" destOrd="0" presId="urn:microsoft.com/office/officeart/2005/8/layout/list1"/>
-    <dgm:cxn modelId="{CE2638FC-EFD3-4028-A5EC-A13F39B23B6E}" type="presParOf" srcId="{E6A445EE-D086-4B01-B491-D67950A5A065}" destId="{E53EFB4E-D3DB-42E1-82AC-148F7D29254F}" srcOrd="3" destOrd="0" presId="urn:microsoft.com/office/officeart/2005/8/layout/list1"/>
-    <dgm:cxn modelId="{58882DC7-B418-4C0E-9C40-979E7405894F}" type="presParOf" srcId="{E6A445EE-D086-4B01-B491-D67950A5A065}" destId="{07AC1C38-F728-4390-9C76-57A49ED97DBB}" srcOrd="4" destOrd="0" presId="urn:microsoft.com/office/officeart/2005/8/layout/list1"/>
-    <dgm:cxn modelId="{528A3CEB-C3AF-4445-93C9-8F3EC3713DF8}" type="presParOf" srcId="{07AC1C38-F728-4390-9C76-57A49ED97DBB}" destId="{D0037F0D-DB9A-4BA4-97B4-D939B26E14DA}" srcOrd="0" destOrd="0" presId="urn:microsoft.com/office/officeart/2005/8/layout/list1"/>
-    <dgm:cxn modelId="{317D8306-6691-456A-A4FA-B393419286AC}" type="presParOf" srcId="{07AC1C38-F728-4390-9C76-57A49ED97DBB}" destId="{21EEBBE2-729F-4D85-8CAE-C2B30FF126D2}" srcOrd="1" destOrd="0" presId="urn:microsoft.com/office/officeart/2005/8/layout/list1"/>
-    <dgm:cxn modelId="{98F94C20-C0D6-4186-A146-0D6C76241D1A}" type="presParOf" srcId="{E6A445EE-D086-4B01-B491-D67950A5A065}" destId="{AACB3FAF-C320-430D-84D4-71BA6D1761D1}" srcOrd="5" destOrd="0" presId="urn:microsoft.com/office/officeart/2005/8/layout/list1"/>
-    <dgm:cxn modelId="{8B450F68-CFDE-4380-83DE-EA773429B7D2}" type="presParOf" srcId="{E6A445EE-D086-4B01-B491-D67950A5A065}" destId="{5282638F-EFF2-4770-BB1A-21455422E45D}" srcOrd="6" destOrd="0" presId="urn:microsoft.com/office/officeart/2005/8/layout/list1"/>
-    <dgm:cxn modelId="{24CD9B09-6AA3-467D-8DA2-E5AAA2F789B5}" type="presParOf" srcId="{E6A445EE-D086-4B01-B491-D67950A5A065}" destId="{8CE827AA-77D8-4146-A665-00110A17769E}" srcOrd="7" destOrd="0" presId="urn:microsoft.com/office/officeart/2005/8/layout/list1"/>
-    <dgm:cxn modelId="{FB163640-AD94-407A-B6EC-BB4E91BC1292}" type="presParOf" srcId="{E6A445EE-D086-4B01-B491-D67950A5A065}" destId="{34C9EE47-81AF-461E-8292-AB107AA0D367}" srcOrd="8" destOrd="0" presId="urn:microsoft.com/office/officeart/2005/8/layout/list1"/>
-    <dgm:cxn modelId="{7327C346-CF30-43FF-B64D-2B052E21A33F}" type="presParOf" srcId="{34C9EE47-81AF-461E-8292-AB107AA0D367}" destId="{864CB39B-29F9-473D-90E5-0686D86E278F}" srcOrd="0" destOrd="0" presId="urn:microsoft.com/office/officeart/2005/8/layout/list1"/>
-    <dgm:cxn modelId="{5161FA7C-C318-45F1-B871-A12BF4CBF838}" type="presParOf" srcId="{34C9EE47-81AF-461E-8292-AB107AA0D367}" destId="{5B203A22-00AF-46E7-9415-C6DAFD7E01CC}" srcOrd="1" destOrd="0" presId="urn:microsoft.com/office/officeart/2005/8/layout/list1"/>
-    <dgm:cxn modelId="{93F8116E-4D1E-4684-915C-9483B1C46DD2}" type="presParOf" srcId="{E6A445EE-D086-4B01-B491-D67950A5A065}" destId="{DF9C1F84-81DE-4E5D-9537-C2D1A211B8B6}" srcOrd="9" destOrd="0" presId="urn:microsoft.com/office/officeart/2005/8/layout/list1"/>
-    <dgm:cxn modelId="{51FDB8CA-627A-47A4-B82B-3746593054A5}" type="presParOf" srcId="{E6A445EE-D086-4B01-B491-D67950A5A065}" destId="{964E6811-5072-4466-B721-689C35A65029}" srcOrd="10" destOrd="0" presId="urn:microsoft.com/office/officeart/2005/8/layout/list1"/>
+    <dgm:cxn modelId="{15271804-A5FE-4EC3-8CB9-49B0C62A2211}" srcId="{408663D6-B54A-417E-B153-6F311FCD22B0}" destId="{2D7268C0-00E2-43EE-92CC-C7CD5C43C097}" srcOrd="3" destOrd="0" parTransId="{B3AE392A-D6E3-4383-9959-62F714D3A847}" sibTransId="{9C42DE7D-E0C7-4F1F-AC25-E4841978750A}"/>
+    <dgm:cxn modelId="{1152E90A-9A72-4359-918D-0CB0806907C1}" srcId="{408663D6-B54A-417E-B153-6F311FCD22B0}" destId="{5E3A7F29-168B-42DA-8E82-8F04799F0C51}" srcOrd="1" destOrd="0" parTransId="{61A09ED9-2B1D-4FD8-9657-C671AEED290E}" sibTransId="{0580238F-5556-4752-B500-DEC1A1D42019}"/>
+    <dgm:cxn modelId="{81B9F50E-915E-4AE8-BB81-D421E9EABCA5}" type="presOf" srcId="{5E3A7F29-168B-42DA-8E82-8F04799F0C51}" destId="{012635BC-62B8-4E55-AD8A-E9F47181CDED}" srcOrd="0" destOrd="0" presId="urn:microsoft.com/office/officeart/2018/2/layout/IconVerticalSolidList"/>
+    <dgm:cxn modelId="{FAD11C46-89D8-7042-871C-00ADF1A5AA57}" type="presOf" srcId="{A696A335-757E-C743-A0BA-54C53D5B4202}" destId="{6BC11AE7-8008-E94F-A87F-970CD244DC7E}" srcOrd="0" destOrd="0" presId="urn:microsoft.com/office/officeart/2018/2/layout/IconVerticalSolidList"/>
+    <dgm:cxn modelId="{B56CE775-34A5-4CD8-861B-3054F08A34B1}" type="presOf" srcId="{45C6E364-7183-4B1A-972B-3EF98E2D84FB}" destId="{80364E72-3159-4F99-AECC-711BAFB4FD54}" srcOrd="0" destOrd="0" presId="urn:microsoft.com/office/officeart/2018/2/layout/IconVerticalSolidList"/>
+    <dgm:cxn modelId="{16D5C299-1699-4653-86A1-B8A7B9329E90}" type="presOf" srcId="{408663D6-B54A-417E-B153-6F311FCD22B0}" destId="{B54201C9-71F5-42D7-9EB5-C2342D3EAD84}" srcOrd="0" destOrd="0" presId="urn:microsoft.com/office/officeart/2018/2/layout/IconVerticalSolidList"/>
+    <dgm:cxn modelId="{4AA45DA0-B00A-0D4C-9705-D15ED4DFDC93}" srcId="{408663D6-B54A-417E-B153-6F311FCD22B0}" destId="{A696A335-757E-C743-A0BA-54C53D5B4202}" srcOrd="4" destOrd="0" parTransId="{BC9D8B9B-A7F0-7F46-A7A1-00F45EC33623}" sibTransId="{735C16B0-5F42-FC42-9F05-68699D5BE791}"/>
+    <dgm:cxn modelId="{999DCDC3-89E0-4341-9D23-EB0FE8D9309D}" srcId="{408663D6-B54A-417E-B153-6F311FCD22B0}" destId="{45C6E364-7183-4B1A-972B-3EF98E2D84FB}" srcOrd="2" destOrd="0" parTransId="{0450023E-C971-4D7A-B3B0-B27B07401477}" sibTransId="{22C40F61-8386-45D7-8B7E-5F2C2D9ADC8B}"/>
+    <dgm:cxn modelId="{01D611E6-234D-423A-BAAF-4ADD08BF0149}" type="presOf" srcId="{A3BE33AB-D240-4C98-8EB7-E046DB04FFB2}" destId="{2FA5E788-8603-4C22-A39C-D4353561DB7C}" srcOrd="0" destOrd="0" presId="urn:microsoft.com/office/officeart/2018/2/layout/IconVerticalSolidList"/>
+    <dgm:cxn modelId="{2E7E18E7-4065-CA42-8A3A-DFA60900D726}" type="presOf" srcId="{2D7268C0-00E2-43EE-92CC-C7CD5C43C097}" destId="{75578D56-AF95-F845-BA77-44B2C7C42046}" srcOrd="0" destOrd="0" presId="urn:microsoft.com/office/officeart/2018/2/layout/IconVerticalSolidList"/>
+    <dgm:cxn modelId="{68A5A5F2-445E-42C1-94CE-67D0562F8F24}" srcId="{408663D6-B54A-417E-B153-6F311FCD22B0}" destId="{A3BE33AB-D240-4C98-8EB7-E046DB04FFB2}" srcOrd="0" destOrd="0" parTransId="{8C403C21-EC68-4FD0-919A-63A20025E411}" sibTransId="{A3A56AA8-80A9-43A6-BA4A-9CC9E435B2EB}"/>
+    <dgm:cxn modelId="{9DB49A35-A30D-4C32-B25F-9BA700985892}" type="presParOf" srcId="{B54201C9-71F5-42D7-9EB5-C2342D3EAD84}" destId="{C75531C8-6CFC-45D0-9753-AEDB60E77657}" srcOrd="0" destOrd="0" presId="urn:microsoft.com/office/officeart/2018/2/layout/IconVerticalSolidList"/>
+    <dgm:cxn modelId="{886BD737-12DA-4EE2-893A-3CE3F78D480F}" type="presParOf" srcId="{C75531C8-6CFC-45D0-9753-AEDB60E77657}" destId="{3C80F671-1E64-4BFD-98FF-BD7BEA967DA3}" srcOrd="0" destOrd="0" presId="urn:microsoft.com/office/officeart/2018/2/layout/IconVerticalSolidList"/>
+    <dgm:cxn modelId="{5373F3D5-0DD3-4C12-9DE5-7F73C808A537}" type="presParOf" srcId="{C75531C8-6CFC-45D0-9753-AEDB60E77657}" destId="{43E9A24F-2156-49D7-8A52-92F332804987}" srcOrd="1" destOrd="0" presId="urn:microsoft.com/office/officeart/2018/2/layout/IconVerticalSolidList"/>
+    <dgm:cxn modelId="{C18D60D9-0722-4A88-AC23-D992E3FBE229}" type="presParOf" srcId="{C75531C8-6CFC-45D0-9753-AEDB60E77657}" destId="{D049A007-A246-4734-AC8F-62A9BD52A146}" srcOrd="2" destOrd="0" presId="urn:microsoft.com/office/officeart/2018/2/layout/IconVerticalSolidList"/>
+    <dgm:cxn modelId="{D281865D-559A-4A66-BE1F-D2B441871F5B}" type="presParOf" srcId="{C75531C8-6CFC-45D0-9753-AEDB60E77657}" destId="{2FA5E788-8603-4C22-A39C-D4353561DB7C}" srcOrd="3" destOrd="0" presId="urn:microsoft.com/office/officeart/2018/2/layout/IconVerticalSolidList"/>
+    <dgm:cxn modelId="{992A6B9B-74D6-4270-A558-69BA7B076A22}" type="presParOf" srcId="{B54201C9-71F5-42D7-9EB5-C2342D3EAD84}" destId="{C12EEB20-1E01-495F-A425-47E61C4B757D}" srcOrd="1" destOrd="0" presId="urn:microsoft.com/office/officeart/2018/2/layout/IconVerticalSolidList"/>
+    <dgm:cxn modelId="{4E89D616-A61A-40E6-8755-41BBEE9D3569}" type="presParOf" srcId="{B54201C9-71F5-42D7-9EB5-C2342D3EAD84}" destId="{17C1A993-B6B0-42FA-99AF-CABDA00FF4FE}" srcOrd="2" destOrd="0" presId="urn:microsoft.com/office/officeart/2018/2/layout/IconVerticalSolidList"/>
+    <dgm:cxn modelId="{C0030748-DF33-462A-AC40-A1DEDBFAA624}" type="presParOf" srcId="{17C1A993-B6B0-42FA-99AF-CABDA00FF4FE}" destId="{796AF969-B2FF-4497-912F-DE17D19E0724}" srcOrd="0" destOrd="0" presId="urn:microsoft.com/office/officeart/2018/2/layout/IconVerticalSolidList"/>
+    <dgm:cxn modelId="{E38AC1B6-D33B-4747-A62C-D67C27A8698D}" type="presParOf" srcId="{17C1A993-B6B0-42FA-99AF-CABDA00FF4FE}" destId="{5E065CEA-2C67-4ACC-8414-DB36A74E3C80}" srcOrd="1" destOrd="0" presId="urn:microsoft.com/office/officeart/2018/2/layout/IconVerticalSolidList"/>
+    <dgm:cxn modelId="{B742E75B-5C65-4F80-B7F1-817538339724}" type="presParOf" srcId="{17C1A993-B6B0-42FA-99AF-CABDA00FF4FE}" destId="{9E82A070-686C-4327-BAF7-065E24B1BDCA}" srcOrd="2" destOrd="0" presId="urn:microsoft.com/office/officeart/2018/2/layout/IconVerticalSolidList"/>
+    <dgm:cxn modelId="{48A567C7-F327-4ED1-818E-BBC2940E486B}" type="presParOf" srcId="{17C1A993-B6B0-42FA-99AF-CABDA00FF4FE}" destId="{012635BC-62B8-4E55-AD8A-E9F47181CDED}" srcOrd="3" destOrd="0" presId="urn:microsoft.com/office/officeart/2018/2/layout/IconVerticalSolidList"/>
+    <dgm:cxn modelId="{EA8AECF4-005F-4B03-A3F4-F37A778C4546}" type="presParOf" srcId="{B54201C9-71F5-42D7-9EB5-C2342D3EAD84}" destId="{6CDE4FC7-FA43-4465-81EF-50E7BE5E5AC8}" srcOrd="3" destOrd="0" presId="urn:microsoft.com/office/officeart/2018/2/layout/IconVerticalSolidList"/>
+    <dgm:cxn modelId="{B198D4D3-9DA8-43C9-B589-7023A88ECA28}" type="presParOf" srcId="{B54201C9-71F5-42D7-9EB5-C2342D3EAD84}" destId="{0E65F5CD-55A9-40A9-B9FE-3E6F34F14528}" srcOrd="4" destOrd="0" presId="urn:microsoft.com/office/officeart/2018/2/layout/IconVerticalSolidList"/>
+    <dgm:cxn modelId="{3248A273-A40E-4879-ABD7-71266CAC2B01}" type="presParOf" srcId="{0E65F5CD-55A9-40A9-B9FE-3E6F34F14528}" destId="{BA615855-B56C-4789-BCB2-38FDC6A40EBE}" srcOrd="0" destOrd="0" presId="urn:microsoft.com/office/officeart/2018/2/layout/IconVerticalSolidList"/>
+    <dgm:cxn modelId="{19B07D39-A77B-47F8-9DBC-136A54ECC4BA}" type="presParOf" srcId="{0E65F5CD-55A9-40A9-B9FE-3E6F34F14528}" destId="{99471358-9648-4CD1-B055-3976A892A828}" srcOrd="1" destOrd="0" presId="urn:microsoft.com/office/officeart/2018/2/layout/IconVerticalSolidList"/>
+    <dgm:cxn modelId="{E01D4619-72AE-491F-A4B1-E78E47B294B0}" type="presParOf" srcId="{0E65F5CD-55A9-40A9-B9FE-3E6F34F14528}" destId="{27F0FAD5-DC76-4D89-97FD-2275D7F843B9}" srcOrd="2" destOrd="0" presId="urn:microsoft.com/office/officeart/2018/2/layout/IconVerticalSolidList"/>
+    <dgm:cxn modelId="{AADD9D2D-1378-4A02-B783-EAD6026C2966}" type="presParOf" srcId="{0E65F5CD-55A9-40A9-B9FE-3E6F34F14528}" destId="{80364E72-3159-4F99-AECC-711BAFB4FD54}" srcOrd="3" destOrd="0" presId="urn:microsoft.com/office/officeart/2018/2/layout/IconVerticalSolidList"/>
+    <dgm:cxn modelId="{F6AA6B77-1375-E44C-9A67-FF52220EA9BA}" type="presParOf" srcId="{B54201C9-71F5-42D7-9EB5-C2342D3EAD84}" destId="{DA7BA8F3-CFA7-3946-B47D-051934992C70}" srcOrd="5" destOrd="0" presId="urn:microsoft.com/office/officeart/2018/2/layout/IconVerticalSolidList"/>
+    <dgm:cxn modelId="{765B458B-74DA-5A49-AE45-8CFDBE42B1B4}" type="presParOf" srcId="{B54201C9-71F5-42D7-9EB5-C2342D3EAD84}" destId="{FBCF7BE0-1B4C-A142-B294-F9E3A9DF4CDB}" srcOrd="6" destOrd="0" presId="urn:microsoft.com/office/officeart/2018/2/layout/IconVerticalSolidList"/>
+    <dgm:cxn modelId="{BA304910-7F83-1D40-9ECF-EA15358BA6C0}" type="presParOf" srcId="{FBCF7BE0-1B4C-A142-B294-F9E3A9DF4CDB}" destId="{B2299F77-372D-724D-B807-9706E219FB72}" srcOrd="0" destOrd="0" presId="urn:microsoft.com/office/officeart/2018/2/layout/IconVerticalSolidList"/>
+    <dgm:cxn modelId="{A3DEC6E5-FF8C-0D42-86BB-3340A53AC0DD}" type="presParOf" srcId="{FBCF7BE0-1B4C-A142-B294-F9E3A9DF4CDB}" destId="{B14FF618-2CAD-094A-849E-219F16265820}" srcOrd="1" destOrd="0" presId="urn:microsoft.com/office/officeart/2018/2/layout/IconVerticalSolidList"/>
+    <dgm:cxn modelId="{78CD6DE5-A197-7541-AF31-A9BFABC4C59C}" type="presParOf" srcId="{FBCF7BE0-1B4C-A142-B294-F9E3A9DF4CDB}" destId="{A89D1CB2-A03D-954C-A822-03CE57D5FB34}" srcOrd="2" destOrd="0" presId="urn:microsoft.com/office/officeart/2018/2/layout/IconVerticalSolidList"/>
+    <dgm:cxn modelId="{2F2001E6-B1A5-134F-8649-015CE9798C5F}" type="presParOf" srcId="{FBCF7BE0-1B4C-A142-B294-F9E3A9DF4CDB}" destId="{75578D56-AF95-F845-BA77-44B2C7C42046}" srcOrd="3" destOrd="0" presId="urn:microsoft.com/office/officeart/2018/2/layout/IconVerticalSolidList"/>
+    <dgm:cxn modelId="{2E5B039D-E721-704A-ADA8-93A706D629D2}" type="presParOf" srcId="{B54201C9-71F5-42D7-9EB5-C2342D3EAD84}" destId="{511A7634-D0DE-1748-B5EC-6EC55AE9CE5C}" srcOrd="7" destOrd="0" presId="urn:microsoft.com/office/officeart/2018/2/layout/IconVerticalSolidList"/>
+    <dgm:cxn modelId="{884B7522-CF79-9844-AC1C-1D4CB41EF5F8}" type="presParOf" srcId="{B54201C9-71F5-42D7-9EB5-C2342D3EAD84}" destId="{753398AE-26F2-DD42-B40E-88B86974B0EE}" srcOrd="8" destOrd="0" presId="urn:microsoft.com/office/officeart/2018/2/layout/IconVerticalSolidList"/>
+    <dgm:cxn modelId="{6815A515-946D-2E4F-9F88-358FF55D39D2}" type="presParOf" srcId="{753398AE-26F2-DD42-B40E-88B86974B0EE}" destId="{DE055049-F0C9-7440-A802-5A0B3BE77FDC}" srcOrd="0" destOrd="0" presId="urn:microsoft.com/office/officeart/2018/2/layout/IconVerticalSolidList"/>
+    <dgm:cxn modelId="{BE732F63-3AAA-3F4B-B8D8-C30EAED2E272}" type="presParOf" srcId="{753398AE-26F2-DD42-B40E-88B86974B0EE}" destId="{B163A757-D159-F94B-AF51-D312541B8733}" srcOrd="1" destOrd="0" presId="urn:microsoft.com/office/officeart/2018/2/layout/IconVerticalSolidList"/>
+    <dgm:cxn modelId="{8DDAB315-FF05-3C44-B3D5-2215B05C72C5}" type="presParOf" srcId="{753398AE-26F2-DD42-B40E-88B86974B0EE}" destId="{FAA21E2A-C4CA-5B40-BE5F-0986914CA5DF}" srcOrd="2" destOrd="0" presId="urn:microsoft.com/office/officeart/2018/2/layout/IconVerticalSolidList"/>
+    <dgm:cxn modelId="{39010E7F-3665-8E4C-93D5-59AEFCFA3E3D}" type="presParOf" srcId="{753398AE-26F2-DD42-B40E-88B86974B0EE}" destId="{6BC11AE7-8008-E94F-A87F-970CD244DC7E}" srcOrd="3" destOrd="0" presId="urn:microsoft.com/office/officeart/2018/2/layout/IconVerticalSolidList"/>
   </dgm:cxnLst>
   <dgm:bg/>
   <dgm:whole/>
@@ -2499,37 +1627,70 @@
       <dsp:cNvGrpSpPr/>
     </dsp:nvGrpSpPr>
     <dsp:grpSpPr/>
-    <dsp:sp modelId="{80259B02-529C-422B-91BE-D70198BA9F6C}">
+    <dsp:sp modelId="{3C80F671-1E64-4BFD-98FF-BD7BEA967DA3}">
       <dsp:nvSpPr>
         <dsp:cNvPr id="0" name=""/>
         <dsp:cNvSpPr/>
       </dsp:nvSpPr>
       <dsp:spPr>
         <a:xfrm>
-          <a:off x="0" y="296459"/>
-          <a:ext cx="4978400" cy="1020600"/>
+          <a:off x="-68807" y="106102"/>
+          <a:ext cx="10780295" cy="896424"/>
+        </a:xfrm>
+        <a:prstGeom prst="roundRect">
+          <a:avLst>
+            <a:gd name="adj" fmla="val 10000"/>
+          </a:avLst>
+        </a:prstGeom>
+        <a:solidFill>
+          <a:schemeClr val="bg1">
+            <a:lumMod val="95000"/>
+            <a:hueOff val="0"/>
+            <a:satOff val="0"/>
+            <a:lumOff val="0"/>
+            <a:alpha val="0"/>
+          </a:schemeClr>
+        </a:solidFill>
+        <a:ln>
+          <a:noFill/>
+        </a:ln>
+        <a:effectLst/>
+      </dsp:spPr>
+      <dsp:style>
+        <a:lnRef idx="0">
+          <a:scrgbClr r="0" g="0" b="0"/>
+        </a:lnRef>
+        <a:fillRef idx="1">
+          <a:scrgbClr r="0" g="0" b="0"/>
+        </a:fillRef>
+        <a:effectRef idx="0">
+          <a:scrgbClr r="0" g="0" b="0"/>
+        </a:effectRef>
+        <a:fontRef idx="minor"/>
+      </dsp:style>
+    </dsp:sp>
+    <dsp:sp modelId="{43E9A24F-2156-49D7-8A52-92F332804987}">
+      <dsp:nvSpPr>
+        <dsp:cNvPr id="0" name=""/>
+        <dsp:cNvSpPr/>
+      </dsp:nvSpPr>
+      <dsp:spPr>
+        <a:xfrm>
+          <a:off x="319022" y="574114"/>
+          <a:ext cx="493033" cy="493033"/>
         </a:xfrm>
         <a:prstGeom prst="rect">
           <a:avLst/>
         </a:prstGeom>
-        <a:solidFill>
-          <a:schemeClr val="lt1">
-            <a:alpha val="90000"/>
-            <a:hueOff val="0"/>
-            <a:satOff val="0"/>
-            <a:lumOff val="0"/>
-            <a:alphaOff val="0"/>
-          </a:schemeClr>
-        </a:solidFill>
+        <a:blipFill>
+          <a:blip xmlns:r="http://schemas.openxmlformats.org/officeDocument/2006/relationships" r:embed="rId1"/>
+          <a:srcRect/>
+          <a:stretch>
+            <a:fillRect t="-8000" b="-8000"/>
+          </a:stretch>
+        </a:blipFill>
         <a:ln w="12700" cap="flat" cmpd="sng" algn="ctr">
-          <a:solidFill>
-            <a:schemeClr val="accent2">
-              <a:hueOff val="0"/>
-              <a:satOff val="0"/>
-              <a:lumOff val="0"/>
-              <a:alphaOff val="0"/>
-            </a:schemeClr>
-          </a:solidFill>
+          <a:noFill/>
           <a:prstDash val="solid"/>
           <a:miter lim="800000"/>
         </a:ln>
@@ -2545,79 +1706,447 @@
         <a:effectRef idx="0">
           <a:scrgbClr r="0" g="0" b="0"/>
         </a:effectRef>
-        <a:fontRef idx="minor"/>
+        <a:fontRef idx="minor">
+          <a:schemeClr val="lt1"/>
+        </a:fontRef>
       </dsp:style>
-      <dsp:txBody>
-        <a:bodyPr spcFirstLastPara="0" vert="horz" wrap="square" lIns="386379" tIns="374904" rIns="386379" bIns="128016" numCol="1" spcCol="1270" anchor="t" anchorCtr="0">
-          <a:noAutofit/>
-        </a:bodyPr>
-        <a:lstStyle/>
-        <a:p>
-          <a:pPr marL="171450" lvl="1" indent="-171450" algn="l" defTabSz="800100">
-            <a:lnSpc>
-              <a:spcPct val="90000"/>
-            </a:lnSpc>
-            <a:spcBef>
-              <a:spcPct val="0"/>
-            </a:spcBef>
-            <a:spcAft>
-              <a:spcPct val="15000"/>
-            </a:spcAft>
-            <a:buChar char="•"/>
-          </a:pPr>
-          <a:r>
-            <a:rPr lang="en-US" sz="1800" kern="1200" dirty="0"/>
-            <a:t>Task 1</a:t>
-          </a:r>
-        </a:p>
-        <a:p>
-          <a:pPr marL="171450" lvl="1" indent="-171450" algn="l" defTabSz="800100">
-            <a:lnSpc>
-              <a:spcPct val="90000"/>
-            </a:lnSpc>
-            <a:spcBef>
-              <a:spcPct val="0"/>
-            </a:spcBef>
-            <a:spcAft>
-              <a:spcPct val="15000"/>
-            </a:spcAft>
-            <a:buChar char="•"/>
-          </a:pPr>
-          <a:r>
-            <a:rPr lang="en-US" sz="1800" kern="1200" dirty="0"/>
-            <a:t>Task 2</a:t>
-          </a:r>
-        </a:p>
-      </dsp:txBody>
-      <dsp:txXfrm>
-        <a:off x="0" y="296459"/>
-        <a:ext cx="4978400" cy="1020600"/>
-      </dsp:txXfrm>
     </dsp:sp>
-    <dsp:sp modelId="{674922F1-7266-4681-AD4F-1C618A5FFF23}">
+    <dsp:sp modelId="{2FA5E788-8603-4C22-A39C-D4353561DB7C}">
       <dsp:nvSpPr>
         <dsp:cNvPr id="0" name=""/>
         <dsp:cNvSpPr/>
       </dsp:nvSpPr>
       <dsp:spPr>
         <a:xfrm>
-          <a:off x="248920" y="30779"/>
-          <a:ext cx="3484880" cy="531360"/>
+          <a:off x="966562" y="362444"/>
+          <a:ext cx="9742899" cy="896424"/>
+        </a:xfrm>
+        <a:prstGeom prst="rect">
+          <a:avLst/>
+        </a:prstGeom>
+        <a:noFill/>
+        <a:ln>
+          <a:noFill/>
+        </a:ln>
+        <a:effectLst/>
+      </dsp:spPr>
+      <dsp:style>
+        <a:lnRef idx="0">
+          <a:scrgbClr r="0" g="0" b="0"/>
+        </a:lnRef>
+        <a:fillRef idx="0">
+          <a:scrgbClr r="0" g="0" b="0"/>
+        </a:fillRef>
+        <a:effectRef idx="0">
+          <a:scrgbClr r="0" g="0" b="0"/>
+        </a:effectRef>
+        <a:fontRef idx="minor"/>
+      </dsp:style>
+      <dsp:txBody>
+        <a:bodyPr spcFirstLastPara="0" vert="horz" wrap="square" lIns="94872" tIns="94872" rIns="94872" bIns="94872" numCol="1" spcCol="1270" anchor="ctr" anchorCtr="0">
+          <a:noAutofit/>
+        </a:bodyPr>
+        <a:lstStyle/>
+        <a:p>
+          <a:pPr marL="0" lvl="0" indent="0" algn="l" defTabSz="1066800">
+            <a:lnSpc>
+              <a:spcPct val="100000"/>
+            </a:lnSpc>
+            <a:spcBef>
+              <a:spcPct val="0"/>
+            </a:spcBef>
+            <a:spcAft>
+              <a:spcPct val="35000"/>
+            </a:spcAft>
+            <a:buNone/>
+          </a:pPr>
+          <a:r>
+            <a:rPr lang="en-US" sz="2400" b="0" i="0" kern="1200" dirty="0">
+              <a:solidFill>
+                <a:prstClr val="black">
+                  <a:hueOff val="0"/>
+                  <a:satOff val="0"/>
+                  <a:lumOff val="0"/>
+                  <a:alphaOff val="0"/>
+                </a:prstClr>
+              </a:solidFill>
+              <a:latin typeface="American Typewriter" panose="02090604020004020304" pitchFamily="18" charset="77"/>
+              <a:ea typeface="+mn-ea"/>
+              <a:cs typeface="+mn-cs"/>
+            </a:rPr>
+            <a:t>Clean and modify the data using Pandas and Jupyter Notebook</a:t>
+          </a:r>
+          <a:r>
+            <a:rPr lang="en-US" sz="1800" kern="1200" dirty="0"/>
+            <a:t>.</a:t>
+          </a:r>
+        </a:p>
+      </dsp:txBody>
+      <dsp:txXfrm>
+        <a:off x="966562" y="362444"/>
+        <a:ext cx="9742899" cy="896424"/>
+      </dsp:txXfrm>
+    </dsp:sp>
+    <dsp:sp modelId="{796AF969-B2FF-4497-912F-DE17D19E0724}">
+      <dsp:nvSpPr>
+        <dsp:cNvPr id="0" name=""/>
+        <dsp:cNvSpPr/>
+      </dsp:nvSpPr>
+      <dsp:spPr>
+        <a:xfrm>
+          <a:off x="-68807" y="1130007"/>
+          <a:ext cx="10780295" cy="896424"/>
         </a:xfrm>
         <a:prstGeom prst="roundRect">
-          <a:avLst/>
+          <a:avLst>
+            <a:gd name="adj" fmla="val 10000"/>
+          </a:avLst>
         </a:prstGeom>
         <a:solidFill>
-          <a:schemeClr val="accent2">
+          <a:schemeClr val="bg1">
+            <a:lumMod val="95000"/>
             <a:hueOff val="0"/>
             <a:satOff val="0"/>
             <a:lumOff val="0"/>
-            <a:alphaOff val="0"/>
+            <a:alpha val="0"/>
           </a:schemeClr>
         </a:solidFill>
+        <a:ln>
+          <a:noFill/>
+        </a:ln>
+        <a:effectLst/>
+      </dsp:spPr>
+      <dsp:style>
+        <a:lnRef idx="0">
+          <a:scrgbClr r="0" g="0" b="0"/>
+        </a:lnRef>
+        <a:fillRef idx="1">
+          <a:scrgbClr r="0" g="0" b="0"/>
+        </a:fillRef>
+        <a:effectRef idx="0">
+          <a:scrgbClr r="0" g="0" b="0"/>
+        </a:effectRef>
+        <a:fontRef idx="minor"/>
+      </dsp:style>
+    </dsp:sp>
+    <dsp:sp modelId="{5E065CEA-2C67-4ACC-8414-DB36A74E3C80}">
+      <dsp:nvSpPr>
+        <dsp:cNvPr id="0" name=""/>
+        <dsp:cNvSpPr/>
+      </dsp:nvSpPr>
+      <dsp:spPr>
+        <a:xfrm>
+          <a:off x="245708" y="1525569"/>
+          <a:ext cx="493033" cy="493033"/>
+        </a:xfrm>
+        <a:prstGeom prst="rect">
+          <a:avLst/>
+        </a:prstGeom>
+        <a:blipFill>
+          <a:blip xmlns:r="http://schemas.openxmlformats.org/officeDocument/2006/relationships" r:embed="rId2"/>
+          <a:srcRect/>
+          <a:stretch>
+            <a:fillRect/>
+          </a:stretch>
+        </a:blipFill>
+        <a:ln w="12700" cap="flat" cmpd="sng" algn="ctr">
+          <a:noFill/>
+          <a:prstDash val="solid"/>
+          <a:miter lim="800000"/>
+        </a:ln>
+        <a:effectLst/>
+      </dsp:spPr>
+      <dsp:style>
+        <a:lnRef idx="2">
+          <a:scrgbClr r="0" g="0" b="0"/>
+        </a:lnRef>
+        <a:fillRef idx="1">
+          <a:scrgbClr r="0" g="0" b="0"/>
+        </a:fillRef>
+        <a:effectRef idx="0">
+          <a:scrgbClr r="0" g="0" b="0"/>
+        </a:effectRef>
+        <a:fontRef idx="minor">
+          <a:schemeClr val="lt1"/>
+        </a:fontRef>
+      </dsp:style>
+    </dsp:sp>
+    <dsp:sp modelId="{012635BC-62B8-4E55-AD8A-E9F47181CDED}">
+      <dsp:nvSpPr>
+        <dsp:cNvPr id="0" name=""/>
+        <dsp:cNvSpPr/>
+      </dsp:nvSpPr>
+      <dsp:spPr>
+        <a:xfrm>
+          <a:off x="966562" y="1425397"/>
+          <a:ext cx="9742899" cy="896424"/>
+        </a:xfrm>
+        <a:prstGeom prst="rect">
+          <a:avLst/>
+        </a:prstGeom>
+        <a:noFill/>
+        <a:ln>
+          <a:noFill/>
+        </a:ln>
+        <a:effectLst/>
+      </dsp:spPr>
+      <dsp:style>
+        <a:lnRef idx="0">
+          <a:scrgbClr r="0" g="0" b="0"/>
+        </a:lnRef>
+        <a:fillRef idx="0">
+          <a:scrgbClr r="0" g="0" b="0"/>
+        </a:fillRef>
+        <a:effectRef idx="0">
+          <a:scrgbClr r="0" g="0" b="0"/>
+        </a:effectRef>
+        <a:fontRef idx="minor"/>
+      </dsp:style>
+      <dsp:txBody>
+        <a:bodyPr spcFirstLastPara="0" vert="horz" wrap="square" lIns="94872" tIns="94872" rIns="94872" bIns="94872" numCol="1" spcCol="1270" anchor="ctr" anchorCtr="0">
+          <a:noAutofit/>
+        </a:bodyPr>
+        <a:lstStyle/>
+        <a:p>
+          <a:pPr marL="0" lvl="0" indent="0" algn="l" defTabSz="1066800">
+            <a:lnSpc>
+              <a:spcPct val="100000"/>
+            </a:lnSpc>
+            <a:spcBef>
+              <a:spcPct val="0"/>
+            </a:spcBef>
+            <a:spcAft>
+              <a:spcPct val="35000"/>
+            </a:spcAft>
+            <a:buNone/>
+          </a:pPr>
+          <a:r>
+            <a:rPr lang="en-US" sz="2400" b="0" i="0" kern="1200" dirty="0">
+              <a:solidFill>
+                <a:prstClr val="black">
+                  <a:hueOff val="0"/>
+                  <a:satOff val="0"/>
+                  <a:lumOff val="0"/>
+                  <a:alphaOff val="0"/>
+                </a:prstClr>
+              </a:solidFill>
+              <a:latin typeface="American Typewriter" panose="02090604020004020304" pitchFamily="18" charset="77"/>
+              <a:ea typeface="+mn-ea"/>
+              <a:cs typeface="+mn-cs"/>
+            </a:rPr>
+            <a:t>Use Python as the programming language, Flask as the web server and Heroku to host the application</a:t>
+          </a:r>
+        </a:p>
+      </dsp:txBody>
+      <dsp:txXfrm>
+        <a:off x="966562" y="1425397"/>
+        <a:ext cx="9742899" cy="896424"/>
+      </dsp:txXfrm>
+    </dsp:sp>
+    <dsp:sp modelId="{BA615855-B56C-4789-BCB2-38FDC6A40EBE}">
+      <dsp:nvSpPr>
+        <dsp:cNvPr id="0" name=""/>
+        <dsp:cNvSpPr/>
+      </dsp:nvSpPr>
+      <dsp:spPr>
+        <a:xfrm>
+          <a:off x="-68807" y="2250538"/>
+          <a:ext cx="10780295" cy="896424"/>
+        </a:xfrm>
+        <a:prstGeom prst="roundRect">
+          <a:avLst>
+            <a:gd name="adj" fmla="val 10000"/>
+          </a:avLst>
+        </a:prstGeom>
+        <a:solidFill>
+          <a:schemeClr val="bg1">
+            <a:lumMod val="95000"/>
+            <a:hueOff val="0"/>
+            <a:satOff val="0"/>
+            <a:lumOff val="0"/>
+            <a:alpha val="0"/>
+          </a:schemeClr>
+        </a:solidFill>
+        <a:ln>
+          <a:noFill/>
+        </a:ln>
+        <a:effectLst/>
+      </dsp:spPr>
+      <dsp:style>
+        <a:lnRef idx="0">
+          <a:scrgbClr r="0" g="0" b="0"/>
+        </a:lnRef>
+        <a:fillRef idx="1">
+          <a:scrgbClr r="0" g="0" b="0"/>
+        </a:fillRef>
+        <a:effectRef idx="0">
+          <a:scrgbClr r="0" g="0" b="0"/>
+        </a:effectRef>
+        <a:fontRef idx="minor"/>
+      </dsp:style>
+    </dsp:sp>
+    <dsp:sp modelId="{99471358-9648-4CD1-B055-3976A892A828}">
+      <dsp:nvSpPr>
+        <dsp:cNvPr id="0" name=""/>
+        <dsp:cNvSpPr/>
+      </dsp:nvSpPr>
+      <dsp:spPr>
+        <a:xfrm>
+          <a:off x="226272" y="2598891"/>
+          <a:ext cx="658209" cy="545985"/>
+        </a:xfrm>
+        <a:prstGeom prst="rect">
+          <a:avLst/>
+        </a:prstGeom>
+        <a:blipFill dpi="0" rotWithShape="1">
+          <a:blip xmlns:r="http://schemas.openxmlformats.org/officeDocument/2006/relationships" r:embed="rId3"/>
+          <a:srcRect/>
+          <a:stretch>
+            <a:fillRect t="-10000" b="-10000"/>
+          </a:stretch>
+        </a:blipFill>
+        <a:ln w="12700" cap="flat" cmpd="sng" algn="ctr">
+          <a:noFill/>
+          <a:prstDash val="solid"/>
+          <a:miter lim="800000"/>
+        </a:ln>
+        <a:effectLst/>
+      </dsp:spPr>
+      <dsp:style>
+        <a:lnRef idx="2">
+          <a:scrgbClr r="0" g="0" b="0"/>
+        </a:lnRef>
+        <a:fillRef idx="1">
+          <a:scrgbClr r="0" g="0" b="0"/>
+        </a:fillRef>
+        <a:effectRef idx="0">
+          <a:scrgbClr r="0" g="0" b="0"/>
+        </a:effectRef>
+        <a:fontRef idx="minor">
+          <a:schemeClr val="lt1"/>
+        </a:fontRef>
+      </dsp:style>
+    </dsp:sp>
+    <dsp:sp modelId="{80364E72-3159-4F99-AECC-711BAFB4FD54}">
+      <dsp:nvSpPr>
+        <dsp:cNvPr id="0" name=""/>
+        <dsp:cNvSpPr/>
+      </dsp:nvSpPr>
+      <dsp:spPr>
+        <a:xfrm>
+          <a:off x="909079" y="2423844"/>
+          <a:ext cx="9742899" cy="896424"/>
+        </a:xfrm>
+        <a:prstGeom prst="rect">
+          <a:avLst/>
+        </a:prstGeom>
+        <a:noFill/>
+        <a:ln>
+          <a:noFill/>
+        </a:ln>
+        <a:effectLst/>
+      </dsp:spPr>
+      <dsp:style>
+        <a:lnRef idx="0">
+          <a:scrgbClr r="0" g="0" b="0"/>
+        </a:lnRef>
+        <a:fillRef idx="0">
+          <a:scrgbClr r="0" g="0" b="0"/>
+        </a:fillRef>
+        <a:effectRef idx="0">
+          <a:scrgbClr r="0" g="0" b="0"/>
+        </a:effectRef>
+        <a:fontRef idx="minor"/>
+      </dsp:style>
+      <dsp:txBody>
+        <a:bodyPr spcFirstLastPara="0" vert="horz" wrap="square" lIns="94872" tIns="94872" rIns="94872" bIns="94872" numCol="1" spcCol="1270" anchor="ctr" anchorCtr="0">
+          <a:noAutofit/>
+        </a:bodyPr>
+        <a:lstStyle/>
+        <a:p>
+          <a:pPr marL="0" lvl="0" indent="0" algn="l" defTabSz="1066800">
+            <a:lnSpc>
+              <a:spcPct val="100000"/>
+            </a:lnSpc>
+            <a:spcBef>
+              <a:spcPct val="0"/>
+            </a:spcBef>
+            <a:spcAft>
+              <a:spcPct val="35000"/>
+            </a:spcAft>
+            <a:buNone/>
+          </a:pPr>
+          <a:r>
+            <a:rPr lang="en-US" sz="2400" b="0" i="0" kern="1200" dirty="0">
+              <a:latin typeface="American Typewriter" panose="02090604020004020304" pitchFamily="18" charset="77"/>
+            </a:rPr>
+            <a:t> Use HTML, CSS and JavaScript on the front end.</a:t>
+          </a:r>
+        </a:p>
+      </dsp:txBody>
+      <dsp:txXfrm>
+        <a:off x="909079" y="2423844"/>
+        <a:ext cx="9742899" cy="896424"/>
+      </dsp:txXfrm>
+    </dsp:sp>
+    <dsp:sp modelId="{B2299F77-372D-724D-B807-9706E219FB72}">
+      <dsp:nvSpPr>
+        <dsp:cNvPr id="0" name=""/>
+        <dsp:cNvSpPr/>
+      </dsp:nvSpPr>
+      <dsp:spPr>
+        <a:xfrm>
+          <a:off x="146959" y="3348559"/>
+          <a:ext cx="1043083" cy="810673"/>
+        </a:xfrm>
+        <a:prstGeom prst="roundRect">
+          <a:avLst>
+            <a:gd name="adj" fmla="val 10000"/>
+          </a:avLst>
+        </a:prstGeom>
+        <a:noFill/>
+        <a:ln>
+          <a:noFill/>
+        </a:ln>
+        <a:effectLst/>
+      </dsp:spPr>
+      <dsp:style>
+        <a:lnRef idx="0">
+          <a:scrgbClr r="0" g="0" b="0"/>
+        </a:lnRef>
+        <a:fillRef idx="1">
+          <a:scrgbClr r="0" g="0" b="0"/>
+        </a:fillRef>
+        <a:effectRef idx="0">
+          <a:scrgbClr r="0" g="0" b="0"/>
+        </a:effectRef>
+        <a:fontRef idx="minor"/>
+      </dsp:style>
+    </dsp:sp>
+    <dsp:sp modelId="{B14FF618-2CAD-094A-849E-219F16265820}">
+      <dsp:nvSpPr>
+        <dsp:cNvPr id="0" name=""/>
+        <dsp:cNvSpPr/>
+      </dsp:nvSpPr>
+      <dsp:spPr>
+        <a:xfrm>
+          <a:off x="249307" y="3698715"/>
+          <a:ext cx="493033" cy="493033"/>
+        </a:xfrm>
+        <a:prstGeom prst="rect">
+          <a:avLst/>
+        </a:prstGeom>
+        <a:blipFill>
+          <a:blip xmlns:r="http://schemas.openxmlformats.org/officeDocument/2006/relationships" r:embed="rId4"/>
+          <a:srcRect/>
+          <a:stretch>
+            <a:fillRect/>
+          </a:stretch>
+        </a:blipFill>
         <a:ln w="12700" cap="flat" cmpd="sng" algn="ctr">
           <a:solidFill>
             <a:schemeClr val="lt1">
+              <a:alpha val="0"/>
               <a:hueOff val="0"/>
               <a:satOff val="0"/>
               <a:lumOff val="0"/>
@@ -2643,15 +2172,47 @@
           <a:schemeClr val="lt1"/>
         </a:fontRef>
       </dsp:style>
+    </dsp:sp>
+    <dsp:sp modelId="{75578D56-AF95-F845-BA77-44B2C7C42046}">
+      <dsp:nvSpPr>
+        <dsp:cNvPr id="0" name=""/>
+        <dsp:cNvSpPr/>
+      </dsp:nvSpPr>
+      <dsp:spPr>
+        <a:xfrm>
+          <a:off x="5450" y="3555643"/>
+          <a:ext cx="10564518" cy="896424"/>
+        </a:xfrm>
+        <a:prstGeom prst="rect">
+          <a:avLst/>
+        </a:prstGeom>
+        <a:noFill/>
+        <a:ln>
+          <a:noFill/>
+        </a:ln>
+        <a:effectLst/>
+      </dsp:spPr>
+      <dsp:style>
+        <a:lnRef idx="0">
+          <a:scrgbClr r="0" g="0" b="0"/>
+        </a:lnRef>
+        <a:fillRef idx="0">
+          <a:scrgbClr r="0" g="0" b="0"/>
+        </a:fillRef>
+        <a:effectRef idx="0">
+          <a:scrgbClr r="0" g="0" b="0"/>
+        </a:effectRef>
+        <a:fontRef idx="minor"/>
+      </dsp:style>
       <dsp:txBody>
-        <a:bodyPr spcFirstLastPara="0" vert="horz" wrap="square" lIns="131720" tIns="0" rIns="131720" bIns="0" numCol="1" spcCol="1270" anchor="ctr" anchorCtr="0">
+        <a:bodyPr spcFirstLastPara="0" vert="horz" wrap="square" lIns="94872" tIns="94872" rIns="94872" bIns="94872" numCol="1" spcCol="1270" anchor="ctr" anchorCtr="0">
           <a:noAutofit/>
         </a:bodyPr>
         <a:lstStyle/>
         <a:p>
-          <a:pPr marL="0" lvl="0" indent="0" algn="l" defTabSz="800100">
+          <a:pPr marL="0" lvl="0" indent="0" algn="l" defTabSz="1066800">
             <a:lnSpc>
-              <a:spcPct val="90000"/>
+              <a:spcPct val="100000"/>
             </a:lnSpc>
             <a:spcBef>
               <a:spcPct val="0"/>
@@ -2662,54 +2223,59 @@
             <a:buNone/>
           </a:pPr>
           <a:r>
-            <a:rPr lang="en-US" sz="1800" kern="1200" dirty="0"/>
-            <a:t>Group A</a:t>
+            <a:rPr lang="en-US" sz="2400" b="0" i="0" kern="1200" dirty="0">
+              <a:solidFill>
+                <a:prstClr val="black">
+                  <a:hueOff val="0"/>
+                  <a:satOff val="0"/>
+                  <a:lumOff val="0"/>
+                  <a:alphaOff val="0"/>
+                </a:prstClr>
+              </a:solidFill>
+              <a:latin typeface="American Typewriter" panose="02090604020004020304" pitchFamily="18" charset="77"/>
+              <a:ea typeface="+mn-ea"/>
+              <a:cs typeface="+mn-cs"/>
+            </a:rPr>
+            <a:t>             Use D3, Plotly, JSuites and Leaflet to visualize the data.</a:t>
           </a:r>
         </a:p>
       </dsp:txBody>
       <dsp:txXfrm>
-        <a:off x="274859" y="56718"/>
-        <a:ext cx="3433002" cy="479482"/>
+        <a:off x="5450" y="3555643"/>
+        <a:ext cx="10564518" cy="896424"/>
       </dsp:txXfrm>
     </dsp:sp>
-    <dsp:sp modelId="{5282638F-EFF2-4770-BB1A-21455422E45D}">
+    <dsp:sp modelId="{DE055049-F0C9-7440-A802-5A0B3BE77FDC}">
       <dsp:nvSpPr>
         <dsp:cNvPr id="0" name=""/>
         <dsp:cNvSpPr/>
       </dsp:nvSpPr>
       <dsp:spPr>
         <a:xfrm>
-          <a:off x="0" y="1679939"/>
-          <a:ext cx="4978400" cy="1020600"/>
+          <a:off x="0" y="4501075"/>
+          <a:ext cx="10780295" cy="896424"/>
         </a:xfrm>
-        <a:prstGeom prst="rect">
-          <a:avLst/>
+        <a:prstGeom prst="roundRect">
+          <a:avLst>
+            <a:gd name="adj" fmla="val 10000"/>
+          </a:avLst>
         </a:prstGeom>
         <a:solidFill>
-          <a:schemeClr val="lt1">
-            <a:alpha val="90000"/>
+          <a:schemeClr val="bg1">
+            <a:lumMod val="95000"/>
             <a:hueOff val="0"/>
             <a:satOff val="0"/>
             <a:lumOff val="0"/>
-            <a:alphaOff val="0"/>
+            <a:alpha val="1000"/>
           </a:schemeClr>
         </a:solidFill>
-        <a:ln w="12700" cap="flat" cmpd="sng" algn="ctr">
-          <a:solidFill>
-            <a:schemeClr val="accent2">
-              <a:hueOff val="-727682"/>
-              <a:satOff val="-41964"/>
-              <a:lumOff val="4314"/>
-              <a:alphaOff val="0"/>
-            </a:schemeClr>
-          </a:solidFill>
-          <a:prstDash val="solid"/>
-          <a:miter lim="800000"/>
+        <a:ln>
+          <a:noFill/>
         </a:ln>
         <a:effectLst/>
       </dsp:spPr>
       <dsp:style>
-        <a:lnRef idx="2">
+        <a:lnRef idx="0">
           <a:scrgbClr r="0" g="0" b="0"/>
         </a:lnRef>
         <a:fillRef idx="1">
@@ -2720,77 +2286,37 @@
         </a:effectRef>
         <a:fontRef idx="minor"/>
       </dsp:style>
-      <dsp:txBody>
-        <a:bodyPr spcFirstLastPara="0" vert="horz" wrap="square" lIns="386379" tIns="374904" rIns="386379" bIns="128016" numCol="1" spcCol="1270" anchor="t" anchorCtr="0">
-          <a:noAutofit/>
-        </a:bodyPr>
-        <a:lstStyle/>
-        <a:p>
-          <a:pPr marL="171450" lvl="1" indent="-171450" algn="l" defTabSz="800100">
-            <a:lnSpc>
-              <a:spcPct val="90000"/>
-            </a:lnSpc>
-            <a:spcBef>
-              <a:spcPct val="0"/>
-            </a:spcBef>
-            <a:spcAft>
-              <a:spcPct val="15000"/>
-            </a:spcAft>
-            <a:buChar char="•"/>
-          </a:pPr>
-          <a:r>
-            <a:rPr lang="en-US" sz="1800" kern="1200" dirty="0"/>
-            <a:t>Task 1</a:t>
-          </a:r>
-        </a:p>
-        <a:p>
-          <a:pPr marL="171450" lvl="1" indent="-171450" algn="l" defTabSz="800100">
-            <a:lnSpc>
-              <a:spcPct val="90000"/>
-            </a:lnSpc>
-            <a:spcBef>
-              <a:spcPct val="0"/>
-            </a:spcBef>
-            <a:spcAft>
-              <a:spcPct val="15000"/>
-            </a:spcAft>
-            <a:buChar char="•"/>
-          </a:pPr>
-          <a:r>
-            <a:rPr lang="en-US" sz="1800" kern="1200" dirty="0"/>
-            <a:t>Task 2</a:t>
-          </a:r>
-        </a:p>
-      </dsp:txBody>
-      <dsp:txXfrm>
-        <a:off x="0" y="1679939"/>
-        <a:ext cx="4978400" cy="1020600"/>
-      </dsp:txXfrm>
     </dsp:sp>
-    <dsp:sp modelId="{21EEBBE2-729F-4D85-8CAE-C2B30FF126D2}">
+    <dsp:sp modelId="{B163A757-D159-F94B-AF51-D312541B8733}">
       <dsp:nvSpPr>
         <dsp:cNvPr id="0" name=""/>
         <dsp:cNvSpPr/>
       </dsp:nvSpPr>
       <dsp:spPr>
         <a:xfrm>
-          <a:off x="248920" y="1414259"/>
-          <a:ext cx="3484880" cy="531360"/>
+          <a:off x="202360" y="4693295"/>
+          <a:ext cx="493033" cy="493033"/>
         </a:xfrm>
-        <a:prstGeom prst="roundRect">
+        <a:prstGeom prst="rect">
           <a:avLst/>
         </a:prstGeom>
-        <a:solidFill>
-          <a:schemeClr val="accent2">
-            <a:hueOff val="-727682"/>
-            <a:satOff val="-41964"/>
-            <a:lumOff val="4314"/>
-            <a:alphaOff val="0"/>
-          </a:schemeClr>
-        </a:solidFill>
+        <a:blipFill>
+          <a:blip xmlns:r="http://schemas.openxmlformats.org/officeDocument/2006/relationships" r:embed="rId5">
+            <a:extLst>
+              <a:ext uri="{28A0092B-C50C-407E-A947-70E740481C1C}">
+                <a14:useLocalDpi xmlns:a14="http://schemas.microsoft.com/office/drawing/2010/main" val="0"/>
+              </a:ext>
+            </a:extLst>
+          </a:blip>
+          <a:srcRect/>
+          <a:stretch>
+            <a:fillRect l="-21000" r="-21000"/>
+          </a:stretch>
+        </a:blipFill>
         <a:ln w="12700" cap="flat" cmpd="sng" algn="ctr">
           <a:solidFill>
             <a:schemeClr val="lt1">
+              <a:alpha val="0"/>
               <a:hueOff val="0"/>
               <a:satOff val="0"/>
               <a:lumOff val="0"/>
@@ -2816,15 +2342,47 @@
           <a:schemeClr val="lt1"/>
         </a:fontRef>
       </dsp:style>
+    </dsp:sp>
+    <dsp:sp modelId="{6BC11AE7-8008-E94F-A87F-970CD244DC7E}">
+      <dsp:nvSpPr>
+        <dsp:cNvPr id="0" name=""/>
+        <dsp:cNvSpPr/>
+      </dsp:nvSpPr>
+      <dsp:spPr>
+        <a:xfrm>
+          <a:off x="966562" y="4491600"/>
+          <a:ext cx="9742899" cy="896424"/>
+        </a:xfrm>
+        <a:prstGeom prst="rect">
+          <a:avLst/>
+        </a:prstGeom>
+        <a:noFill/>
+        <a:ln>
+          <a:noFill/>
+        </a:ln>
+        <a:effectLst/>
+      </dsp:spPr>
+      <dsp:style>
+        <a:lnRef idx="0">
+          <a:scrgbClr r="0" g="0" b="0"/>
+        </a:lnRef>
+        <a:fillRef idx="0">
+          <a:scrgbClr r="0" g="0" b="0"/>
+        </a:fillRef>
+        <a:effectRef idx="0">
+          <a:scrgbClr r="0" g="0" b="0"/>
+        </a:effectRef>
+        <a:fontRef idx="minor"/>
+      </dsp:style>
       <dsp:txBody>
-        <a:bodyPr spcFirstLastPara="0" vert="horz" wrap="square" lIns="131720" tIns="0" rIns="131720" bIns="0" numCol="1" spcCol="1270" anchor="ctr" anchorCtr="0">
+        <a:bodyPr spcFirstLastPara="0" vert="horz" wrap="square" lIns="94872" tIns="94872" rIns="94872" bIns="94872" numCol="1" spcCol="1270" anchor="ctr" anchorCtr="0">
           <a:noAutofit/>
         </a:bodyPr>
         <a:lstStyle/>
         <a:p>
-          <a:pPr marL="0" lvl="0" indent="0" algn="l" defTabSz="800100">
+          <a:pPr marL="0" lvl="0" indent="0" algn="l" defTabSz="1066800">
             <a:lnSpc>
-              <a:spcPct val="90000"/>
+              <a:spcPct val="100000"/>
             </a:lnSpc>
             <a:spcBef>
               <a:spcPct val="0"/>
@@ -2835,187 +2393,26 @@
             <a:buNone/>
           </a:pPr>
           <a:r>
-            <a:rPr lang="en-US" sz="1800" kern="1200" dirty="0"/>
-            <a:t>Group B</a:t>
+            <a:rPr lang="en-GB" sz="2400" b="0" i="0" kern="1200" dirty="0">
+              <a:solidFill>
+                <a:prstClr val="black">
+                  <a:hueOff val="0"/>
+                  <a:satOff val="0"/>
+                  <a:lumOff val="0"/>
+                  <a:alphaOff val="0"/>
+                </a:prstClr>
+              </a:solidFill>
+              <a:latin typeface="American Typewriter" panose="02090604020004020304" pitchFamily="18" charset="77"/>
+              <a:ea typeface="+mn-ea"/>
+              <a:cs typeface="+mn-cs"/>
+            </a:rPr>
+            <a:t>Deployed Python’s Scikit machine learning models</a:t>
           </a:r>
         </a:p>
       </dsp:txBody>
       <dsp:txXfrm>
-        <a:off x="274859" y="1440198"/>
-        <a:ext cx="3433002" cy="479482"/>
-      </dsp:txXfrm>
-    </dsp:sp>
-    <dsp:sp modelId="{964E6811-5072-4466-B721-689C35A65029}">
-      <dsp:nvSpPr>
-        <dsp:cNvPr id="0" name=""/>
-        <dsp:cNvSpPr/>
-      </dsp:nvSpPr>
-      <dsp:spPr>
-        <a:xfrm>
-          <a:off x="0" y="3063420"/>
-          <a:ext cx="4978400" cy="1020600"/>
-        </a:xfrm>
-        <a:prstGeom prst="rect">
-          <a:avLst/>
-        </a:prstGeom>
-        <a:solidFill>
-          <a:schemeClr val="lt1">
-            <a:alpha val="90000"/>
-            <a:hueOff val="0"/>
-            <a:satOff val="0"/>
-            <a:lumOff val="0"/>
-            <a:alphaOff val="0"/>
-          </a:schemeClr>
-        </a:solidFill>
-        <a:ln w="12700" cap="flat" cmpd="sng" algn="ctr">
-          <a:solidFill>
-            <a:schemeClr val="accent2">
-              <a:hueOff val="-1455363"/>
-              <a:satOff val="-83928"/>
-              <a:lumOff val="8628"/>
-              <a:alphaOff val="0"/>
-            </a:schemeClr>
-          </a:solidFill>
-          <a:prstDash val="solid"/>
-          <a:miter lim="800000"/>
-        </a:ln>
-        <a:effectLst/>
-      </dsp:spPr>
-      <dsp:style>
-        <a:lnRef idx="2">
-          <a:scrgbClr r="0" g="0" b="0"/>
-        </a:lnRef>
-        <a:fillRef idx="1">
-          <a:scrgbClr r="0" g="0" b="0"/>
-        </a:fillRef>
-        <a:effectRef idx="0">
-          <a:scrgbClr r="0" g="0" b="0"/>
-        </a:effectRef>
-        <a:fontRef idx="minor"/>
-      </dsp:style>
-      <dsp:txBody>
-        <a:bodyPr spcFirstLastPara="0" vert="horz" wrap="square" lIns="386379" tIns="374904" rIns="386379" bIns="128016" numCol="1" spcCol="1270" anchor="t" anchorCtr="0">
-          <a:noAutofit/>
-        </a:bodyPr>
-        <a:lstStyle/>
-        <a:p>
-          <a:pPr marL="171450" lvl="1" indent="-171450" algn="l" defTabSz="800100">
-            <a:lnSpc>
-              <a:spcPct val="90000"/>
-            </a:lnSpc>
-            <a:spcBef>
-              <a:spcPct val="0"/>
-            </a:spcBef>
-            <a:spcAft>
-              <a:spcPct val="15000"/>
-            </a:spcAft>
-            <a:buChar char="•"/>
-          </a:pPr>
-          <a:r>
-            <a:rPr lang="en-US" sz="1800" kern="1200" dirty="0"/>
-            <a:t>Task 1</a:t>
-          </a:r>
-        </a:p>
-        <a:p>
-          <a:pPr marL="171450" lvl="1" indent="-171450" algn="l" defTabSz="800100">
-            <a:lnSpc>
-              <a:spcPct val="90000"/>
-            </a:lnSpc>
-            <a:spcBef>
-              <a:spcPct val="0"/>
-            </a:spcBef>
-            <a:spcAft>
-              <a:spcPct val="15000"/>
-            </a:spcAft>
-            <a:buChar char="•"/>
-          </a:pPr>
-          <a:r>
-            <a:rPr lang="en-US" sz="1800" kern="1200" dirty="0"/>
-            <a:t>Task 2</a:t>
-          </a:r>
-        </a:p>
-      </dsp:txBody>
-      <dsp:txXfrm>
-        <a:off x="0" y="3063420"/>
-        <a:ext cx="4978400" cy="1020600"/>
-      </dsp:txXfrm>
-    </dsp:sp>
-    <dsp:sp modelId="{5B203A22-00AF-46E7-9415-C6DAFD7E01CC}">
-      <dsp:nvSpPr>
-        <dsp:cNvPr id="0" name=""/>
-        <dsp:cNvSpPr/>
-      </dsp:nvSpPr>
-      <dsp:spPr>
-        <a:xfrm>
-          <a:off x="248920" y="2797740"/>
-          <a:ext cx="3484880" cy="531360"/>
-        </a:xfrm>
-        <a:prstGeom prst="roundRect">
-          <a:avLst/>
-        </a:prstGeom>
-        <a:solidFill>
-          <a:schemeClr val="accent2">
-            <a:hueOff val="-1455363"/>
-            <a:satOff val="-83928"/>
-            <a:lumOff val="8628"/>
-            <a:alphaOff val="0"/>
-          </a:schemeClr>
-        </a:solidFill>
-        <a:ln w="12700" cap="flat" cmpd="sng" algn="ctr">
-          <a:solidFill>
-            <a:schemeClr val="lt1">
-              <a:hueOff val="0"/>
-              <a:satOff val="0"/>
-              <a:lumOff val="0"/>
-              <a:alphaOff val="0"/>
-            </a:schemeClr>
-          </a:solidFill>
-          <a:prstDash val="solid"/>
-          <a:miter lim="800000"/>
-        </a:ln>
-        <a:effectLst/>
-      </dsp:spPr>
-      <dsp:style>
-        <a:lnRef idx="2">
-          <a:scrgbClr r="0" g="0" b="0"/>
-        </a:lnRef>
-        <a:fillRef idx="1">
-          <a:scrgbClr r="0" g="0" b="0"/>
-        </a:fillRef>
-        <a:effectRef idx="0">
-          <a:scrgbClr r="0" g="0" b="0"/>
-        </a:effectRef>
-        <a:fontRef idx="minor">
-          <a:schemeClr val="lt1"/>
-        </a:fontRef>
-      </dsp:style>
-      <dsp:txBody>
-        <a:bodyPr spcFirstLastPara="0" vert="horz" wrap="square" lIns="131720" tIns="0" rIns="131720" bIns="0" numCol="1" spcCol="1270" anchor="ctr" anchorCtr="0">
-          <a:noAutofit/>
-        </a:bodyPr>
-        <a:lstStyle/>
-        <a:p>
-          <a:pPr marL="0" lvl="0" indent="0" algn="l" defTabSz="800100">
-            <a:lnSpc>
-              <a:spcPct val="90000"/>
-            </a:lnSpc>
-            <a:spcBef>
-              <a:spcPct val="0"/>
-            </a:spcBef>
-            <a:spcAft>
-              <a:spcPct val="35000"/>
-            </a:spcAft>
-            <a:buNone/>
-          </a:pPr>
-          <a:r>
-            <a:rPr lang="en-US" sz="1800" kern="1200" dirty="0"/>
-            <a:t>Group C</a:t>
-          </a:r>
-        </a:p>
-      </dsp:txBody>
-      <dsp:txXfrm>
-        <a:off x="274859" y="2823679"/>
-        <a:ext cx="3433002" cy="479482"/>
+        <a:off x="966562" y="4491600"/>
+        <a:ext cx="9742899" cy="896424"/>
       </dsp:txXfrm>
     </dsp:sp>
   </dsp:spTree>
@@ -3023,89 +2420,48 @@
 </file>
 
 <file path=ppt/diagrams/layout1.xml><?xml version="1.0" encoding="utf-8"?>
-<dgm:layoutDef xmlns:dgm="http://schemas.openxmlformats.org/drawingml/2006/diagram" xmlns:a="http://schemas.openxmlformats.org/drawingml/2006/main" uniqueId="urn:microsoft.com/office/officeart/2005/8/layout/list1">
-  <dgm:title val=""/>
-  <dgm:desc val=""/>
+<dgm:layoutDef xmlns:dgm="http://schemas.openxmlformats.org/drawingml/2006/diagram" xmlns:a="http://schemas.openxmlformats.org/drawingml/2006/main" uniqueId="urn:microsoft.com/office/officeart/2018/2/layout/IconVerticalSolidList">
+  <dgm:title val="Icon Vertical Solid List"/>
+  <dgm:desc val="Use to show a series of visuals from top to bottom with Level 1 or Level 1 and Level 2 text grouped in a shape. Works best with icons or small pictures with lengthier descriptions."/>
   <dgm:catLst>
-    <dgm:cat type="list" pri="4000"/>
+    <dgm:cat type="icon" pri="500"/>
   </dgm:catLst>
-  <dgm:sampData>
+  <dgm:sampData useDef="1">
     <dgm:dataModel>
-      <dgm:ptLst>
-        <dgm:pt modelId="0" type="doc"/>
-        <dgm:pt modelId="1">
-          <dgm:prSet phldr="1"/>
-        </dgm:pt>
-        <dgm:pt modelId="2">
-          <dgm:prSet phldr="1"/>
-        </dgm:pt>
-        <dgm:pt modelId="3">
-          <dgm:prSet phldr="1"/>
-        </dgm:pt>
-      </dgm:ptLst>
-      <dgm:cxnLst>
-        <dgm:cxn modelId="4" srcId="0" destId="1" srcOrd="0" destOrd="0"/>
-        <dgm:cxn modelId="5" srcId="0" destId="2" srcOrd="1" destOrd="0"/>
-        <dgm:cxn modelId="6" srcId="0" destId="3" srcOrd="2" destOrd="0"/>
-      </dgm:cxnLst>
+      <dgm:ptLst/>
       <dgm:bg/>
       <dgm:whole/>
     </dgm:dataModel>
   </dgm:sampData>
-  <dgm:styleData>
+  <dgm:styleData useDef="1">
     <dgm:dataModel>
-      <dgm:ptLst>
-        <dgm:pt modelId="0" type="doc"/>
-        <dgm:pt modelId="1"/>
-        <dgm:pt modelId="2"/>
-      </dgm:ptLst>
-      <dgm:cxnLst>
-        <dgm:cxn modelId="4" srcId="0" destId="1" srcOrd="0" destOrd="0"/>
-        <dgm:cxn modelId="5" srcId="0" destId="2" srcOrd="1" destOrd="0"/>
-      </dgm:cxnLst>
+      <dgm:ptLst/>
       <dgm:bg/>
       <dgm:whole/>
     </dgm:dataModel>
   </dgm:styleData>
-  <dgm:clrData>
+  <dgm:clrData useDef="1">
     <dgm:dataModel>
-      <dgm:ptLst>
-        <dgm:pt modelId="0" type="doc"/>
-        <dgm:pt modelId="1"/>
-        <dgm:pt modelId="2"/>
-        <dgm:pt modelId="3"/>
-        <dgm:pt modelId="4"/>
-      </dgm:ptLst>
-      <dgm:cxnLst>
-        <dgm:cxn modelId="5" srcId="0" destId="1" srcOrd="0" destOrd="0"/>
-        <dgm:cxn modelId="6" srcId="0" destId="2" srcOrd="1" destOrd="0"/>
-        <dgm:cxn modelId="7" srcId="0" destId="3" srcOrd="2" destOrd="0"/>
-        <dgm:cxn modelId="8" srcId="0" destId="4" srcOrd="3" destOrd="0"/>
-      </dgm:cxnLst>
+      <dgm:ptLst/>
       <dgm:bg/>
       <dgm:whole/>
     </dgm:dataModel>
   </dgm:clrData>
-  <dgm:layoutNode name="linear">
+  <dgm:layoutNode name="root">
     <dgm:varLst>
       <dgm:dir/>
-      <dgm:animLvl val="lvl"/>
       <dgm:resizeHandles val="exact"/>
     </dgm:varLst>
     <dgm:choose name="Name0">
-      <dgm:if name="Name1" func="var" arg="dir" op="equ" val="norm">
+      <dgm:if name="Name1" axis="self" func="var" arg="dir" op="equ" val="norm">
         <dgm:alg type="lin">
           <dgm:param type="linDir" val="fromT"/>
-          <dgm:param type="vertAlign" val="mid"/>
-          <dgm:param type="horzAlign" val="l"/>
           <dgm:param type="nodeHorzAlign" val="l"/>
         </dgm:alg>
       </dgm:if>
       <dgm:else name="Name2">
         <dgm:alg type="lin">
           <dgm:param type="linDir" val="fromT"/>
-          <dgm:param type="vertAlign" val="mid"/>
-          <dgm:param type="horzAlign" val="r"/>
           <dgm:param type="nodeHorzAlign" val="r"/>
         </dgm:alg>
       </dgm:else>
@@ -3114,125 +2470,150 @@
       <dgm:adjLst/>
     </dgm:shape>
     <dgm:presOf/>
-    <dgm:constrLst>
-      <dgm:constr type="w" for="ch" forName="parentLin" refType="w"/>
-      <dgm:constr type="h" for="ch" forName="parentLin" val="INF"/>
-      <dgm:constr type="w" for="des" forName="parentLeftMargin" refType="w" fact="0.05"/>
-      <dgm:constr type="w" for="des" forName="parentText" refType="w" fact="0.7"/>
-      <dgm:constr type="h" for="des" forName="parentText" refType="primFontSz" refFor="des" refForName="parentText" fact="0.82"/>
-      <dgm:constr type="h" for="ch" forName="negativeSpace" refType="primFontSz" refFor="des" refForName="parentText" fact="-0.41"/>
-      <dgm:constr type="h" for="ch" forName="negativeSpace" refType="h" refFor="des" refForName="parentText" op="lte" fact="-0.82"/>
-      <dgm:constr type="h" for="ch" forName="negativeSpace" refType="h" refFor="des" refForName="parentText" op="gte" fact="-0.82"/>
-      <dgm:constr type="w" for="ch" forName="childText" refType="w"/>
-      <dgm:constr type="h" for="ch" forName="childText" refType="primFontSz" refFor="des" refForName="parentText" fact="0.7"/>
-      <dgm:constr type="primFontSz" for="des" forName="parentText" val="65"/>
-      <dgm:constr type="primFontSz" for="ch" forName="childText" refType="primFontSz" refFor="des" refForName="parentText"/>
-      <dgm:constr type="tMarg" for="ch" forName="childText" refType="primFontSz" refFor="des" refForName="parentText" fact="1.64"/>
-      <dgm:constr type="tMarg" for="ch" forName="childText" refType="h" refFor="des" refForName="parentText" op="lte" fact="3.28"/>
-      <dgm:constr type="tMarg" for="ch" forName="childText" refType="h" refFor="des" refForName="parentText" op="gte" fact="3.28"/>
-      <dgm:constr type="lMarg" for="ch" forName="childText" refType="w" fact="0.22"/>
-      <dgm:constr type="rMarg" for="ch" forName="childText" refType="lMarg" refFor="ch" refForName="childText"/>
-      <dgm:constr type="lMarg" for="des" forName="parentText" refType="w" fact="0.075"/>
-      <dgm:constr type="rMarg" for="des" forName="parentText" refType="lMarg" refFor="des" refForName="parentText"/>
-      <dgm:constr type="h" for="ch" forName="spaceBetweenRectangles" refType="primFontSz" refFor="des" refForName="parentText" fact="0.15"/>
-    </dgm:constrLst>
+    <dgm:choose name="Name3">
+      <dgm:if name="Name4" axis="ch" ptType="node" func="cnt" op="lte" val="3">
+        <dgm:constrLst>
+          <dgm:constr type="h" for="ch" forName="compNode" refType="h" fact="0.3"/>
+          <dgm:constr type="w" for="ch" forName="compNode" refType="w"/>
+          <dgm:constr type="h" for="ch" forName="sibTrans" refType="h" refFor="ch" refForName="compNode" fact="0.25"/>
+          <dgm:constr type="primFontSz" for="des" forName="parTx" val="25"/>
+          <dgm:constr type="primFontSz" for="des" forName="desTx" refType="primFontSz" refFor="des" refForName="parTx" op="lte" fact="0.75"/>
+          <dgm:constr type="h" for="des" forName="compNode" op="equ"/>
+          <dgm:constr type="h" for="des" forName="bgRect" op="equ"/>
+          <dgm:constr type="h" for="des" forName="iconRect" op="equ"/>
+          <dgm:constr type="w" for="des" forName="iconRect" op="equ"/>
+          <dgm:constr type="h" for="des" forName="spaceRect" op="equ"/>
+          <dgm:constr type="h" for="des" forName="parTx" op="equ"/>
+          <dgm:constr type="h" for="des" forName="desTx" op="equ"/>
+        </dgm:constrLst>
+      </dgm:if>
+      <dgm:if name="Name5" axis="ch" ptType="node" func="cnt" op="lte" val="4">
+        <dgm:constrLst>
+          <dgm:constr type="h" for="ch" forName="compNode" refType="h" fact="0.3"/>
+          <dgm:constr type="w" for="ch" forName="compNode" refType="w"/>
+          <dgm:constr type="h" for="ch" forName="sibTrans" refType="h" refFor="ch" refForName="compNode" fact="0.25"/>
+          <dgm:constr type="primFontSz" for="des" forName="parTx" val="22"/>
+          <dgm:constr type="primFontSz" for="des" forName="desTx" refType="primFontSz" refFor="des" refForName="parTx" op="lte" fact="0.75"/>
+          <dgm:constr type="h" for="des" forName="compNode" op="equ"/>
+          <dgm:constr type="h" for="des" forName="bgRect" op="equ"/>
+          <dgm:constr type="h" for="des" forName="iconRect" op="equ"/>
+          <dgm:constr type="w" for="des" forName="iconRect" op="equ"/>
+          <dgm:constr type="h" for="des" forName="spaceRect" op="equ"/>
+          <dgm:constr type="h" for="des" forName="parTx" op="equ"/>
+          <dgm:constr type="h" for="des" forName="desTx" op="equ"/>
+        </dgm:constrLst>
+      </dgm:if>
+      <dgm:if name="Name6" axis="ch" ptType="node" func="cnt" op="lte" val="6">
+        <dgm:constrLst>
+          <dgm:constr type="h" for="ch" forName="compNode" refType="h" fact="0.3"/>
+          <dgm:constr type="w" for="ch" forName="compNode" refType="w"/>
+          <dgm:constr type="h" for="ch" forName="sibTrans" refType="h" refFor="ch" refForName="compNode" fact="0.25"/>
+          <dgm:constr type="primFontSz" for="des" forName="parTx" val="19"/>
+          <dgm:constr type="primFontSz" for="des" forName="desTx" refType="primFontSz" refFor="des" refForName="parTx" op="lte" fact="0.75"/>
+          <dgm:constr type="h" for="des" forName="compNode" op="equ"/>
+          <dgm:constr type="h" for="des" forName="bgRect" op="equ"/>
+          <dgm:constr type="h" for="des" forName="iconRect" op="equ"/>
+          <dgm:constr type="w" for="des" forName="iconRect" op="equ"/>
+          <dgm:constr type="h" for="des" forName="spaceRect" op="equ"/>
+          <dgm:constr type="h" for="des" forName="parTx" op="equ"/>
+          <dgm:constr type="h" for="des" forName="desTx" op="equ"/>
+        </dgm:constrLst>
+      </dgm:if>
+      <dgm:else name="Name7">
+        <dgm:constrLst>
+          <dgm:constr type="h" for="ch" forName="compNode" refType="h" fact="0.3"/>
+          <dgm:constr type="w" for="ch" forName="compNode" refType="w"/>
+          <dgm:constr type="h" for="ch" forName="sibTrans" refType="h" refFor="ch" refForName="compNode" fact="0.25"/>
+          <dgm:constr type="primFontSz" for="des" forName="parTx" val="16"/>
+          <dgm:constr type="primFontSz" for="des" forName="desTx" refType="primFontSz" refFor="des" refForName="parTx" op="lte" fact="0.75"/>
+          <dgm:constr type="h" for="des" forName="compNode" op="equ"/>
+          <dgm:constr type="h" for="des" forName="bgRect" op="equ"/>
+          <dgm:constr type="h" for="des" forName="iconRect" op="equ"/>
+          <dgm:constr type="w" for="des" forName="iconRect" op="equ"/>
+          <dgm:constr type="h" for="des" forName="spaceRect" op="equ"/>
+          <dgm:constr type="h" for="des" forName="parTx" op="equ"/>
+          <dgm:constr type="h" for="des" forName="desTx" op="equ"/>
+        </dgm:constrLst>
+      </dgm:else>
+    </dgm:choose>
     <dgm:ruleLst>
-      <dgm:rule type="primFontSz" for="des" forName="parentText" val="5" fact="NaN" max="NaN"/>
+      <dgm:rule type="h" for="ch" forName="compNode" val="0" fact="NaN" max="NaN"/>
     </dgm:ruleLst>
-    <dgm:forEach name="Name3" axis="ch" ptType="node">
-      <dgm:layoutNode name="parentLin">
-        <dgm:choose name="Name4">
-          <dgm:if name="Name5" func="var" arg="dir" op="equ" val="norm">
-            <dgm:alg type="lin">
-              <dgm:param type="linDir" val="fromL"/>
-              <dgm:param type="horzAlign" val="l"/>
-              <dgm:param type="nodeHorzAlign" val="l"/>
-            </dgm:alg>
-          </dgm:if>
-          <dgm:else name="Name6">
-            <dgm:alg type="lin">
-              <dgm:param type="linDir" val="fromR"/>
-              <dgm:param type="horzAlign" val="r"/>
-              <dgm:param type="nodeHorzAlign" val="r"/>
-            </dgm:alg>
-          </dgm:else>
-        </dgm:choose>
+    <dgm:forEach name="Name8" axis="ch" ptType="node">
+      <dgm:layoutNode name="compNode">
+        <dgm:alg type="composite"/>
         <dgm:shape xmlns:r="http://schemas.openxmlformats.org/officeDocument/2006/relationships" r:blip="">
           <dgm:adjLst/>
         </dgm:shape>
-        <dgm:presOf/>
-        <dgm:constrLst/>
-        <dgm:ruleLst/>
-        <dgm:layoutNode name="parentLeftMargin">
-          <dgm:alg type="sp"/>
-          <dgm:shape xmlns:r="http://schemas.openxmlformats.org/officeDocument/2006/relationships" type="rect" r:blip="" hideGeom="1">
-            <dgm:adjLst/>
-          </dgm:shape>
-          <dgm:presOf axis="self"/>
-          <dgm:constrLst>
-            <dgm:constr type="h"/>
-          </dgm:constrLst>
-          <dgm:ruleLst/>
-        </dgm:layoutNode>
-        <dgm:layoutNode name="parentText" styleLbl="node1">
-          <dgm:varLst>
-            <dgm:chMax val="0"/>
-            <dgm:bulletEnabled val="1"/>
-          </dgm:varLst>
-          <dgm:choose name="Name7">
-            <dgm:if name="Name8" func="var" arg="dir" op="equ" val="norm">
-              <dgm:alg type="tx">
-                <dgm:param type="parTxLTRAlign" val="l"/>
-                <dgm:param type="parTxRTLAlign" val="l"/>
-              </dgm:alg>
-            </dgm:if>
-            <dgm:else name="Name9">
-              <dgm:alg type="tx">
-                <dgm:param type="parTxLTRAlign" val="r"/>
-                <dgm:param type="parTxRTLAlign" val="r"/>
-              </dgm:alg>
-            </dgm:else>
-          </dgm:choose>
-          <dgm:shape xmlns:r="http://schemas.openxmlformats.org/officeDocument/2006/relationships" type="roundRect" r:blip="">
-            <dgm:adjLst/>
-          </dgm:shape>
-          <dgm:presOf axis="self" ptType="node"/>
-          <dgm:constrLst>
-            <dgm:constr type="tMarg"/>
-            <dgm:constr type="bMarg"/>
-          </dgm:constrLst>
-          <dgm:ruleLst/>
-        </dgm:layoutNode>
-      </dgm:layoutNode>
-      <dgm:layoutNode name="negativeSpace">
-        <dgm:alg type="sp"/>
-        <dgm:shape xmlns:r="http://schemas.openxmlformats.org/officeDocument/2006/relationships" r:blip="">
-          <dgm:adjLst/>
-        </dgm:shape>
-        <dgm:presOf/>
-        <dgm:constrLst/>
-        <dgm:ruleLst/>
-      </dgm:layoutNode>
-      <dgm:layoutNode name="childText" styleLbl="conFgAcc1">
-        <dgm:varLst>
-          <dgm:bulletEnabled val="1"/>
-        </dgm:varLst>
-        <dgm:alg type="tx">
-          <dgm:param type="stBulletLvl" val="1"/>
-        </dgm:alg>
-        <dgm:shape xmlns:r="http://schemas.openxmlformats.org/officeDocument/2006/relationships" type="rect" r:blip="" zOrderOff="-2">
-          <dgm:adjLst/>
-        </dgm:shape>
-        <dgm:presOf axis="des" ptType="node"/>
-        <dgm:constrLst>
-          <dgm:constr type="secFontSz" refType="primFontSz"/>
-        </dgm:constrLst>
+        <dgm:presOf axis="self"/>
+        <dgm:choose name="Name9">
+          <dgm:if name="Name10" axis="ch" ptType="node" func="cnt" op="gte" val="1">
+            <dgm:constrLst>
+              <dgm:constr type="w" for="ch" forName="bgRect" refType="w"/>
+              <dgm:constr type="h" for="ch" forName="bgRect" refType="h"/>
+              <dgm:constr type="l" for="ch" forName="bgRect"/>
+              <dgm:constr type="t" for="ch" forName="bgRect"/>
+              <dgm:constr type="h" for="ch" forName="iconRect" refType="h" fact="0.55"/>
+              <dgm:constr type="w" for="ch" forName="iconRect" refType="h" refFor="ch" refForName="iconRect"/>
+              <dgm:constr type="l" for="ch" forName="iconRect" refType="h" refFor="ch" refForName="iconRect" fact="0.55"/>
+              <dgm:constr type="ctrY" for="ch" forName="iconRect" refType="ctrY" refFor="ch" refForName="bgRect"/>
+              <dgm:constr type="w" for="ch" forName="spaceRect" refType="l" refFor="ch" refForName="iconRect"/>
+              <dgm:constr type="h" for="ch" forName="spaceRect" refType="h"/>
+              <dgm:constr type="l" for="ch" forName="spaceRect" refType="r" refFor="ch" refForName="iconRect"/>
+              <dgm:constr type="t" for="ch" forName="spaceRect"/>
+              <dgm:constr type="w" for="ch" forName="parTx" refType="w" fact="0.45"/>
+              <dgm:constr type="h" for="ch" forName="parTx" refType="h"/>
+              <dgm:constr type="l" for="ch" forName="parTx" refType="r" refFor="ch" refForName="spaceRect"/>
+              <dgm:constr type="t" for="ch" forName="parTx"/>
+              <dgm:constr type="h" for="ch" forName="desTx" refType="h"/>
+              <dgm:constr type="l" for="ch" forName="desTx" refType="r" refFor="ch" refForName="parTx"/>
+              <dgm:constr type="t" for="ch" forName="desTx"/>
+            </dgm:constrLst>
+          </dgm:if>
+          <dgm:else name="Name11">
+            <dgm:constrLst>
+              <dgm:constr type="w" for="ch" forName="bgRect" refType="w"/>
+              <dgm:constr type="h" for="ch" forName="bgRect" refType="h"/>
+              <dgm:constr type="l" for="ch" forName="bgRect"/>
+              <dgm:constr type="t" for="ch" forName="bgRect"/>
+              <dgm:constr type="h" for="ch" forName="iconRect" refType="h" fact="0.55"/>
+              <dgm:constr type="w" for="ch" forName="iconRect" refType="h" refFor="ch" refForName="iconRect"/>
+              <dgm:constr type="l" for="ch" forName="iconRect" refType="h" refFor="ch" refForName="iconRect" fact="0.55"/>
+              <dgm:constr type="ctrY" for="ch" forName="iconRect" refType="ctrY" refFor="ch" refForName="bgRect"/>
+              <dgm:constr type="w" for="ch" forName="spaceRect" refType="l" refFor="ch" refForName="iconRect"/>
+              <dgm:constr type="h" for="ch" forName="spaceRect" refType="h"/>
+              <dgm:constr type="l" for="ch" forName="spaceRect" refType="r" refFor="ch" refForName="iconRect"/>
+              <dgm:constr type="t" for="ch" forName="spaceRect"/>
+              <dgm:constr type="h" for="ch" forName="parTx" refType="h"/>
+              <dgm:constr type="l" for="ch" forName="parTx" refType="r" refFor="ch" refForName="spaceRect"/>
+              <dgm:constr type="t" for="ch" forName="parTx"/>
+            </dgm:constrLst>
+          </dgm:else>
+        </dgm:choose>
         <dgm:ruleLst>
           <dgm:rule type="h" val="INF" fact="NaN" max="NaN"/>
         </dgm:ruleLst>
-      </dgm:layoutNode>
-      <dgm:forEach name="Name10" axis="followSib" ptType="sibTrans" cnt="1">
-        <dgm:layoutNode name="spaceBetweenRectangles">
+        <dgm:layoutNode name="bgRect" styleLbl="bgShp">
+          <dgm:alg type="sp"/>
+          <dgm:shape xmlns:r="http://schemas.openxmlformats.org/officeDocument/2006/relationships" type="roundRect" r:blip="">
+            <dgm:adjLst>
+              <dgm:adj idx="1" val="0.1"/>
+            </dgm:adjLst>
+          </dgm:shape>
+          <dgm:presOf/>
+          <dgm:constrLst/>
+          <dgm:ruleLst/>
+        </dgm:layoutNode>
+        <dgm:layoutNode name="iconRect" styleLbl="node1">
+          <dgm:alg type="sp"/>
+          <dgm:shape xmlns:r="http://schemas.openxmlformats.org/officeDocument/2006/relationships" type="rect" r:blip="" blipPhldr="1">
+            <dgm:adjLst/>
+          </dgm:shape>
+          <dgm:presOf/>
+          <dgm:constrLst/>
+          <dgm:ruleLst/>
+        </dgm:layoutNode>
+        <dgm:layoutNode name="spaceRect">
           <dgm:alg type="sp"/>
           <dgm:shape xmlns:r="http://schemas.openxmlformats.org/officeDocument/2006/relationships" r:blip="">
             <dgm:adjLst/>
@@ -3241,9 +2622,94 @@
           <dgm:constrLst/>
           <dgm:ruleLst/>
         </dgm:layoutNode>
+        <dgm:layoutNode name="parTx" styleLbl="revTx">
+          <dgm:varLst>
+            <dgm:chMax val="0"/>
+            <dgm:chPref val="0"/>
+          </dgm:varLst>
+          <dgm:alg type="tx">
+            <dgm:param type="txAnchorVert" val="mid"/>
+            <dgm:param type="parTxLTRAlign" val="l"/>
+            <dgm:param type="shpTxLTRAlignCh" val="l"/>
+            <dgm:param type="parTxRTLAlign" val="r"/>
+            <dgm:param type="shpTxRTLAlignCh" val="r"/>
+          </dgm:alg>
+          <dgm:shape xmlns:r="http://schemas.openxmlformats.org/officeDocument/2006/relationships" type="rect" r:blip="">
+            <dgm:adjLst/>
+          </dgm:shape>
+          <dgm:presOf axis="self" ptType="node"/>
+          <dgm:constrLst>
+            <dgm:constr type="lMarg" refType="h" fact="0.3"/>
+            <dgm:constr type="rMarg" refType="h" fact="0.3"/>
+            <dgm:constr type="tMarg" refType="h" fact="0.3"/>
+            <dgm:constr type="bMarg" refType="h" fact="0.3"/>
+          </dgm:constrLst>
+          <dgm:ruleLst>
+            <dgm:rule type="primFontSz" val="14" fact="NaN" max="NaN"/>
+            <dgm:rule type="h" val="INF" fact="NaN" max="NaN"/>
+          </dgm:ruleLst>
+        </dgm:layoutNode>
+        <dgm:choose name="Name12">
+          <dgm:if name="Name13" axis="ch" ptType="node" func="cnt" op="gte" val="1">
+            <dgm:layoutNode name="desTx" styleLbl="revTx">
+              <dgm:varLst/>
+              <dgm:alg type="tx">
+                <dgm:param type="txAnchorVertCh" val="mid"/>
+                <dgm:param type="parTxLTRAlign" val="l"/>
+                <dgm:param type="shpTxLTRAlignCh" val="l"/>
+                <dgm:param type="parTxRTLAlign" val="r"/>
+                <dgm:param type="shpTxRTLAlignCh" val="r"/>
+                <dgm:param type="stBulletLvl" val="0"/>
+              </dgm:alg>
+              <dgm:shape xmlns:r="http://schemas.openxmlformats.org/officeDocument/2006/relationships" type="rect" r:blip="">
+                <dgm:adjLst/>
+              </dgm:shape>
+              <dgm:presOf axis="des" ptType="node"/>
+              <dgm:constrLst>
+                <dgm:constr type="primFontSz" val="18"/>
+                <dgm:constr type="secFontSz" refType="primFontSz"/>
+                <dgm:constr type="lMarg" refType="h" fact="0.3"/>
+                <dgm:constr type="rMarg" refType="h" fact="0.3"/>
+                <dgm:constr type="tMarg" refType="h" fact="0.3"/>
+                <dgm:constr type="bMarg" refType="h" fact="0.3"/>
+              </dgm:constrLst>
+              <dgm:ruleLst>
+                <dgm:rule type="primFontSz" val="11" fact="NaN" max="NaN"/>
+              </dgm:ruleLst>
+            </dgm:layoutNode>
+          </dgm:if>
+          <dgm:else name="Name14"/>
+        </dgm:choose>
+      </dgm:layoutNode>
+      <dgm:forEach name="Name15" axis="followSib" ptType="sibTrans" cnt="1">
+        <dgm:layoutNode name="sibTrans">
+          <dgm:alg type="sp"/>
+          <dgm:shape xmlns:r="http://schemas.openxmlformats.org/officeDocument/2006/relationships" r:blip="">
+            <dgm:adjLst/>
+          </dgm:shape>
+          <dgm:presOf axis="self"/>
+          <dgm:constrLst/>
+          <dgm:ruleLst/>
+        </dgm:layoutNode>
       </dgm:forEach>
     </dgm:forEach>
   </dgm:layoutNode>
+  <dgm:extLst>
+    <a:ext uri="{68A01E43-0DF5-4B5B-8FA6-DAF915123BFB}">
+      <dgm1612:lstStyle xmlns:dgm1612="http://schemas.microsoft.com/office/drawing/2016/12/diagram">
+        <a:lvl1pPr>
+          <a:lnSpc>
+            <a:spcPct val="100000"/>
+          </a:lnSpc>
+        </a:lvl1pPr>
+        <a:lvl2pPr>
+          <a:lnSpc>
+            <a:spcPct val="100000"/>
+          </a:lnSpc>
+        </a:lvl2pPr>
+      </dgm1612:lstStyle>
+    </a:ext>
+  </dgm:extLst>
 </dgm:layoutDef>
 </file>
 
@@ -5097,9 +4563,10 @@
           <a:lstStyle/>
           <a:p>
             <a:r>
-              <a:rPr lang="en-US" dirty="0"/>
-              <a:t>Add a footer</a:t>
-            </a:r>
+              <a:rPr lang="en-US"/>
+              <a:t>UWA Data Analytics Boot Camp 2020-21</a:t>
+            </a:r>
+            <a:endParaRPr lang="en-US" dirty="0"/>
           </a:p>
         </p:txBody>
       </p:sp>
@@ -5118,10 +4585,10 @@
           <a:bodyPr/>
           <a:lstStyle/>
           <a:p>
-            <a:fld id="{CE5E0A0C-FFF2-4105-9F07-796FCC3D8DE3}" type="datetime1">
-              <a:rPr lang="en-US" smtClean="0"/>
-              <a:t>2/26/21</a:t>
-            </a:fld>
+            <a:r>
+              <a:rPr lang="en-AU"/>
+              <a:t>2/27/21</a:t>
+            </a:r>
             <a:endParaRPr lang="en-US"/>
           </a:p>
         </p:txBody>
@@ -5324,7 +4791,7 @@
           <a:p>
             <a:r>
               <a:rPr lang="en-US"/>
-              <a:t>Add a footer</a:t>
+              <a:t>UWA Data Analytics Boot Camp 2020-21</a:t>
             </a:r>
           </a:p>
         </p:txBody>
@@ -5344,10 +4811,10 @@
           <a:bodyPr/>
           <a:lstStyle/>
           <a:p>
-            <a:fld id="{4A5D68D4-D432-4190-8060-492B59F98A87}" type="datetime1">
-              <a:rPr lang="en-US" smtClean="0"/>
-              <a:t>2/26/21</a:t>
-            </a:fld>
+            <a:r>
+              <a:rPr lang="en-AU"/>
+              <a:t>2/27/21</a:t>
+            </a:r>
             <a:endParaRPr lang="en-US"/>
           </a:p>
         </p:txBody>
@@ -5560,7 +5027,7 @@
           <a:p>
             <a:r>
               <a:rPr lang="en-US"/>
-              <a:t>Add a footer</a:t>
+              <a:t>UWA Data Analytics Boot Camp 2020-21</a:t>
             </a:r>
           </a:p>
         </p:txBody>
@@ -5580,10 +5047,10 @@
           <a:bodyPr/>
           <a:lstStyle/>
           <a:p>
-            <a:fld id="{5AF4EF83-7D73-495D-9915-41737B990DFC}" type="datetime1">
-              <a:rPr lang="en-US" smtClean="0"/>
-              <a:t>2/26/21</a:t>
-            </a:fld>
+            <a:r>
+              <a:rPr lang="en-AU"/>
+              <a:t>2/27/21</a:t>
+            </a:r>
             <a:endParaRPr lang="en-US"/>
           </a:p>
         </p:txBody>
@@ -5897,7 +5364,7 @@
           <a:p>
             <a:r>
               <a:rPr lang="en-US"/>
-              <a:t>Add a footer</a:t>
+              <a:t>UWA Data Analytics Boot Camp 2020-21</a:t>
             </a:r>
           </a:p>
         </p:txBody>
@@ -5917,10 +5384,10 @@
           <a:bodyPr/>
           <a:lstStyle/>
           <a:p>
-            <a:fld id="{73DF2905-D7E2-4171-961B-8EB802C66F9A}" type="datetime1">
-              <a:rPr lang="en-US" smtClean="0"/>
-              <a:t>2/26/21</a:t>
-            </a:fld>
+            <a:r>
+              <a:rPr lang="en-AU"/>
+              <a:t>2/27/21</a:t>
+            </a:r>
             <a:endParaRPr lang="en-US"/>
           </a:p>
         </p:txBody>
@@ -6160,7 +5627,7 @@
           <a:p>
             <a:r>
               <a:rPr lang="en-US"/>
-              <a:t>Add a footer</a:t>
+              <a:t>UWA Data Analytics Boot Camp 2020-21</a:t>
             </a:r>
           </a:p>
         </p:txBody>
@@ -6180,10 +5647,10 @@
           <a:bodyPr/>
           <a:lstStyle/>
           <a:p>
-            <a:fld id="{82C1B47C-16BC-4A9F-9E6E-9D1F33DC8ABD}" type="datetime1">
-              <a:rPr lang="en-US" smtClean="0"/>
-              <a:t>2/26/21</a:t>
-            </a:fld>
+            <a:r>
+              <a:rPr lang="en-AU"/>
+              <a:t>2/27/21</a:t>
+            </a:r>
             <a:endParaRPr lang="en-US"/>
           </a:p>
         </p:txBody>
@@ -6576,7 +6043,7 @@
           <a:p>
             <a:r>
               <a:rPr lang="en-US"/>
-              <a:t>Add a footer</a:t>
+              <a:t>UWA Data Analytics Boot Camp 2020-21</a:t>
             </a:r>
           </a:p>
         </p:txBody>
@@ -6596,10 +6063,10 @@
           <a:bodyPr/>
           <a:lstStyle/>
           <a:p>
-            <a:fld id="{0C073DF2-DD31-447B-89F4-CEF82A94D7A7}" type="datetime1">
-              <a:rPr lang="en-US" smtClean="0"/>
-              <a:t>2/26/21</a:t>
-            </a:fld>
+            <a:r>
+              <a:rPr lang="en-AU"/>
+              <a:t>2/27/21</a:t>
+            </a:r>
             <a:endParaRPr lang="en-US"/>
           </a:p>
         </p:txBody>
@@ -7108,7 +6575,7 @@
           <a:p>
             <a:r>
               <a:rPr lang="en-US"/>
-              <a:t>Add a footer</a:t>
+              <a:t>UWA Data Analytics Boot Camp 2020-21</a:t>
             </a:r>
           </a:p>
         </p:txBody>
@@ -7128,10 +6595,10 @@
           <a:bodyPr/>
           <a:lstStyle/>
           <a:p>
-            <a:fld id="{1551BB0C-CFA8-4A1F-9AAE-D6B32E8256E7}" type="datetime1">
-              <a:rPr lang="en-US" smtClean="0"/>
-              <a:t>2/26/21</a:t>
-            </a:fld>
+            <a:r>
+              <a:rPr lang="en-AU"/>
+              <a:t>2/27/21</a:t>
+            </a:r>
             <a:endParaRPr lang="en-US"/>
           </a:p>
         </p:txBody>
@@ -7246,7 +6713,7 @@
           <a:p>
             <a:r>
               <a:rPr lang="en-US"/>
-              <a:t>Add a footer</a:t>
+              <a:t>UWA Data Analytics Boot Camp 2020-21</a:t>
             </a:r>
           </a:p>
         </p:txBody>
@@ -7266,10 +6733,10 @@
           <a:bodyPr/>
           <a:lstStyle/>
           <a:p>
-            <a:fld id="{2752348D-B72F-4FC3-A127-851C5E7B3A9E}" type="datetime1">
-              <a:rPr lang="en-US" smtClean="0"/>
-              <a:t>2/26/21</a:t>
-            </a:fld>
+            <a:r>
+              <a:rPr lang="en-AU"/>
+              <a:t>2/27/21</a:t>
+            </a:r>
             <a:endParaRPr lang="en-US"/>
           </a:p>
         </p:txBody>
@@ -7356,7 +6823,7 @@
           <a:p>
             <a:r>
               <a:rPr lang="en-US"/>
-              <a:t>Add a footer</a:t>
+              <a:t>UWA Data Analytics Boot Camp 2020-21</a:t>
             </a:r>
           </a:p>
         </p:txBody>
@@ -7376,10 +6843,10 @@
           <a:bodyPr/>
           <a:lstStyle/>
           <a:p>
-            <a:fld id="{D666EB1B-704A-4D5E-8D5F-456104532486}" type="datetime1">
-              <a:rPr lang="en-US" smtClean="0"/>
-              <a:t>2/26/21</a:t>
-            </a:fld>
+            <a:r>
+              <a:rPr lang="en-AU"/>
+              <a:t>2/27/21</a:t>
+            </a:r>
             <a:endParaRPr lang="en-US"/>
           </a:p>
         </p:txBody>
@@ -7669,7 +7136,7 @@
           <a:p>
             <a:r>
               <a:rPr lang="en-US"/>
-              <a:t>Add a footer</a:t>
+              <a:t>UWA Data Analytics Boot Camp 2020-21</a:t>
             </a:r>
           </a:p>
         </p:txBody>
@@ -7689,10 +7156,10 @@
           <a:bodyPr/>
           <a:lstStyle/>
           <a:p>
-            <a:fld id="{D96AFBEB-CD4D-45C5-9851-D1FF1EB5AB85}" type="datetime1">
-              <a:rPr lang="en-US" smtClean="0"/>
-              <a:t>2/26/21</a:t>
-            </a:fld>
+            <a:r>
+              <a:rPr lang="en-AU"/>
+              <a:t>2/27/21</a:t>
+            </a:r>
             <a:endParaRPr lang="en-US"/>
           </a:p>
         </p:txBody>
@@ -7917,7 +7384,7 @@
           <a:p>
             <a:r>
               <a:rPr lang="en-US"/>
-              <a:t>Add a footer</a:t>
+              <a:t>UWA Data Analytics Boot Camp 2020-21</a:t>
             </a:r>
           </a:p>
         </p:txBody>
@@ -7937,10 +7404,10 @@
           <a:bodyPr/>
           <a:lstStyle/>
           <a:p>
-            <a:fld id="{B285B7EB-0ACD-4247-AA3F-1B0B49109B84}" type="datetime1">
-              <a:rPr lang="en-US" smtClean="0"/>
-              <a:t>2/26/21</a:t>
-            </a:fld>
+            <a:r>
+              <a:rPr lang="en-AU"/>
+              <a:t>2/27/21</a:t>
+            </a:r>
             <a:endParaRPr lang="en-US"/>
           </a:p>
         </p:txBody>
@@ -8197,9 +7664,10 @@
           </a:lstStyle>
           <a:p>
             <a:r>
-              <a:rPr lang="en-US" dirty="0"/>
-              <a:t>Add a footer</a:t>
-            </a:r>
+              <a:rPr lang="en-US"/>
+              <a:t>UWA Data Analytics Boot Camp 2020-21</a:t>
+            </a:r>
+            <a:endParaRPr lang="en-US" dirty="0"/>
           </a:p>
         </p:txBody>
       </p:sp>
@@ -8236,11 +7704,10 @@
             </a:lvl1pPr>
           </a:lstStyle>
           <a:p>
-            <a:fld id="{8254F2F0-E062-4E41-9176-AEE9734E64AC}" type="datetime1">
-              <a:rPr lang="en-US" smtClean="0"/>
-              <a:pPr/>
-              <a:t>2/26/21</a:t>
-            </a:fld>
+            <a:r>
+              <a:rPr lang="en-AU"/>
+              <a:t>2/27/21</a:t>
+            </a:r>
             <a:endParaRPr lang="en-US" dirty="0"/>
           </a:p>
         </p:txBody>
@@ -8320,7 +7787,7 @@
       </p:transition>
     </mc:Fallback>
   </mc:AlternateContent>
-  <p:hf sldNum="0" hdr="0" ftr="0" dt="0"/>
+  <p:hf sldNum="0" hdr="0" dt="0"/>
   <p:txStyles>
     <p:titleStyle>
       <a:lvl1pPr algn="l" defTabSz="914400" rtl="0" eaLnBrk="1" latinLnBrk="0" hangingPunct="1">
@@ -8771,7 +8238,7 @@
         </p:nvSpPr>
         <p:spPr>
           <a:xfrm>
-            <a:off x="914400" y="2007889"/>
+            <a:off x="914400" y="1082358"/>
             <a:ext cx="10363200" cy="1470025"/>
           </a:xfrm>
         </p:spPr>
@@ -8781,20 +8248,16 @@
           <a:p>
             <a:r>
               <a:rPr lang="en-US" dirty="0">
-                <a:latin typeface="Algerian" panose="020F0502020204030204" pitchFamily="34" charset="0"/>
+                <a:latin typeface="American Typewriter" panose="02090604020004020304" pitchFamily="18" charset="77"/>
                 <a:cs typeface="Algerian" panose="020F0502020204030204" pitchFamily="34" charset="0"/>
               </a:rPr>
               <a:t>Cyclones</a:t>
             </a:r>
             <a:r>
-              <a:rPr lang="en-US" dirty="0"/>
-              <a:t> </a:t>
-            </a:r>
-            <a:r>
               <a:rPr lang="en-US" dirty="0">
-                <a:latin typeface="Algerian" pitchFamily="82" charset="77"/>
+                <a:latin typeface="American Typewriter" panose="02090604020004020304" pitchFamily="18" charset="77"/>
               </a:rPr>
-              <a:t>in Australia</a:t>
+              <a:t> in Australia</a:t>
             </a:r>
           </a:p>
         </p:txBody>
@@ -8811,22 +8274,83 @@
         </p:nvSpPr>
         <p:spPr>
           <a:xfrm>
-            <a:off x="1625600" y="3886200"/>
-            <a:ext cx="8534400" cy="1752600"/>
+            <a:off x="1522730" y="3920490"/>
+            <a:ext cx="8534400" cy="1969452"/>
           </a:xfrm>
         </p:spPr>
         <p:txBody>
-          <a:bodyPr/>
+          <a:bodyPr>
+            <a:normAutofit fontScale="92500" lnSpcReduction="20000"/>
+          </a:bodyPr>
           <a:lstStyle/>
           <a:p>
             <a:r>
               <a:rPr lang="en-US" dirty="0">
-                <a:latin typeface="Tahoma" panose="020B0604030504040204" pitchFamily="34" charset="0"/>
+                <a:latin typeface="American Typewriter" panose="02090604020004020304" pitchFamily="18" charset="77"/>
                 <a:ea typeface="Tahoma" panose="020B0604030504040204" pitchFamily="34" charset="0"/>
                 <a:cs typeface="Tahoma" panose="020B0604030504040204" pitchFamily="34" charset="0"/>
               </a:rPr>
               <a:t>Analysis Of Cyclones Since 1990</a:t>
             </a:r>
+          </a:p>
+          <a:p>
+            <a:r>
+              <a:rPr lang="en-US" dirty="0">
+                <a:latin typeface="American Typewriter" panose="02090604020004020304" pitchFamily="18" charset="77"/>
+                <a:ea typeface="Tahoma" panose="020B0604030504040204" pitchFamily="34" charset="0"/>
+                <a:cs typeface="Tahoma" panose="020B0604030504040204" pitchFamily="34" charset="0"/>
+              </a:rPr>
+              <a:t>Project 3</a:t>
+            </a:r>
+          </a:p>
+          <a:p>
+            <a:r>
+              <a:rPr lang="en-US" dirty="0">
+                <a:latin typeface="American Typewriter" panose="02090604020004020304" pitchFamily="18" charset="77"/>
+                <a:ea typeface="Tahoma" panose="020B0604030504040204" pitchFamily="34" charset="0"/>
+                <a:cs typeface="Tahoma" panose="020B0604030504040204" pitchFamily="34" charset="0"/>
+              </a:rPr>
+              <a:t>Team Members:</a:t>
+            </a:r>
+          </a:p>
+          <a:p>
+            <a:r>
+              <a:rPr lang="en-US" dirty="0">
+                <a:latin typeface="American Typewriter" panose="02090604020004020304" pitchFamily="18" charset="77"/>
+                <a:ea typeface="Tahoma" panose="020B0604030504040204" pitchFamily="34" charset="0"/>
+                <a:cs typeface="Tahoma" panose="020B0604030504040204" pitchFamily="34" charset="0"/>
+              </a:rPr>
+              <a:t>Ezra Tassone &amp; Stephen Milton</a:t>
+            </a:r>
+          </a:p>
+        </p:txBody>
+      </p:sp>
+      <p:sp>
+        <p:nvSpPr>
+          <p:cNvPr id="8" name="Footer Placeholder 7">
+            <a:extLst>
+              <a:ext uri="{FF2B5EF4-FFF2-40B4-BE49-F238E27FC236}">
+                <a16:creationId xmlns:a16="http://schemas.microsoft.com/office/drawing/2014/main" id="{424FF7C4-DF9B-AD43-A85B-68D319A4123B}"/>
+              </a:ext>
+            </a:extLst>
+          </p:cNvPr>
+          <p:cNvSpPr>
+            <a:spLocks noGrp="1"/>
+          </p:cNvSpPr>
+          <p:nvPr>
+            <p:ph type="ftr" sz="quarter" idx="11"/>
+          </p:nvPr>
+        </p:nvSpPr>
+        <p:spPr/>
+        <p:txBody>
+          <a:bodyPr/>
+          <a:lstStyle/>
+          <a:p>
+            <a:r>
+              <a:rPr lang="en-US"/>
+              <a:t>UWA Data Analytics Boot Camp 2020-21</a:t>
+            </a:r>
+            <a:endParaRPr lang="en-US" dirty="0"/>
           </a:p>
         </p:txBody>
       </p:sp>
@@ -8887,11 +8411,13 @@
           <a:bodyPr/>
           <a:lstStyle/>
           <a:p>
-            <a:r>
-              <a:rPr lang="en-US"/>
-              <a:t>Title and Content Layout with List</a:t>
-            </a:r>
-            <a:endParaRPr lang="en-US" dirty="0"/>
+            <a:pPr algn="ctr"/>
+            <a:r>
+              <a:rPr lang="en-US" dirty="0">
+                <a:latin typeface="AMERICAN TYPEWRITER SEMIBOLD" panose="02090604020004020304" pitchFamily="18" charset="77"/>
+              </a:rPr>
+              <a:t>Overview</a:t>
+            </a:r>
           </a:p>
         </p:txBody>
       </p:sp>
@@ -8912,36 +8438,110 @@
           <a:p>
             <a:pPr lvl="0"/>
             <a:r>
-              <a:rPr lang="en-US" dirty="0"/>
-              <a:t>Click to edit Master text styles</a:t>
-            </a:r>
-          </a:p>
-          <a:p>
-            <a:pPr lvl="1"/>
-            <a:r>
-              <a:rPr lang="en-US" dirty="0"/>
-              <a:t>Second level</a:t>
-            </a:r>
-          </a:p>
-          <a:p>
-            <a:pPr lvl="2"/>
-            <a:r>
-              <a:rPr lang="en-US" dirty="0"/>
-              <a:t>Third level</a:t>
-            </a:r>
-          </a:p>
-          <a:p>
-            <a:pPr lvl="3"/>
-            <a:r>
-              <a:rPr lang="en-US" dirty="0"/>
-              <a:t>Fourth level</a:t>
-            </a:r>
-          </a:p>
-          <a:p>
-            <a:pPr lvl="4"/>
-            <a:r>
-              <a:rPr lang="en-US" dirty="0"/>
-              <a:t>Fifth level</a:t>
+              <a:rPr lang="en-US" dirty="0">
+                <a:latin typeface="American Typewriter" panose="02090604020004020304" pitchFamily="18" charset="77"/>
+              </a:rPr>
+              <a:t>An analysis of Australian cyclone data since 1990 (from BOM)</a:t>
+            </a:r>
+          </a:p>
+          <a:p>
+            <a:pPr lvl="0"/>
+            <a:r>
+              <a:rPr lang="en-US" dirty="0">
+                <a:latin typeface="American Typewriter" panose="02090604020004020304" pitchFamily="18" charset="77"/>
+              </a:rPr>
+              <a:t>Numerous cyclones since 1990 and we as a team wanted to analyze the data to identify any existing trends</a:t>
+            </a:r>
+          </a:p>
+          <a:p>
+            <a:pPr lvl="0"/>
+            <a:r>
+              <a:rPr lang="en-US" dirty="0">
+                <a:latin typeface="American Typewriter" panose="02090604020004020304" pitchFamily="18" charset="77"/>
+              </a:rPr>
+              <a:t>Original data set had information since 1907 but chose to focus on data for last 30 years</a:t>
+            </a:r>
+          </a:p>
+          <a:p>
+            <a:pPr lvl="0"/>
+            <a:r>
+              <a:rPr lang="en-US" dirty="0">
+                <a:latin typeface="American Typewriter" panose="02090604020004020304" pitchFamily="18" charset="77"/>
+              </a:rPr>
+              <a:t>Consulted a Physical Oceanographer who in turn helped us understand the data and parameters within the data set</a:t>
+            </a:r>
+          </a:p>
+          <a:p>
+            <a:pPr lvl="0"/>
+            <a:r>
+              <a:rPr lang="en-US" dirty="0">
+                <a:latin typeface="American Typewriter" panose="02090604020004020304" pitchFamily="18" charset="77"/>
+              </a:rPr>
+              <a:t>As the subject was new to the team, we had to study the data set documentation in depth to understand the data collected and its importance prior to our machine learning</a:t>
+            </a:r>
+          </a:p>
+          <a:p>
+            <a:pPr lvl="0"/>
+            <a:endParaRPr lang="en-US" dirty="0">
+              <a:latin typeface="American Typewriter" panose="02090604020004020304" pitchFamily="18" charset="77"/>
+            </a:endParaRPr>
+          </a:p>
+          <a:p>
+            <a:pPr lvl="0"/>
+            <a:endParaRPr lang="en-US" dirty="0">
+              <a:latin typeface="American Typewriter" panose="02090604020004020304" pitchFamily="18" charset="77"/>
+            </a:endParaRPr>
+          </a:p>
+          <a:p>
+            <a:pPr lvl="0"/>
+            <a:endParaRPr lang="en-US" dirty="0">
+              <a:latin typeface="American Typewriter" panose="02090604020004020304" pitchFamily="18" charset="77"/>
+            </a:endParaRPr>
+          </a:p>
+          <a:p>
+            <a:pPr lvl="0"/>
+            <a:endParaRPr lang="en-US" dirty="0">
+              <a:latin typeface="American Typewriter" panose="02090604020004020304" pitchFamily="18" charset="77"/>
+            </a:endParaRPr>
+          </a:p>
+          <a:p>
+            <a:pPr lvl="0"/>
+            <a:endParaRPr lang="en-US" dirty="0">
+              <a:latin typeface="American Typewriter" panose="02090604020004020304" pitchFamily="18" charset="77"/>
+            </a:endParaRPr>
+          </a:p>
+          <a:p>
+            <a:pPr lvl="0"/>
+            <a:endParaRPr lang="en-US" dirty="0">
+              <a:latin typeface="American Typewriter" panose="02090604020004020304" pitchFamily="18" charset="77"/>
+            </a:endParaRPr>
+          </a:p>
+        </p:txBody>
+      </p:sp>
+      <p:sp>
+        <p:nvSpPr>
+          <p:cNvPr id="4" name="Footer Placeholder 3">
+            <a:extLst>
+              <a:ext uri="{FF2B5EF4-FFF2-40B4-BE49-F238E27FC236}">
+                <a16:creationId xmlns:a16="http://schemas.microsoft.com/office/drawing/2014/main" id="{DAC23DF3-5F42-0247-A036-D9092509F5D2}"/>
+              </a:ext>
+            </a:extLst>
+          </p:cNvPr>
+          <p:cNvSpPr>
+            <a:spLocks noGrp="1"/>
+          </p:cNvSpPr>
+          <p:nvPr>
+            <p:ph type="ftr" sz="quarter" idx="11"/>
+          </p:nvPr>
+        </p:nvSpPr>
+        <p:spPr/>
+        <p:txBody>
+          <a:bodyPr/>
+          <a:lstStyle/>
+          <a:p>
+            <a:r>
+              <a:rPr lang="en-US"/>
+              <a:t>UWA Data Analytics Boot Camp 2020-21</a:t>
             </a:r>
           </a:p>
         </p:txBody>
@@ -8990,7 +8590,7 @@
       </p:grpSpPr>
       <p:sp>
         <p:nvSpPr>
-          <p:cNvPr id="2" name="Title 1"/>
+          <p:cNvPr id="13" name="Title 12"/>
           <p:cNvSpPr>
             <a:spLocks noGrp="1"/>
           </p:cNvSpPr>
@@ -9003,42 +8603,159 @@
           <a:bodyPr/>
           <a:lstStyle/>
           <a:p>
-            <a:r>
-              <a:rPr lang="en-US" dirty="0"/>
-              <a:t>Title and Content Layout with Chart</a:t>
+            <a:pPr algn="ctr"/>
+            <a:r>
+              <a:rPr lang="en-US" dirty="0">
+                <a:latin typeface="AMERICAN TYPEWRITER SEMIBOLD" panose="02090604020004020304" pitchFamily="18" charset="77"/>
+              </a:rPr>
+              <a:t>Questions to Answer</a:t>
             </a:r>
           </a:p>
         </p:txBody>
       </p:sp>
-      <p:graphicFrame>
-        <p:nvGraphicFramePr>
-          <p:cNvPr id="6" name="Content Placeholder 5" descr="Clustered column chart showing the values of 3 series for 4 categories"/>
-          <p:cNvGraphicFramePr>
-            <a:graphicFrameLocks noGrp="1"/>
-          </p:cNvGraphicFramePr>
+      <p:sp>
+        <p:nvSpPr>
+          <p:cNvPr id="14" name="Content Placeholder 13"/>
+          <p:cNvSpPr>
+            <a:spLocks noGrp="1"/>
+          </p:cNvSpPr>
           <p:nvPr>
             <p:ph sz="quarter" idx="13"/>
-            <p:extLst>
-              <p:ext uri="{D42A27DB-BD31-4B8C-83A1-F6EECF244321}">
-                <p14:modId xmlns:p14="http://schemas.microsoft.com/office/powerpoint/2010/main" val="2517509121"/>
-              </p:ext>
-            </p:extLst>
           </p:nvPr>
-        </p:nvGraphicFramePr>
-        <p:xfrm>
-          <a:off x="812800" y="1600200"/>
-          <a:ext cx="10566400" cy="4114800"/>
-        </p:xfrm>
-        <a:graphic>
-          <a:graphicData uri="http://schemas.openxmlformats.org/drawingml/2006/chart">
-            <c:chart xmlns:c="http://schemas.openxmlformats.org/drawingml/2006/chart" xmlns:r="http://schemas.openxmlformats.org/officeDocument/2006/relationships" r:id="rId2"/>
-          </a:graphicData>
-        </a:graphic>
-      </p:graphicFrame>
+        </p:nvSpPr>
+        <p:spPr/>
+        <p:txBody>
+          <a:bodyPr>
+            <a:normAutofit fontScale="92500"/>
+          </a:bodyPr>
+          <a:lstStyle/>
+          <a:p>
+            <a:pPr lvl="0"/>
+            <a:r>
+              <a:rPr lang="en-US" sz="2800" dirty="0">
+                <a:latin typeface="American Typewriter" panose="02090604020004020304" pitchFamily="18" charset="77"/>
+              </a:rPr>
+              <a:t>What were the Top 10 cyclones ranked by Central Pressure since 1990?</a:t>
+            </a:r>
+          </a:p>
+          <a:p>
+            <a:pPr lvl="0"/>
+            <a:r>
+              <a:rPr lang="en-US" sz="2800" dirty="0">
+                <a:latin typeface="American Typewriter" panose="02090604020004020304" pitchFamily="18" charset="77"/>
+              </a:rPr>
+              <a:t>What were the significant metrics for cyclones over their duration?</a:t>
+            </a:r>
+          </a:p>
+          <a:p>
+            <a:pPr lvl="0"/>
+            <a:r>
+              <a:rPr lang="en-US" sz="2800">
+                <a:latin typeface="American Typewriter" panose="02090604020004020304" pitchFamily="18" charset="77"/>
+              </a:rPr>
+              <a:t>Are </a:t>
+            </a:r>
+            <a:r>
+              <a:rPr lang="en-US" sz="2800" dirty="0">
+                <a:latin typeface="American Typewriter" panose="02090604020004020304" pitchFamily="18" charset="77"/>
+              </a:rPr>
+              <a:t>there a correlation between and maximum wind speed?</a:t>
+            </a:r>
+          </a:p>
+          <a:p>
+            <a:pPr lvl="0"/>
+            <a:r>
+              <a:rPr lang="en-US" sz="2800" dirty="0">
+                <a:latin typeface="American Typewriter" panose="02090604020004020304" pitchFamily="18" charset="77"/>
+              </a:rPr>
+              <a:t>Can we predict the wind direction of cyclones with machine learning?</a:t>
+            </a:r>
+          </a:p>
+          <a:p>
+            <a:pPr lvl="0"/>
+            <a:r>
+              <a:rPr lang="en-US" sz="2800" dirty="0">
+                <a:latin typeface="American Typewriter" panose="02090604020004020304" pitchFamily="18" charset="77"/>
+              </a:rPr>
+              <a:t>Is there any other cyclone metrics that can be modeled?</a:t>
+            </a:r>
+          </a:p>
+          <a:p>
+            <a:pPr lvl="0"/>
+            <a:endParaRPr lang="en-US" dirty="0">
+              <a:latin typeface="American Typewriter" panose="02090604020004020304" pitchFamily="18" charset="77"/>
+            </a:endParaRPr>
+          </a:p>
+          <a:p>
+            <a:pPr lvl="0"/>
+            <a:endParaRPr lang="en-US" dirty="0">
+              <a:latin typeface="American Typewriter" panose="02090604020004020304" pitchFamily="18" charset="77"/>
+            </a:endParaRPr>
+          </a:p>
+          <a:p>
+            <a:pPr lvl="0"/>
+            <a:endParaRPr lang="en-US" dirty="0">
+              <a:latin typeface="American Typewriter" panose="02090604020004020304" pitchFamily="18" charset="77"/>
+            </a:endParaRPr>
+          </a:p>
+          <a:p>
+            <a:pPr lvl="0"/>
+            <a:endParaRPr lang="en-US" dirty="0">
+              <a:latin typeface="American Typewriter" panose="02090604020004020304" pitchFamily="18" charset="77"/>
+            </a:endParaRPr>
+          </a:p>
+          <a:p>
+            <a:pPr lvl="0"/>
+            <a:endParaRPr lang="en-US" dirty="0">
+              <a:latin typeface="American Typewriter" panose="02090604020004020304" pitchFamily="18" charset="77"/>
+            </a:endParaRPr>
+          </a:p>
+          <a:p>
+            <a:pPr lvl="0"/>
+            <a:endParaRPr lang="en-US" dirty="0">
+              <a:latin typeface="American Typewriter" panose="02090604020004020304" pitchFamily="18" charset="77"/>
+            </a:endParaRPr>
+          </a:p>
+          <a:p>
+            <a:pPr lvl="0"/>
+            <a:endParaRPr lang="en-US" dirty="0">
+              <a:latin typeface="American Typewriter" panose="02090604020004020304" pitchFamily="18" charset="77"/>
+            </a:endParaRPr>
+          </a:p>
+        </p:txBody>
+      </p:sp>
+      <p:sp>
+        <p:nvSpPr>
+          <p:cNvPr id="4" name="Footer Placeholder 3">
+            <a:extLst>
+              <a:ext uri="{FF2B5EF4-FFF2-40B4-BE49-F238E27FC236}">
+                <a16:creationId xmlns:a16="http://schemas.microsoft.com/office/drawing/2014/main" id="{DAC23DF3-5F42-0247-A036-D9092509F5D2}"/>
+              </a:ext>
+            </a:extLst>
+          </p:cNvPr>
+          <p:cNvSpPr>
+            <a:spLocks noGrp="1"/>
+          </p:cNvSpPr>
+          <p:nvPr>
+            <p:ph type="ftr" sz="quarter" idx="11"/>
+          </p:nvPr>
+        </p:nvSpPr>
+        <p:spPr/>
+        <p:txBody>
+          <a:bodyPr/>
+          <a:lstStyle/>
+          <a:p>
+            <a:r>
+              <a:rPr lang="en-US"/>
+              <a:t>UWA Data Analytics Boot Camp 2020-21</a:t>
+            </a:r>
+          </a:p>
+        </p:txBody>
+      </p:sp>
     </p:spTree>
     <p:extLst>
       <p:ext uri="{BB962C8B-B14F-4D97-AF65-F5344CB8AC3E}">
-        <p14:creationId xmlns:p14="http://schemas.microsoft.com/office/powerpoint/2010/main" val="6974034"/>
+        <p14:creationId xmlns:p14="http://schemas.microsoft.com/office/powerpoint/2010/main" val="484715660"/>
       </p:ext>
     </p:extLst>
   </p:cSld>
@@ -9079,7 +8796,7 @@
       </p:grpSpPr>
       <p:sp>
         <p:nvSpPr>
-          <p:cNvPr id="2" name="Title 1"/>
+          <p:cNvPr id="13" name="Title 12"/>
           <p:cNvSpPr>
             <a:spLocks noGrp="1"/>
           </p:cNvSpPr>
@@ -9087,271 +8804,100 @@
             <p:ph type="title"/>
           </p:nvPr>
         </p:nvSpPr>
-        <p:spPr/>
+        <p:spPr>
+          <a:xfrm>
+            <a:off x="812800" y="136524"/>
+            <a:ext cx="10566400" cy="1143000"/>
+          </a:xfrm>
+        </p:spPr>
         <p:txBody>
           <a:bodyPr/>
           <a:lstStyle/>
           <a:p>
-            <a:r>
-              <a:rPr lang="en-US"/>
-              <a:t>Two Content Layout with Table</a:t>
-            </a:r>
-            <a:endParaRPr lang="en-US" dirty="0"/>
+            <a:pPr algn="ctr"/>
+            <a:r>
+              <a:rPr lang="en-US" dirty="0">
+                <a:latin typeface="AMERICAN TYPEWRITER SEMIBOLD" panose="02090604020004020304" pitchFamily="18" charset="77"/>
+              </a:rPr>
+              <a:t>Data Wrangling</a:t>
+            </a:r>
           </a:p>
         </p:txBody>
       </p:sp>
-      <p:graphicFrame>
-        <p:nvGraphicFramePr>
-          <p:cNvPr id="4" name="Content Placeholder 3" title="Table sample"/>
-          <p:cNvGraphicFramePr>
-            <a:graphicFrameLocks noGrp="1"/>
-          </p:cNvGraphicFramePr>
-          <p:nvPr>
-            <p:ph sz="quarter" idx="13"/>
-            <p:extLst>
-              <p:ext uri="{D42A27DB-BD31-4B8C-83A1-F6EECF244321}">
-                <p14:modId xmlns:p14="http://schemas.microsoft.com/office/powerpoint/2010/main" val="659895434"/>
-              </p:ext>
-            </p:extLst>
-          </p:nvPr>
-        </p:nvGraphicFramePr>
-        <p:xfrm>
-          <a:off x="812800" y="1600200"/>
-          <a:ext cx="4978401" cy="2082800"/>
-        </p:xfrm>
-        <a:graphic>
-          <a:graphicData uri="http://schemas.openxmlformats.org/drawingml/2006/table">
-            <a:tbl>
-              <a:tblPr firstRow="1" bandRow="1">
-                <a:tableStyleId>{5DA37D80-6434-44D0-A028-1B22A696006F}</a:tableStyleId>
-              </a:tblPr>
-              <a:tblGrid>
-                <a:gridCol w="1659467">
-                  <a:extLst>
-                    <a:ext uri="{9D8B030D-6E8A-4147-A177-3AD203B41FA5}">
-                      <a16:colId xmlns:a16="http://schemas.microsoft.com/office/drawing/2014/main" val="20000"/>
-                    </a:ext>
-                  </a:extLst>
-                </a:gridCol>
-                <a:gridCol w="1659467">
-                  <a:extLst>
-                    <a:ext uri="{9D8B030D-6E8A-4147-A177-3AD203B41FA5}">
-                      <a16:colId xmlns:a16="http://schemas.microsoft.com/office/drawing/2014/main" val="20001"/>
-                    </a:ext>
-                  </a:extLst>
-                </a:gridCol>
-                <a:gridCol w="1659467">
-                  <a:extLst>
-                    <a:ext uri="{9D8B030D-6E8A-4147-A177-3AD203B41FA5}">
-                      <a16:colId xmlns:a16="http://schemas.microsoft.com/office/drawing/2014/main" val="20002"/>
-                    </a:ext>
-                  </a:extLst>
-                </a:gridCol>
-              </a:tblGrid>
-              <a:tr h="520700">
-                <a:tc>
-                  <a:txBody>
-                    <a:bodyPr/>
-                    <a:lstStyle/>
-                    <a:p>
-                      <a:r>
-                        <a:rPr lang="en-US" dirty="0"/>
-                        <a:t>Class</a:t>
-                      </a:r>
-                    </a:p>
-                  </a:txBody>
-                  <a:tcPr marL="95363" marR="95363" anchor="ctr"/>
-                </a:tc>
-                <a:tc>
-                  <a:txBody>
-                    <a:bodyPr/>
-                    <a:lstStyle/>
-                    <a:p>
-                      <a:pPr algn="ctr"/>
-                      <a:r>
-                        <a:rPr lang="en-US" dirty="0"/>
-                        <a:t>Group A</a:t>
-                      </a:r>
-                    </a:p>
-                  </a:txBody>
-                  <a:tcPr marL="95363" marR="95363" anchor="ctr"/>
-                </a:tc>
-                <a:tc>
-                  <a:txBody>
-                    <a:bodyPr/>
-                    <a:lstStyle/>
-                    <a:p>
-                      <a:pPr algn="ctr"/>
-                      <a:r>
-                        <a:rPr lang="en-US" dirty="0"/>
-                        <a:t>Group B</a:t>
-                      </a:r>
-                    </a:p>
-                  </a:txBody>
-                  <a:tcPr marL="95363" marR="95363" anchor="ctr"/>
-                </a:tc>
-                <a:extLst>
-                  <a:ext uri="{0D108BD9-81ED-4DB2-BD59-A6C34878D82A}">
-                    <a16:rowId xmlns:a16="http://schemas.microsoft.com/office/drawing/2014/main" val="10000"/>
-                  </a:ext>
-                </a:extLst>
-              </a:tr>
-              <a:tr h="520700">
-                <a:tc>
-                  <a:txBody>
-                    <a:bodyPr/>
-                    <a:lstStyle/>
-                    <a:p>
-                      <a:r>
-                        <a:rPr lang="en-US" dirty="0"/>
-                        <a:t>Class 1</a:t>
-                      </a:r>
-                    </a:p>
-                  </a:txBody>
-                  <a:tcPr marL="95363" marR="95363" anchor="ctr"/>
-                </a:tc>
-                <a:tc>
-                  <a:txBody>
-                    <a:bodyPr/>
-                    <a:lstStyle/>
-                    <a:p>
-                      <a:pPr algn="ctr"/>
-                      <a:r>
-                        <a:rPr lang="en-US" dirty="0"/>
-                        <a:t>82</a:t>
-                      </a:r>
-                    </a:p>
-                  </a:txBody>
-                  <a:tcPr marL="95363" marR="95363" anchor="ctr"/>
-                </a:tc>
-                <a:tc>
-                  <a:txBody>
-                    <a:bodyPr/>
-                    <a:lstStyle/>
-                    <a:p>
-                      <a:pPr algn="ctr"/>
-                      <a:r>
-                        <a:rPr lang="en-US" dirty="0"/>
-                        <a:t>85</a:t>
-                      </a:r>
-                    </a:p>
-                  </a:txBody>
-                  <a:tcPr marL="95363" marR="95363" anchor="ctr"/>
-                </a:tc>
-                <a:extLst>
-                  <a:ext uri="{0D108BD9-81ED-4DB2-BD59-A6C34878D82A}">
-                    <a16:rowId xmlns:a16="http://schemas.microsoft.com/office/drawing/2014/main" val="10001"/>
-                  </a:ext>
-                </a:extLst>
-              </a:tr>
-              <a:tr h="520700">
-                <a:tc>
-                  <a:txBody>
-                    <a:bodyPr/>
-                    <a:lstStyle/>
-                    <a:p>
-                      <a:r>
-                        <a:rPr lang="en-US" dirty="0"/>
-                        <a:t>Class 2</a:t>
-                      </a:r>
-                    </a:p>
-                  </a:txBody>
-                  <a:tcPr marL="95363" marR="95363" anchor="ctr"/>
-                </a:tc>
-                <a:tc>
-                  <a:txBody>
-                    <a:bodyPr/>
-                    <a:lstStyle/>
-                    <a:p>
-                      <a:pPr algn="ctr"/>
-                      <a:r>
-                        <a:rPr lang="en-US" dirty="0"/>
-                        <a:t>76</a:t>
-                      </a:r>
-                    </a:p>
-                  </a:txBody>
-                  <a:tcPr marL="95363" marR="95363" anchor="ctr"/>
-                </a:tc>
-                <a:tc>
-                  <a:txBody>
-                    <a:bodyPr/>
-                    <a:lstStyle/>
-                    <a:p>
-                      <a:pPr algn="ctr"/>
-                      <a:r>
-                        <a:rPr lang="en-US" dirty="0"/>
-                        <a:t>88</a:t>
-                      </a:r>
-                    </a:p>
-                  </a:txBody>
-                  <a:tcPr marL="95363" marR="95363" anchor="ctr"/>
-                </a:tc>
-                <a:extLst>
-                  <a:ext uri="{0D108BD9-81ED-4DB2-BD59-A6C34878D82A}">
-                    <a16:rowId xmlns:a16="http://schemas.microsoft.com/office/drawing/2014/main" val="10002"/>
-                  </a:ext>
-                </a:extLst>
-              </a:tr>
-              <a:tr h="520700">
-                <a:tc>
-                  <a:txBody>
-                    <a:bodyPr/>
-                    <a:lstStyle/>
-                    <a:p>
-                      <a:r>
-                        <a:rPr lang="en-US" dirty="0"/>
-                        <a:t>Class 3</a:t>
-                      </a:r>
-                    </a:p>
-                  </a:txBody>
-                  <a:tcPr marL="95363" marR="95363" anchor="ctr"/>
-                </a:tc>
-                <a:tc>
-                  <a:txBody>
-                    <a:bodyPr/>
-                    <a:lstStyle/>
-                    <a:p>
-                      <a:pPr algn="ctr"/>
-                      <a:r>
-                        <a:rPr lang="en-US" dirty="0"/>
-                        <a:t>84</a:t>
-                      </a:r>
-                    </a:p>
-                  </a:txBody>
-                  <a:tcPr marL="95363" marR="95363" anchor="ctr"/>
-                </a:tc>
-                <a:tc>
-                  <a:txBody>
-                    <a:bodyPr/>
-                    <a:lstStyle/>
-                    <a:p>
-                      <a:pPr algn="ctr"/>
-                      <a:r>
-                        <a:rPr lang="en-US" dirty="0"/>
-                        <a:t>90</a:t>
-                      </a:r>
-                    </a:p>
-                  </a:txBody>
-                  <a:tcPr marL="95363" marR="95363" anchor="ctr"/>
-                </a:tc>
-                <a:extLst>
-                  <a:ext uri="{0D108BD9-81ED-4DB2-BD59-A6C34878D82A}">
-                    <a16:rowId xmlns:a16="http://schemas.microsoft.com/office/drawing/2014/main" val="10003"/>
-                  </a:ext>
-                </a:extLst>
-              </a:tr>
-            </a:tbl>
-          </a:graphicData>
-        </a:graphic>
-      </p:graphicFrame>
       <p:sp>
         <p:nvSpPr>
-          <p:cNvPr id="11" name="Content Placeholder 10"/>
+          <p:cNvPr id="14" name="Content Placeholder 13"/>
           <p:cNvSpPr>
             <a:spLocks noGrp="1"/>
           </p:cNvSpPr>
           <p:nvPr>
-            <p:ph sz="quarter" idx="14"/>
+            <p:ph sz="quarter" idx="13"/>
+          </p:nvPr>
+        </p:nvSpPr>
+        <p:spPr/>
+        <p:txBody>
+          <a:bodyPr>
+            <a:normAutofit/>
+          </a:bodyPr>
+          <a:lstStyle/>
+          <a:p>
+            <a:pPr lvl="0"/>
+            <a:endParaRPr lang="en-US" dirty="0">
+              <a:latin typeface="American Typewriter" panose="02090604020004020304" pitchFamily="18" charset="77"/>
+            </a:endParaRPr>
+          </a:p>
+          <a:p>
+            <a:pPr lvl="0"/>
+            <a:endParaRPr lang="en-US" dirty="0">
+              <a:latin typeface="American Typewriter" panose="02090604020004020304" pitchFamily="18" charset="77"/>
+            </a:endParaRPr>
+          </a:p>
+          <a:p>
+            <a:pPr lvl="0"/>
+            <a:endParaRPr lang="en-US" dirty="0">
+              <a:latin typeface="American Typewriter" panose="02090604020004020304" pitchFamily="18" charset="77"/>
+            </a:endParaRPr>
+          </a:p>
+          <a:p>
+            <a:pPr lvl="0"/>
+            <a:endParaRPr lang="en-US" dirty="0">
+              <a:latin typeface="American Typewriter" panose="02090604020004020304" pitchFamily="18" charset="77"/>
+            </a:endParaRPr>
+          </a:p>
+          <a:p>
+            <a:pPr lvl="0"/>
+            <a:endParaRPr lang="en-US" dirty="0">
+              <a:latin typeface="American Typewriter" panose="02090604020004020304" pitchFamily="18" charset="77"/>
+            </a:endParaRPr>
+          </a:p>
+          <a:p>
+            <a:pPr lvl="0"/>
+            <a:endParaRPr lang="en-US" dirty="0">
+              <a:latin typeface="American Typewriter" panose="02090604020004020304" pitchFamily="18" charset="77"/>
+            </a:endParaRPr>
+          </a:p>
+          <a:p>
+            <a:pPr lvl="0"/>
+            <a:endParaRPr lang="en-US" dirty="0">
+              <a:latin typeface="American Typewriter" panose="02090604020004020304" pitchFamily="18" charset="77"/>
+            </a:endParaRPr>
+          </a:p>
+        </p:txBody>
+      </p:sp>
+      <p:sp>
+        <p:nvSpPr>
+          <p:cNvPr id="4" name="Footer Placeholder 3">
+            <a:extLst>
+              <a:ext uri="{FF2B5EF4-FFF2-40B4-BE49-F238E27FC236}">
+                <a16:creationId xmlns:a16="http://schemas.microsoft.com/office/drawing/2014/main" id="{DAC23DF3-5F42-0247-A036-D9092509F5D2}"/>
+              </a:ext>
+            </a:extLst>
+          </p:cNvPr>
+          <p:cNvSpPr>
+            <a:spLocks noGrp="1"/>
+          </p:cNvSpPr>
+          <p:nvPr>
+            <p:ph type="ftr" sz="quarter" idx="11"/>
           </p:nvPr>
         </p:nvSpPr>
         <p:spPr/>
@@ -9360,28 +8906,44 @@
           <a:lstStyle/>
           <a:p>
             <a:r>
-              <a:rPr lang="en-US" dirty="0"/>
-              <a:t>First bullet point here</a:t>
-            </a:r>
-          </a:p>
-          <a:p>
-            <a:r>
-              <a:rPr lang="en-US" dirty="0"/>
-              <a:t>Second bullet point here</a:t>
-            </a:r>
-          </a:p>
-          <a:p>
-            <a:r>
-              <a:rPr lang="en-US" dirty="0"/>
-              <a:t>Third bullet point here</a:t>
+              <a:rPr lang="en-US"/>
+              <a:t>UWA Data Analytics Boot Camp 2020-21</a:t>
             </a:r>
           </a:p>
         </p:txBody>
       </p:sp>
+      <p:graphicFrame>
+        <p:nvGraphicFramePr>
+          <p:cNvPr id="9" name="TextBox 9">
+            <a:extLst>
+              <a:ext uri="{FF2B5EF4-FFF2-40B4-BE49-F238E27FC236}">
+                <a16:creationId xmlns:a16="http://schemas.microsoft.com/office/drawing/2014/main" id="{01FDA40A-00BF-544F-BD5C-67B7855C1C9B}"/>
+              </a:ext>
+            </a:extLst>
+          </p:cNvPr>
+          <p:cNvGraphicFramePr/>
+          <p:nvPr>
+            <p:extLst>
+              <p:ext uri="{D42A27DB-BD31-4B8C-83A1-F6EECF244321}">
+                <p14:modId xmlns:p14="http://schemas.microsoft.com/office/powerpoint/2010/main" val="2965856413"/>
+              </p:ext>
+            </p:extLst>
+          </p:nvPr>
+        </p:nvGraphicFramePr>
+        <p:xfrm>
+          <a:off x="1010652" y="1023017"/>
+          <a:ext cx="10780295" cy="5397502"/>
+        </p:xfrm>
+        <a:graphic>
+          <a:graphicData uri="http://schemas.openxmlformats.org/drawingml/2006/diagram">
+            <dgm:relIds xmlns:dgm="http://schemas.openxmlformats.org/drawingml/2006/diagram" xmlns:r="http://schemas.openxmlformats.org/officeDocument/2006/relationships" r:dm="rId2" r:lo="rId3" r:qs="rId4" r:cs="rId5"/>
+          </a:graphicData>
+        </a:graphic>
+      </p:graphicFrame>
     </p:spTree>
     <p:extLst>
       <p:ext uri="{BB962C8B-B14F-4D97-AF65-F5344CB8AC3E}">
-        <p14:creationId xmlns:p14="http://schemas.microsoft.com/office/powerpoint/2010/main" val="3759276815"/>
+        <p14:creationId xmlns:p14="http://schemas.microsoft.com/office/powerpoint/2010/main" val="2585516020"/>
       </p:ext>
     </p:extLst>
   </p:cSld>
@@ -9430,6 +8992,42 @@
             <p:ph type="title"/>
           </p:nvPr>
         </p:nvSpPr>
+        <p:spPr>
+          <a:xfrm>
+            <a:off x="812800" y="-62244"/>
+            <a:ext cx="10566400" cy="1143000"/>
+          </a:xfrm>
+        </p:spPr>
+        <p:txBody>
+          <a:bodyPr/>
+          <a:lstStyle/>
+          <a:p>
+            <a:pPr algn="ctr"/>
+            <a:r>
+              <a:rPr lang="en-US" dirty="0">
+                <a:latin typeface="AMERICAN TYPEWRITER SEMIBOLD" panose="02090604020004020304" pitchFamily="18" charset="77"/>
+              </a:rPr>
+              <a:t>Website Demo</a:t>
+            </a:r>
+          </a:p>
+        </p:txBody>
+      </p:sp>
+      <p:sp>
+        <p:nvSpPr>
+          <p:cNvPr id="5" name="Footer Placeholder 4">
+            <a:extLst>
+              <a:ext uri="{FF2B5EF4-FFF2-40B4-BE49-F238E27FC236}">
+                <a16:creationId xmlns:a16="http://schemas.microsoft.com/office/drawing/2014/main" id="{887CB2D0-6FBC-BC45-8713-B65F46887207}"/>
+              </a:ext>
+            </a:extLst>
+          </p:cNvPr>
+          <p:cNvSpPr>
+            <a:spLocks noGrp="1"/>
+          </p:cNvSpPr>
+          <p:nvPr>
+            <p:ph type="ftr" sz="quarter" idx="11"/>
+          </p:nvPr>
+        </p:nvSpPr>
         <p:spPr/>
         <p:txBody>
           <a:bodyPr/>
@@ -9437,15 +9035,20 @@
           <a:p>
             <a:r>
               <a:rPr lang="en-US"/>
-              <a:t>Two Content Layout with SmartArt</a:t>
-            </a:r>
-            <a:endParaRPr lang="en-US" dirty="0"/>
+              <a:t>UWA Data Analytics Boot Camp 2020-21</a:t>
+            </a:r>
           </a:p>
         </p:txBody>
       </p:sp>
       <p:sp>
         <p:nvSpPr>
-          <p:cNvPr id="10" name="Content Placeholder 9"/>
+          <p:cNvPr id="8" name="Content Placeholder 7">
+            <a:extLst>
+              <a:ext uri="{FF2B5EF4-FFF2-40B4-BE49-F238E27FC236}">
+                <a16:creationId xmlns:a16="http://schemas.microsoft.com/office/drawing/2014/main" id="{4262BB4E-8058-594B-AECD-B3A673A59812}"/>
+              </a:ext>
+            </a:extLst>
+          </p:cNvPr>
           <p:cNvSpPr>
             <a:spLocks noGrp="1"/>
           </p:cNvSpPr>
@@ -9453,60 +9056,58 @@
             <p:ph sz="quarter" idx="13"/>
           </p:nvPr>
         </p:nvSpPr>
-        <p:spPr/>
+        <p:spPr>
+          <a:xfrm>
+            <a:off x="812799" y="1600200"/>
+            <a:ext cx="11266905" cy="4191000"/>
+          </a:xfrm>
+        </p:spPr>
         <p:txBody>
           <a:bodyPr/>
           <a:lstStyle/>
           <a:p>
-            <a:r>
-              <a:rPr lang="en-US"/>
-              <a:t>First bullet point here</a:t>
-            </a:r>
-          </a:p>
-          <a:p>
-            <a:r>
-              <a:rPr lang="en-US"/>
-              <a:t>Second bullet point here</a:t>
-            </a:r>
-          </a:p>
-          <a:p>
-            <a:r>
-              <a:rPr lang="en-US"/>
-              <a:t>Third bullet point here</a:t>
-            </a:r>
+            <a:pPr marL="0" indent="0">
+              <a:buNone/>
+            </a:pPr>
             <a:endParaRPr lang="en-US" dirty="0"/>
+          </a:p>
+          <a:p>
+            <a:pPr marL="0" indent="0">
+              <a:buNone/>
+            </a:pPr>
+            <a:endParaRPr lang="en-AU" dirty="0">
+              <a:hlinkClick r:id="rId2"/>
+            </a:endParaRPr>
+          </a:p>
+          <a:p>
+            <a:pPr marL="0" indent="0">
+              <a:buNone/>
+            </a:pPr>
+            <a:endParaRPr lang="en-AU" dirty="0">
+              <a:hlinkClick r:id="rId2"/>
+            </a:endParaRPr>
+          </a:p>
+          <a:p>
+            <a:pPr marL="0" indent="0" algn="ctr">
+              <a:buNone/>
+            </a:pPr>
+            <a:r>
+              <a:rPr lang="en-AU" sz="4000" b="1" dirty="0">
+                <a:latin typeface="American Typewriter Semibold" panose="02090604020004020304" pitchFamily="18" charset="77"/>
+                <a:hlinkClick r:id="rId2"/>
+              </a:rPr>
+              <a:t>https://et-cyclonesau.herokuapp.com</a:t>
+            </a:r>
+            <a:endParaRPr lang="en-US" sz="4000" b="1" dirty="0">
+              <a:latin typeface="American Typewriter Semibold" panose="02090604020004020304" pitchFamily="18" charset="77"/>
+            </a:endParaRPr>
           </a:p>
         </p:txBody>
       </p:sp>
-      <p:graphicFrame>
-        <p:nvGraphicFramePr>
-          <p:cNvPr id="9" name="Content Placeholder 8" descr="Vertical Box List diagram showing 3 groups arranged one below the other and bullet points are present under each group"/>
-          <p:cNvGraphicFramePr>
-            <a:graphicFrameLocks noGrp="1"/>
-          </p:cNvGraphicFramePr>
-          <p:nvPr>
-            <p:ph sz="quarter" idx="14"/>
-            <p:extLst>
-              <p:ext uri="{D42A27DB-BD31-4B8C-83A1-F6EECF244321}">
-                <p14:modId xmlns:p14="http://schemas.microsoft.com/office/powerpoint/2010/main" val="4028468487"/>
-              </p:ext>
-            </p:extLst>
-          </p:nvPr>
-        </p:nvGraphicFramePr>
-        <p:xfrm>
-          <a:off x="6400800" y="1600200"/>
-          <a:ext cx="4978400" cy="4114800"/>
-        </p:xfrm>
-        <a:graphic>
-          <a:graphicData uri="http://schemas.openxmlformats.org/drawingml/2006/diagram">
-            <dgm:relIds xmlns:dgm="http://schemas.openxmlformats.org/drawingml/2006/diagram" xmlns:r="http://schemas.openxmlformats.org/officeDocument/2006/relationships" r:dm="rId2" r:lo="rId3" r:qs="rId4" r:cs="rId5"/>
-          </a:graphicData>
-        </a:graphic>
-      </p:graphicFrame>
     </p:spTree>
     <p:extLst>
       <p:ext uri="{BB962C8B-B14F-4D97-AF65-F5344CB8AC3E}">
-        <p14:creationId xmlns:p14="http://schemas.microsoft.com/office/powerpoint/2010/main" val="2535459350"/>
+        <p14:creationId xmlns:p14="http://schemas.microsoft.com/office/powerpoint/2010/main" val="6974034"/>
       </p:ext>
     </p:extLst>
   </p:cSld>

--- a/Cyclones In Australia.pptx
+++ b/Cyclones In Australia.pptx
@@ -5,10 +5,10 @@
     <p:sldMasterId id="2147483756" r:id="rId1"/>
   </p:sldMasterIdLst>
   <p:notesMasterIdLst>
-    <p:notesMasterId r:id="rId7"/>
+    <p:notesMasterId r:id="rId14"/>
   </p:notesMasterIdLst>
   <p:handoutMasterIdLst>
-    <p:handoutMasterId r:id="rId8"/>
+    <p:handoutMasterId r:id="rId15"/>
   </p:handoutMasterIdLst>
   <p:sldIdLst>
     <p:sldId id="259" r:id="rId2"/>
@@ -16,6 +16,13 @@
     <p:sldId id="264" r:id="rId4"/>
     <p:sldId id="265" r:id="rId5"/>
     <p:sldId id="261" r:id="rId6"/>
+    <p:sldId id="266" r:id="rId7"/>
+    <p:sldId id="267" r:id="rId8"/>
+    <p:sldId id="268" r:id="rId9"/>
+    <p:sldId id="269" r:id="rId10"/>
+    <p:sldId id="270" r:id="rId11"/>
+    <p:sldId id="271" r:id="rId12"/>
+    <p:sldId id="272" r:id="rId13"/>
   </p:sldIdLst>
   <p:sldSz cx="12192000" cy="6858000"/>
   <p:notesSz cx="6858000" cy="9144000"/>
@@ -3829,7 +3836,7 @@
           <a:p>
             <a:fld id="{50FABAFA-9D90-4B6C-95A1-503043E46FAB}" type="datetimeFigureOut">
               <a:rPr lang="en-US" smtClean="0"/>
-              <a:t>2/26/21</a:t>
+              <a:t>2/27/21</a:t>
             </a:fld>
             <a:endParaRPr lang="en-US"/>
           </a:p>
@@ -3994,7 +4001,7 @@
           <a:p>
             <a:fld id="{AC15EB1F-8DE4-48C3-A804-A05846A4049F}" type="datetimeFigureOut">
               <a:rPr lang="en-US" smtClean="0"/>
-              <a:t>2/26/21</a:t>
+              <a:t>2/27/21</a:t>
             </a:fld>
             <a:endParaRPr lang="en-US"/>
           </a:p>
@@ -8238,7 +8245,7 @@
         </p:nvSpPr>
         <p:spPr>
           <a:xfrm>
-            <a:off x="914400" y="1082358"/>
+            <a:off x="914400" y="1219518"/>
             <a:ext cx="10363200" cy="1470025"/>
           </a:xfrm>
         </p:spPr>
@@ -8371,6 +8378,919 @@
       </p:transition>
     </mc:Choice>
     <mc:Fallback xmlns="">
+      <p:transition spd="med">
+        <p:fade/>
+      </p:transition>
+    </mc:Fallback>
+  </mc:AlternateContent>
+</p:sld>
+</file>
+
+<file path=ppt/slides/slide10.xml><?xml version="1.0" encoding="utf-8"?>
+<p:sld xmlns:a="http://schemas.openxmlformats.org/drawingml/2006/main" xmlns:r="http://schemas.openxmlformats.org/officeDocument/2006/relationships" xmlns:p="http://schemas.openxmlformats.org/presentationml/2006/main">
+  <p:cSld>
+    <p:spTree>
+      <p:nvGrpSpPr>
+        <p:cNvPr id="1" name=""/>
+        <p:cNvGrpSpPr/>
+        <p:nvPr/>
+      </p:nvGrpSpPr>
+      <p:grpSpPr>
+        <a:xfrm>
+          <a:off x="0" y="0"/>
+          <a:ext cx="0" cy="0"/>
+          <a:chOff x="0" y="0"/>
+          <a:chExt cx="0" cy="0"/>
+        </a:xfrm>
+      </p:grpSpPr>
+      <p:sp>
+        <p:nvSpPr>
+          <p:cNvPr id="13" name="Title 12"/>
+          <p:cNvSpPr>
+            <a:spLocks noGrp="1"/>
+          </p:cNvSpPr>
+          <p:nvPr>
+            <p:ph type="title"/>
+          </p:nvPr>
+        </p:nvSpPr>
+        <p:spPr>
+          <a:xfrm>
+            <a:off x="812800" y="22225"/>
+            <a:ext cx="10566400" cy="1143000"/>
+          </a:xfrm>
+        </p:spPr>
+        <p:txBody>
+          <a:bodyPr/>
+          <a:lstStyle/>
+          <a:p>
+            <a:pPr algn="ctr"/>
+            <a:r>
+              <a:rPr lang="en-US" dirty="0">
+                <a:latin typeface="AMERICAN TYPEWRITER SEMIBOLD" panose="02090604020004020304" pitchFamily="18" charset="77"/>
+              </a:rPr>
+              <a:t>Machine learning</a:t>
+            </a:r>
+          </a:p>
+        </p:txBody>
+      </p:sp>
+      <p:sp>
+        <p:nvSpPr>
+          <p:cNvPr id="14" name="Content Placeholder 13"/>
+          <p:cNvSpPr>
+            <a:spLocks noGrp="1"/>
+          </p:cNvSpPr>
+          <p:nvPr>
+            <p:ph sz="quarter" idx="13"/>
+          </p:nvPr>
+        </p:nvSpPr>
+        <p:spPr>
+          <a:xfrm>
+            <a:off x="721360" y="1051878"/>
+            <a:ext cx="10566400" cy="4114800"/>
+          </a:xfrm>
+        </p:spPr>
+        <p:txBody>
+          <a:bodyPr>
+            <a:normAutofit fontScale="92500" lnSpcReduction="10000"/>
+          </a:bodyPr>
+          <a:lstStyle/>
+          <a:p>
+            <a:pPr marL="0" indent="0" algn="ctr">
+              <a:buNone/>
+            </a:pPr>
+            <a:r>
+              <a:rPr lang="en-US" sz="2800" dirty="0">
+                <a:latin typeface="American Typewriter" panose="02090604020004020304" pitchFamily="18" charset="77"/>
+              </a:rPr>
+              <a:t>K Nearest Neighbour</a:t>
+            </a:r>
+          </a:p>
+          <a:p>
+            <a:r>
+              <a:rPr lang="en-US" dirty="0">
+                <a:latin typeface="American Typewriter" panose="02090604020004020304" pitchFamily="18" charset="77"/>
+              </a:rPr>
+              <a:t>Scaled data using Standard Scaler</a:t>
+            </a:r>
+          </a:p>
+          <a:p>
+            <a:r>
+              <a:rPr lang="en-US" dirty="0">
+                <a:latin typeface="American Typewriter" panose="02090604020004020304" pitchFamily="18" charset="77"/>
+              </a:rPr>
+              <a:t>K = 11</a:t>
+            </a:r>
+          </a:p>
+          <a:p>
+            <a:r>
+              <a:rPr lang="en-US" dirty="0">
+                <a:latin typeface="American Typewriter" panose="02090604020004020304" pitchFamily="18" charset="77"/>
+              </a:rPr>
+              <a:t>Training Score Accuracy - 39.4%</a:t>
+            </a:r>
+          </a:p>
+          <a:p>
+            <a:r>
+              <a:rPr lang="en-US" dirty="0">
+                <a:latin typeface="American Typewriter" panose="02090604020004020304" pitchFamily="18" charset="77"/>
+              </a:rPr>
+              <a:t>Test Score Accuracy -  25.3%</a:t>
+            </a:r>
+          </a:p>
+          <a:p>
+            <a:pPr marL="457200" lvl="1" indent="0">
+              <a:buNone/>
+            </a:pPr>
+            <a:r>
+              <a:rPr lang="en-US" dirty="0">
+                <a:latin typeface="American Typewriter" panose="02090604020004020304" pitchFamily="18" charset="77"/>
+              </a:rPr>
+              <a:t>Training Classification	     Test Classification		Plot of K Neighbours</a:t>
+            </a:r>
+          </a:p>
+          <a:p>
+            <a:pPr marL="457200" lvl="1" indent="0">
+              <a:buNone/>
+            </a:pPr>
+            <a:endParaRPr lang="en-US" dirty="0">
+              <a:latin typeface="American Typewriter" panose="02090604020004020304" pitchFamily="18" charset="77"/>
+            </a:endParaRPr>
+          </a:p>
+          <a:p>
+            <a:pPr lvl="8"/>
+            <a:endParaRPr lang="en-US" dirty="0">
+              <a:latin typeface="American Typewriter" panose="02090604020004020304" pitchFamily="18" charset="77"/>
+            </a:endParaRPr>
+          </a:p>
+          <a:p>
+            <a:pPr marL="0" indent="0">
+              <a:buNone/>
+            </a:pPr>
+            <a:r>
+              <a:rPr lang="en-US" dirty="0">
+                <a:latin typeface="American Typewriter" panose="02090604020004020304" pitchFamily="18" charset="77"/>
+              </a:rPr>
+              <a:t>		</a:t>
+            </a:r>
+          </a:p>
+          <a:p>
+            <a:pPr marL="0" lvl="0" indent="0">
+              <a:buNone/>
+            </a:pPr>
+            <a:r>
+              <a:rPr lang="en-US" dirty="0">
+                <a:latin typeface="American Typewriter" panose="02090604020004020304" pitchFamily="18" charset="77"/>
+              </a:rPr>
+              <a:t>	</a:t>
+            </a:r>
+          </a:p>
+          <a:p>
+            <a:pPr lvl="0"/>
+            <a:endParaRPr lang="en-US" dirty="0">
+              <a:latin typeface="American Typewriter" panose="02090604020004020304" pitchFamily="18" charset="77"/>
+            </a:endParaRPr>
+          </a:p>
+          <a:p>
+            <a:pPr lvl="0"/>
+            <a:endParaRPr lang="en-US" dirty="0">
+              <a:latin typeface="American Typewriter" panose="02090604020004020304" pitchFamily="18" charset="77"/>
+            </a:endParaRPr>
+          </a:p>
+          <a:p>
+            <a:pPr lvl="0"/>
+            <a:endParaRPr lang="en-US" dirty="0">
+              <a:latin typeface="American Typewriter" panose="02090604020004020304" pitchFamily="18" charset="77"/>
+            </a:endParaRPr>
+          </a:p>
+          <a:p>
+            <a:pPr lvl="0"/>
+            <a:endParaRPr lang="en-US" dirty="0">
+              <a:latin typeface="American Typewriter" panose="02090604020004020304" pitchFamily="18" charset="77"/>
+            </a:endParaRPr>
+          </a:p>
+          <a:p>
+            <a:pPr lvl="0"/>
+            <a:endParaRPr lang="en-US" dirty="0">
+              <a:latin typeface="American Typewriter" panose="02090604020004020304" pitchFamily="18" charset="77"/>
+            </a:endParaRPr>
+          </a:p>
+        </p:txBody>
+      </p:sp>
+      <p:sp>
+        <p:nvSpPr>
+          <p:cNvPr id="4" name="Footer Placeholder 3">
+            <a:extLst>
+              <a:ext uri="{FF2B5EF4-FFF2-40B4-BE49-F238E27FC236}">
+                <a16:creationId xmlns:a16="http://schemas.microsoft.com/office/drawing/2014/main" id="{DAC23DF3-5F42-0247-A036-D9092509F5D2}"/>
+              </a:ext>
+            </a:extLst>
+          </p:cNvPr>
+          <p:cNvSpPr>
+            <a:spLocks noGrp="1"/>
+          </p:cNvSpPr>
+          <p:nvPr>
+            <p:ph type="ftr" sz="quarter" idx="11"/>
+          </p:nvPr>
+        </p:nvSpPr>
+        <p:spPr/>
+        <p:txBody>
+          <a:bodyPr/>
+          <a:lstStyle/>
+          <a:p>
+            <a:r>
+              <a:rPr lang="en-US"/>
+              <a:t>UWA Data Analytics Boot Camp 2020-21</a:t>
+            </a:r>
+          </a:p>
+        </p:txBody>
+      </p:sp>
+      <p:pic>
+        <p:nvPicPr>
+          <p:cNvPr id="5" name="Picture 4" descr="A picture containing graphical user interface&#10;&#10;Description automatically generated">
+            <a:extLst>
+              <a:ext uri="{FF2B5EF4-FFF2-40B4-BE49-F238E27FC236}">
+                <a16:creationId xmlns:a16="http://schemas.microsoft.com/office/drawing/2014/main" id="{02FF0831-B7A3-DF4D-A85C-1D6A5AD655B3}"/>
+              </a:ext>
+            </a:extLst>
+          </p:cNvPr>
+          <p:cNvPicPr>
+            <a:picLocks noChangeAspect="1"/>
+          </p:cNvPicPr>
+          <p:nvPr/>
+        </p:nvPicPr>
+        <p:blipFill>
+          <a:blip r:embed="rId2">
+            <a:extLst>
+              <a:ext uri="{28A0092B-C50C-407E-A947-70E740481C1C}">
+                <a14:useLocalDpi xmlns:a14="http://schemas.microsoft.com/office/drawing/2010/main" val="0"/>
+              </a:ext>
+            </a:extLst>
+          </a:blip>
+          <a:stretch>
+            <a:fillRect/>
+          </a:stretch>
+        </p:blipFill>
+        <p:spPr>
+          <a:xfrm>
+            <a:off x="904240" y="3429000"/>
+            <a:ext cx="3187700" cy="2590800"/>
+          </a:xfrm>
+          <a:prstGeom prst="rect">
+            <a:avLst/>
+          </a:prstGeom>
+        </p:spPr>
+      </p:pic>
+      <p:pic>
+        <p:nvPicPr>
+          <p:cNvPr id="8" name="Picture 7" descr="A picture containing graphical user interface&#10;&#10;Description automatically generated">
+            <a:extLst>
+              <a:ext uri="{FF2B5EF4-FFF2-40B4-BE49-F238E27FC236}">
+                <a16:creationId xmlns:a16="http://schemas.microsoft.com/office/drawing/2014/main" id="{0C554394-7F9F-F44E-9F80-C8BDD5969358}"/>
+              </a:ext>
+            </a:extLst>
+          </p:cNvPr>
+          <p:cNvPicPr>
+            <a:picLocks noChangeAspect="1"/>
+          </p:cNvPicPr>
+          <p:nvPr/>
+        </p:nvPicPr>
+        <p:blipFill>
+          <a:blip r:embed="rId3">
+            <a:extLst>
+              <a:ext uri="{28A0092B-C50C-407E-A947-70E740481C1C}">
+                <a14:useLocalDpi xmlns:a14="http://schemas.microsoft.com/office/drawing/2010/main" val="0"/>
+              </a:ext>
+            </a:extLst>
+          </a:blip>
+          <a:stretch>
+            <a:fillRect/>
+          </a:stretch>
+        </p:blipFill>
+        <p:spPr>
+          <a:xfrm>
+            <a:off x="4385310" y="3429000"/>
+            <a:ext cx="3238500" cy="2590800"/>
+          </a:xfrm>
+          <a:prstGeom prst="rect">
+            <a:avLst/>
+          </a:prstGeom>
+        </p:spPr>
+      </p:pic>
+      <p:pic>
+        <p:nvPicPr>
+          <p:cNvPr id="10" name="Picture 9" descr="Chart, line chart&#10;&#10;Description automatically generated">
+            <a:extLst>
+              <a:ext uri="{FF2B5EF4-FFF2-40B4-BE49-F238E27FC236}">
+                <a16:creationId xmlns:a16="http://schemas.microsoft.com/office/drawing/2014/main" id="{881968E9-B9BE-8442-8AAB-ABA8FB5DF587}"/>
+              </a:ext>
+            </a:extLst>
+          </p:cNvPr>
+          <p:cNvPicPr>
+            <a:picLocks noChangeAspect="1"/>
+          </p:cNvPicPr>
+          <p:nvPr/>
+        </p:nvPicPr>
+        <p:blipFill>
+          <a:blip r:embed="rId4">
+            <a:extLst>
+              <a:ext uri="{28A0092B-C50C-407E-A947-70E740481C1C}">
+                <a14:useLocalDpi xmlns:a14="http://schemas.microsoft.com/office/drawing/2010/main" val="0"/>
+              </a:ext>
+            </a:extLst>
+          </a:blip>
+          <a:stretch>
+            <a:fillRect/>
+          </a:stretch>
+        </p:blipFill>
+        <p:spPr>
+          <a:xfrm>
+            <a:off x="7796530" y="3505200"/>
+            <a:ext cx="4178300" cy="2514600"/>
+          </a:xfrm>
+          <a:prstGeom prst="rect">
+            <a:avLst/>
+          </a:prstGeom>
+        </p:spPr>
+      </p:pic>
+    </p:spTree>
+    <p:extLst>
+      <p:ext uri="{BB962C8B-B14F-4D97-AF65-F5344CB8AC3E}">
+        <p14:creationId xmlns:p14="http://schemas.microsoft.com/office/powerpoint/2010/main" val="431653457"/>
+      </p:ext>
+    </p:extLst>
+  </p:cSld>
+  <p:clrMapOvr>
+    <a:masterClrMapping/>
+  </p:clrMapOvr>
+  <mc:AlternateContent xmlns:mc="http://schemas.openxmlformats.org/markup-compatibility/2006" xmlns:p14="http://schemas.microsoft.com/office/powerpoint/2010/main">
+    <mc:Choice Requires="p14">
+      <p:transition spd="med" p14:dur="700">
+        <p:fade/>
+      </p:transition>
+    </mc:Choice>
+    <mc:Fallback xmlns="">
+      <p:transition spd="med">
+        <p:fade/>
+      </p:transition>
+    </mc:Fallback>
+  </mc:AlternateContent>
+</p:sld>
+</file>
+
+<file path=ppt/slides/slide11.xml><?xml version="1.0" encoding="utf-8"?>
+<p:sld xmlns:a="http://schemas.openxmlformats.org/drawingml/2006/main" xmlns:r="http://schemas.openxmlformats.org/officeDocument/2006/relationships" xmlns:p="http://schemas.openxmlformats.org/presentationml/2006/main">
+  <p:cSld>
+    <p:spTree>
+      <p:nvGrpSpPr>
+        <p:cNvPr id="1" name=""/>
+        <p:cNvGrpSpPr/>
+        <p:nvPr/>
+      </p:nvGrpSpPr>
+      <p:grpSpPr>
+        <a:xfrm>
+          <a:off x="0" y="0"/>
+          <a:ext cx="0" cy="0"/>
+          <a:chOff x="0" y="0"/>
+          <a:chExt cx="0" cy="0"/>
+        </a:xfrm>
+      </p:grpSpPr>
+      <p:sp>
+        <p:nvSpPr>
+          <p:cNvPr id="13" name="Title 12"/>
+          <p:cNvSpPr>
+            <a:spLocks noGrp="1"/>
+          </p:cNvSpPr>
+          <p:nvPr>
+            <p:ph type="title"/>
+          </p:nvPr>
+        </p:nvSpPr>
+        <p:spPr>
+          <a:xfrm>
+            <a:off x="812800" y="22225"/>
+            <a:ext cx="10566400" cy="1143000"/>
+          </a:xfrm>
+        </p:spPr>
+        <p:txBody>
+          <a:bodyPr/>
+          <a:lstStyle/>
+          <a:p>
+            <a:pPr algn="ctr"/>
+            <a:r>
+              <a:rPr lang="en-US" dirty="0">
+                <a:latin typeface="AMERICAN TYPEWRITER SEMIBOLD" panose="02090604020004020304" pitchFamily="18" charset="77"/>
+              </a:rPr>
+              <a:t>Machine learning</a:t>
+            </a:r>
+          </a:p>
+        </p:txBody>
+      </p:sp>
+      <p:sp>
+        <p:nvSpPr>
+          <p:cNvPr id="14" name="Content Placeholder 13"/>
+          <p:cNvSpPr>
+            <a:spLocks noGrp="1"/>
+          </p:cNvSpPr>
+          <p:nvPr>
+            <p:ph sz="quarter" idx="13"/>
+          </p:nvPr>
+        </p:nvSpPr>
+        <p:spPr>
+          <a:xfrm>
+            <a:off x="721360" y="1051878"/>
+            <a:ext cx="10566400" cy="4114800"/>
+          </a:xfrm>
+        </p:spPr>
+        <p:txBody>
+          <a:bodyPr>
+            <a:normAutofit fontScale="92500" lnSpcReduction="10000"/>
+          </a:bodyPr>
+          <a:lstStyle/>
+          <a:p>
+            <a:pPr marL="0" indent="0" algn="ctr">
+              <a:buNone/>
+            </a:pPr>
+            <a:r>
+              <a:rPr lang="en-US" sz="2800" dirty="0">
+                <a:latin typeface="American Typewriter" panose="02090604020004020304" pitchFamily="18" charset="77"/>
+              </a:rPr>
+              <a:t>Random Forest</a:t>
+            </a:r>
+          </a:p>
+          <a:p>
+            <a:r>
+              <a:rPr lang="en-US" dirty="0">
+                <a:latin typeface="American Typewriter" panose="02090604020004020304" pitchFamily="18" charset="77"/>
+              </a:rPr>
+              <a:t>Scaled data using Standard Scaler</a:t>
+            </a:r>
+          </a:p>
+          <a:p>
+            <a:r>
+              <a:rPr lang="en-US" dirty="0">
+                <a:latin typeface="American Typewriter" panose="02090604020004020304" pitchFamily="18" charset="77"/>
+              </a:rPr>
+              <a:t>Feature importance was calculated ref pic below</a:t>
+            </a:r>
+          </a:p>
+          <a:p>
+            <a:r>
+              <a:rPr lang="en-US" dirty="0">
+                <a:latin typeface="American Typewriter" panose="02090604020004020304" pitchFamily="18" charset="77"/>
+              </a:rPr>
+              <a:t>Training Score Accuracy - 99.8%</a:t>
+            </a:r>
+          </a:p>
+          <a:p>
+            <a:r>
+              <a:rPr lang="en-US" dirty="0">
+                <a:latin typeface="American Typewriter" panose="02090604020004020304" pitchFamily="18" charset="77"/>
+              </a:rPr>
+              <a:t>Test Score Accuracy -  34.5%</a:t>
+            </a:r>
+          </a:p>
+          <a:p>
+            <a:pPr marL="457200" lvl="1" indent="0">
+              <a:buNone/>
+            </a:pPr>
+            <a:r>
+              <a:rPr lang="en-US" dirty="0">
+                <a:latin typeface="American Typewriter" panose="02090604020004020304" pitchFamily="18" charset="77"/>
+              </a:rPr>
+              <a:t>Training Classification	     Test Classification		Feature importance pic</a:t>
+            </a:r>
+          </a:p>
+          <a:p>
+            <a:pPr marL="457200" lvl="1" indent="0">
+              <a:buNone/>
+            </a:pPr>
+            <a:endParaRPr lang="en-US" dirty="0">
+              <a:latin typeface="American Typewriter" panose="02090604020004020304" pitchFamily="18" charset="77"/>
+            </a:endParaRPr>
+          </a:p>
+          <a:p>
+            <a:pPr lvl="8"/>
+            <a:endParaRPr lang="en-US" dirty="0">
+              <a:latin typeface="American Typewriter" panose="02090604020004020304" pitchFamily="18" charset="77"/>
+            </a:endParaRPr>
+          </a:p>
+          <a:p>
+            <a:pPr marL="0" indent="0">
+              <a:buNone/>
+            </a:pPr>
+            <a:r>
+              <a:rPr lang="en-US" dirty="0">
+                <a:latin typeface="American Typewriter" panose="02090604020004020304" pitchFamily="18" charset="77"/>
+              </a:rPr>
+              <a:t>		</a:t>
+            </a:r>
+          </a:p>
+          <a:p>
+            <a:pPr marL="0" lvl="0" indent="0">
+              <a:buNone/>
+            </a:pPr>
+            <a:r>
+              <a:rPr lang="en-US" dirty="0">
+                <a:latin typeface="American Typewriter" panose="02090604020004020304" pitchFamily="18" charset="77"/>
+              </a:rPr>
+              <a:t>	</a:t>
+            </a:r>
+          </a:p>
+          <a:p>
+            <a:pPr lvl="0"/>
+            <a:endParaRPr lang="en-US" dirty="0">
+              <a:latin typeface="American Typewriter" panose="02090604020004020304" pitchFamily="18" charset="77"/>
+            </a:endParaRPr>
+          </a:p>
+          <a:p>
+            <a:pPr lvl="0"/>
+            <a:endParaRPr lang="en-US" dirty="0">
+              <a:latin typeface="American Typewriter" panose="02090604020004020304" pitchFamily="18" charset="77"/>
+            </a:endParaRPr>
+          </a:p>
+          <a:p>
+            <a:pPr lvl="0"/>
+            <a:endParaRPr lang="en-US" dirty="0">
+              <a:latin typeface="American Typewriter" panose="02090604020004020304" pitchFamily="18" charset="77"/>
+            </a:endParaRPr>
+          </a:p>
+          <a:p>
+            <a:pPr lvl="0"/>
+            <a:endParaRPr lang="en-US" dirty="0">
+              <a:latin typeface="American Typewriter" panose="02090604020004020304" pitchFamily="18" charset="77"/>
+            </a:endParaRPr>
+          </a:p>
+          <a:p>
+            <a:pPr lvl="0"/>
+            <a:endParaRPr lang="en-US" dirty="0">
+              <a:latin typeface="American Typewriter" panose="02090604020004020304" pitchFamily="18" charset="77"/>
+            </a:endParaRPr>
+          </a:p>
+        </p:txBody>
+      </p:sp>
+      <p:sp>
+        <p:nvSpPr>
+          <p:cNvPr id="4" name="Footer Placeholder 3">
+            <a:extLst>
+              <a:ext uri="{FF2B5EF4-FFF2-40B4-BE49-F238E27FC236}">
+                <a16:creationId xmlns:a16="http://schemas.microsoft.com/office/drawing/2014/main" id="{DAC23DF3-5F42-0247-A036-D9092509F5D2}"/>
+              </a:ext>
+            </a:extLst>
+          </p:cNvPr>
+          <p:cNvSpPr>
+            <a:spLocks noGrp="1"/>
+          </p:cNvSpPr>
+          <p:nvPr>
+            <p:ph type="ftr" sz="quarter" idx="11"/>
+          </p:nvPr>
+        </p:nvSpPr>
+        <p:spPr/>
+        <p:txBody>
+          <a:bodyPr/>
+          <a:lstStyle/>
+          <a:p>
+            <a:r>
+              <a:rPr lang="en-US"/>
+              <a:t>UWA Data Analytics Boot Camp 2020-21</a:t>
+            </a:r>
+          </a:p>
+        </p:txBody>
+      </p:sp>
+      <p:pic>
+        <p:nvPicPr>
+          <p:cNvPr id="3" name="Picture 2" descr="Chart, scatter chart&#10;&#10;Description automatically generated">
+            <a:extLst>
+              <a:ext uri="{FF2B5EF4-FFF2-40B4-BE49-F238E27FC236}">
+                <a16:creationId xmlns:a16="http://schemas.microsoft.com/office/drawing/2014/main" id="{BDB9FFF4-BFA2-EA4A-B3B4-AF580B051FFC}"/>
+              </a:ext>
+            </a:extLst>
+          </p:cNvPr>
+          <p:cNvPicPr>
+            <a:picLocks noChangeAspect="1"/>
+          </p:cNvPicPr>
+          <p:nvPr/>
+        </p:nvPicPr>
+        <p:blipFill>
+          <a:blip r:embed="rId2">
+            <a:extLst>
+              <a:ext uri="{28A0092B-C50C-407E-A947-70E740481C1C}">
+                <a14:useLocalDpi xmlns:a14="http://schemas.microsoft.com/office/drawing/2010/main" val="0"/>
+              </a:ext>
+            </a:extLst>
+          </a:blip>
+          <a:stretch>
+            <a:fillRect/>
+          </a:stretch>
+        </p:blipFill>
+        <p:spPr>
+          <a:xfrm>
+            <a:off x="904240" y="3520440"/>
+            <a:ext cx="3314700" cy="2514600"/>
+          </a:xfrm>
+          <a:prstGeom prst="rect">
+            <a:avLst/>
+          </a:prstGeom>
+        </p:spPr>
+      </p:pic>
+      <p:pic>
+        <p:nvPicPr>
+          <p:cNvPr id="7" name="Picture 6" descr="A picture containing text&#10;&#10;Description automatically generated">
+            <a:extLst>
+              <a:ext uri="{FF2B5EF4-FFF2-40B4-BE49-F238E27FC236}">
+                <a16:creationId xmlns:a16="http://schemas.microsoft.com/office/drawing/2014/main" id="{E6DC412E-C89F-E441-A4EF-30326BEF0C0F}"/>
+              </a:ext>
+            </a:extLst>
+          </p:cNvPr>
+          <p:cNvPicPr>
+            <a:picLocks noChangeAspect="1"/>
+          </p:cNvPicPr>
+          <p:nvPr/>
+        </p:nvPicPr>
+        <p:blipFill>
+          <a:blip r:embed="rId3">
+            <a:extLst>
+              <a:ext uri="{28A0092B-C50C-407E-A947-70E740481C1C}">
+                <a14:useLocalDpi xmlns:a14="http://schemas.microsoft.com/office/drawing/2010/main" val="0"/>
+              </a:ext>
+            </a:extLst>
+          </a:blip>
+          <a:stretch>
+            <a:fillRect/>
+          </a:stretch>
+        </p:blipFill>
+        <p:spPr>
+          <a:xfrm>
+            <a:off x="4502150" y="3545840"/>
+            <a:ext cx="3187700" cy="2489200"/>
+          </a:xfrm>
+          <a:prstGeom prst="rect">
+            <a:avLst/>
+          </a:prstGeom>
+        </p:spPr>
+      </p:pic>
+      <p:pic>
+        <p:nvPicPr>
+          <p:cNvPr id="10" name="Picture 9" descr="Text&#10;&#10;Description automatically generated">
+            <a:extLst>
+              <a:ext uri="{FF2B5EF4-FFF2-40B4-BE49-F238E27FC236}">
+                <a16:creationId xmlns:a16="http://schemas.microsoft.com/office/drawing/2014/main" id="{A66F7AC6-C3AC-EE4C-B59C-0506B81FEC7E}"/>
+              </a:ext>
+            </a:extLst>
+          </p:cNvPr>
+          <p:cNvPicPr>
+            <a:picLocks noChangeAspect="1"/>
+          </p:cNvPicPr>
+          <p:nvPr/>
+        </p:nvPicPr>
+        <p:blipFill>
+          <a:blip r:embed="rId4">
+            <a:extLst>
+              <a:ext uri="{28A0092B-C50C-407E-A947-70E740481C1C}">
+                <a14:useLocalDpi xmlns:a14="http://schemas.microsoft.com/office/drawing/2010/main" val="0"/>
+              </a:ext>
+            </a:extLst>
+          </a:blip>
+          <a:stretch>
+            <a:fillRect/>
+          </a:stretch>
+        </p:blipFill>
+        <p:spPr>
+          <a:xfrm>
+            <a:off x="7973059" y="3429000"/>
+            <a:ext cx="4197569" cy="1920240"/>
+          </a:xfrm>
+          <a:prstGeom prst="rect">
+            <a:avLst/>
+          </a:prstGeom>
+        </p:spPr>
+      </p:pic>
+    </p:spTree>
+    <p:extLst>
+      <p:ext uri="{BB962C8B-B14F-4D97-AF65-F5344CB8AC3E}">
+        <p14:creationId xmlns:p14="http://schemas.microsoft.com/office/powerpoint/2010/main" val="4126508586"/>
+      </p:ext>
+    </p:extLst>
+  </p:cSld>
+  <p:clrMapOvr>
+    <a:masterClrMapping/>
+  </p:clrMapOvr>
+  <mc:AlternateContent xmlns:mc="http://schemas.openxmlformats.org/markup-compatibility/2006" xmlns:p14="http://schemas.microsoft.com/office/powerpoint/2010/main">
+    <mc:Choice Requires="p14">
+      <p:transition spd="med" p14:dur="700">
+        <p:fade/>
+      </p:transition>
+    </mc:Choice>
+    <mc:Fallback xmlns="">
+      <p:transition spd="med">
+        <p:fade/>
+      </p:transition>
+    </mc:Fallback>
+  </mc:AlternateContent>
+</p:sld>
+</file>
+
+<file path=ppt/slides/slide12.xml><?xml version="1.0" encoding="utf-8"?>
+<p:sld xmlns:a="http://schemas.openxmlformats.org/drawingml/2006/main" xmlns:r="http://schemas.openxmlformats.org/officeDocument/2006/relationships" xmlns:p="http://schemas.openxmlformats.org/presentationml/2006/main">
+  <p:cSld>
+    <p:spTree>
+      <p:nvGrpSpPr>
+        <p:cNvPr id="1" name=""/>
+        <p:cNvGrpSpPr/>
+        <p:nvPr/>
+      </p:nvGrpSpPr>
+      <p:grpSpPr>
+        <a:xfrm>
+          <a:off x="0" y="0"/>
+          <a:ext cx="0" cy="0"/>
+          <a:chOff x="0" y="0"/>
+          <a:chExt cx="0" cy="0"/>
+        </a:xfrm>
+      </p:grpSpPr>
+      <p:sp>
+        <p:nvSpPr>
+          <p:cNvPr id="13" name="Title 12"/>
+          <p:cNvSpPr>
+            <a:spLocks noGrp="1"/>
+          </p:cNvSpPr>
+          <p:nvPr>
+            <p:ph type="title"/>
+          </p:nvPr>
+        </p:nvSpPr>
+        <p:spPr>
+          <a:xfrm>
+            <a:off x="812800" y="22225"/>
+            <a:ext cx="10566400" cy="1143000"/>
+          </a:xfrm>
+        </p:spPr>
+        <p:txBody>
+          <a:bodyPr/>
+          <a:lstStyle/>
+          <a:p>
+            <a:pPr algn="ctr"/>
+            <a:r>
+              <a:rPr lang="en-US" dirty="0">
+                <a:latin typeface="AMERICAN TYPEWRITER SEMIBOLD" panose="02090604020004020304" pitchFamily="18" charset="77"/>
+              </a:rPr>
+              <a:t>Analysis of ML</a:t>
+            </a:r>
+          </a:p>
+        </p:txBody>
+      </p:sp>
+      <p:sp>
+        <p:nvSpPr>
+          <p:cNvPr id="4" name="Footer Placeholder 3">
+            <a:extLst>
+              <a:ext uri="{FF2B5EF4-FFF2-40B4-BE49-F238E27FC236}">
+                <a16:creationId xmlns:a16="http://schemas.microsoft.com/office/drawing/2014/main" id="{DAC23DF3-5F42-0247-A036-D9092509F5D2}"/>
+              </a:ext>
+            </a:extLst>
+          </p:cNvPr>
+          <p:cNvSpPr>
+            <a:spLocks noGrp="1"/>
+          </p:cNvSpPr>
+          <p:nvPr>
+            <p:ph type="ftr" sz="quarter" idx="11"/>
+          </p:nvPr>
+        </p:nvSpPr>
+        <p:spPr/>
+        <p:txBody>
+          <a:bodyPr/>
+          <a:lstStyle/>
+          <a:p>
+            <a:r>
+              <a:rPr lang="en-US"/>
+              <a:t>UWA Data Analytics Boot Camp 2020-21</a:t>
+            </a:r>
+          </a:p>
+        </p:txBody>
+      </p:sp>
+      <p:sp>
+        <p:nvSpPr>
+          <p:cNvPr id="5" name="Content Placeholder 4">
+            <a:extLst>
+              <a:ext uri="{FF2B5EF4-FFF2-40B4-BE49-F238E27FC236}">
+                <a16:creationId xmlns:a16="http://schemas.microsoft.com/office/drawing/2014/main" id="{3B14ADE2-7E97-5E47-8992-ED41C3E93396}"/>
+              </a:ext>
+            </a:extLst>
+          </p:cNvPr>
+          <p:cNvSpPr>
+            <a:spLocks noGrp="1"/>
+          </p:cNvSpPr>
+          <p:nvPr>
+            <p:ph sz="quarter" idx="13"/>
+          </p:nvPr>
+        </p:nvSpPr>
+        <p:spPr>
+          <a:xfrm>
+            <a:off x="812800" y="1245870"/>
+            <a:ext cx="10566400" cy="4114800"/>
+          </a:xfrm>
+        </p:spPr>
+        <p:txBody>
+          <a:bodyPr/>
+          <a:lstStyle/>
+          <a:p>
+            <a:r>
+              <a:rPr lang="en-US" dirty="0">
+                <a:latin typeface="American Typewriter" panose="02090604020004020304" pitchFamily="18" charset="77"/>
+              </a:rPr>
+              <a:t>Ranked in terms of classification accuracy:</a:t>
+            </a:r>
+          </a:p>
+          <a:p>
+            <a:pPr marL="0" indent="0">
+              <a:buNone/>
+            </a:pPr>
+            <a:r>
+              <a:rPr lang="en-US" dirty="0">
+                <a:latin typeface="American Typewriter" panose="02090604020004020304" pitchFamily="18" charset="77"/>
+              </a:rPr>
+              <a:t>	Random Forest </a:t>
+            </a:r>
+          </a:p>
+          <a:p>
+            <a:pPr marL="0" indent="0">
+              <a:buNone/>
+            </a:pPr>
+            <a:r>
+              <a:rPr lang="en-US" dirty="0">
+                <a:latin typeface="American Typewriter" panose="02090604020004020304" pitchFamily="18" charset="77"/>
+              </a:rPr>
+              <a:t>	KNN </a:t>
+            </a:r>
+          </a:p>
+          <a:p>
+            <a:pPr marL="0" indent="0">
+              <a:buNone/>
+            </a:pPr>
+            <a:r>
+              <a:rPr lang="en-US" dirty="0">
+                <a:latin typeface="American Typewriter" panose="02090604020004020304" pitchFamily="18" charset="77"/>
+              </a:rPr>
+              <a:t>	SVM</a:t>
+            </a:r>
+          </a:p>
+          <a:p>
+            <a:r>
+              <a:rPr lang="en-US" dirty="0">
+                <a:latin typeface="American Typewriter" panose="02090604020004020304" pitchFamily="18" charset="77"/>
+              </a:rPr>
+              <a:t>No classifier is working well!</a:t>
+            </a:r>
+          </a:p>
+          <a:p>
+            <a:r>
+              <a:rPr lang="en-US" dirty="0">
+                <a:latin typeface="American Typewriter" panose="02090604020004020304" pitchFamily="18" charset="77"/>
+              </a:rPr>
+              <a:t>Lack of relevant features for classification</a:t>
+            </a:r>
+          </a:p>
+          <a:p>
+            <a:r>
+              <a:rPr lang="en-US" dirty="0">
+                <a:latin typeface="American Typewriter" panose="02090604020004020304" pitchFamily="18" charset="77"/>
+              </a:rPr>
+              <a:t>For wind direction prediction you need 3D data whereas the current data set is 1D</a:t>
+            </a:r>
+          </a:p>
+          <a:p>
+            <a:r>
+              <a:rPr lang="en-AU" dirty="0"/>
+              <a:t>Need more input from domain experts</a:t>
+            </a:r>
+            <a:endParaRPr lang="en-US" dirty="0">
+              <a:latin typeface="American Typewriter" panose="02090604020004020304" pitchFamily="18" charset="77"/>
+            </a:endParaRPr>
+          </a:p>
+          <a:p>
+            <a:endParaRPr lang="en-US" dirty="0">
+              <a:latin typeface="American Typewriter" panose="02090604020004020304" pitchFamily="18" charset="77"/>
+            </a:endParaRPr>
+          </a:p>
+          <a:p>
+            <a:endParaRPr lang="en-US" dirty="0">
+              <a:latin typeface="American Typewriter" panose="02090604020004020304" pitchFamily="18" charset="77"/>
+            </a:endParaRPr>
+          </a:p>
+        </p:txBody>
+      </p:sp>
+    </p:spTree>
+    <p:extLst>
+      <p:ext uri="{BB962C8B-B14F-4D97-AF65-F5344CB8AC3E}">
+        <p14:creationId xmlns:p14="http://schemas.microsoft.com/office/powerpoint/2010/main" val="2696335112"/>
+      </p:ext>
+    </p:extLst>
+  </p:cSld>
+  <p:clrMapOvr>
+    <a:masterClrMapping/>
+  </p:clrMapOvr>
+  <mc:AlternateContent xmlns:mc="http://schemas.openxmlformats.org/markup-compatibility/2006">
+    <mc:Choice xmlns:p14="http://schemas.microsoft.com/office/powerpoint/2010/main" Requires="p14">
+      <p:transition spd="med" p14:dur="700">
+        <p:fade/>
+      </p:transition>
+    </mc:Choice>
+    <mc:Fallback>
       <p:transition spd="med">
         <p:fade/>
       </p:transition>
@@ -9108,6 +10028,1145 @@
     <p:extLst>
       <p:ext uri="{BB962C8B-B14F-4D97-AF65-F5344CB8AC3E}">
         <p14:creationId xmlns:p14="http://schemas.microsoft.com/office/powerpoint/2010/main" val="6974034"/>
+      </p:ext>
+    </p:extLst>
+  </p:cSld>
+  <p:clrMapOvr>
+    <a:masterClrMapping/>
+  </p:clrMapOvr>
+  <mc:AlternateContent xmlns:mc="http://schemas.openxmlformats.org/markup-compatibility/2006" xmlns:p14="http://schemas.microsoft.com/office/powerpoint/2010/main">
+    <mc:Choice Requires="p14">
+      <p:transition spd="med" p14:dur="700">
+        <p:fade/>
+      </p:transition>
+    </mc:Choice>
+    <mc:Fallback xmlns="">
+      <p:transition spd="med">
+        <p:fade/>
+      </p:transition>
+    </mc:Fallback>
+  </mc:AlternateContent>
+</p:sld>
+</file>
+
+<file path=ppt/slides/slide6.xml><?xml version="1.0" encoding="utf-8"?>
+<p:sld xmlns:a="http://schemas.openxmlformats.org/drawingml/2006/main" xmlns:r="http://schemas.openxmlformats.org/officeDocument/2006/relationships" xmlns:p="http://schemas.openxmlformats.org/presentationml/2006/main">
+  <p:cSld>
+    <p:spTree>
+      <p:nvGrpSpPr>
+        <p:cNvPr id="1" name=""/>
+        <p:cNvGrpSpPr/>
+        <p:nvPr/>
+      </p:nvGrpSpPr>
+      <p:grpSpPr>
+        <a:xfrm>
+          <a:off x="0" y="0"/>
+          <a:ext cx="0" cy="0"/>
+          <a:chOff x="0" y="0"/>
+          <a:chExt cx="0" cy="0"/>
+        </a:xfrm>
+      </p:grpSpPr>
+      <p:sp>
+        <p:nvSpPr>
+          <p:cNvPr id="13" name="Title 12"/>
+          <p:cNvSpPr>
+            <a:spLocks noGrp="1"/>
+          </p:cNvSpPr>
+          <p:nvPr>
+            <p:ph type="title"/>
+          </p:nvPr>
+        </p:nvSpPr>
+        <p:spPr/>
+        <p:txBody>
+          <a:bodyPr/>
+          <a:lstStyle/>
+          <a:p>
+            <a:pPr algn="ctr"/>
+            <a:r>
+              <a:rPr lang="en-US" dirty="0">
+                <a:latin typeface="AMERICAN TYPEWRITER SEMIBOLD" panose="02090604020004020304" pitchFamily="18" charset="77"/>
+              </a:rPr>
+              <a:t>Machine learning</a:t>
+            </a:r>
+          </a:p>
+        </p:txBody>
+      </p:sp>
+      <p:sp>
+        <p:nvSpPr>
+          <p:cNvPr id="14" name="Content Placeholder 13"/>
+          <p:cNvSpPr>
+            <a:spLocks noGrp="1"/>
+          </p:cNvSpPr>
+          <p:nvPr>
+            <p:ph sz="quarter" idx="13"/>
+          </p:nvPr>
+        </p:nvSpPr>
+        <p:spPr>
+          <a:xfrm>
+            <a:off x="812800" y="1600199"/>
+            <a:ext cx="10800080" cy="4756151"/>
+          </a:xfrm>
+        </p:spPr>
+        <p:txBody>
+          <a:bodyPr>
+            <a:normAutofit/>
+          </a:bodyPr>
+          <a:lstStyle/>
+          <a:p>
+            <a:pPr lvl="0"/>
+            <a:r>
+              <a:rPr lang="en-US" dirty="0">
+                <a:latin typeface="American Typewriter" panose="02090604020004020304" pitchFamily="18" charset="77"/>
+              </a:rPr>
+              <a:t>Which feature to choose as the “Y” or dependent variable?</a:t>
+            </a:r>
+          </a:p>
+          <a:p>
+            <a:pPr lvl="0"/>
+            <a:r>
+              <a:rPr lang="en-US" dirty="0">
+                <a:latin typeface="American Typewriter" panose="02090604020004020304" pitchFamily="18" charset="77"/>
+              </a:rPr>
+              <a:t>Suggested to choose the “Max Wind Direction” measured from 0</a:t>
+            </a:r>
+            <a:r>
+              <a:rPr lang="en-US" baseline="30000" dirty="0">
+                <a:latin typeface="American Typewriter" panose="02090604020004020304" pitchFamily="18" charset="77"/>
+              </a:rPr>
+              <a:t>0  </a:t>
+            </a:r>
+            <a:r>
+              <a:rPr lang="en-US" dirty="0">
+                <a:latin typeface="American Typewriter" panose="02090604020004020304" pitchFamily="18" charset="77"/>
+              </a:rPr>
+              <a:t>to 360</a:t>
+            </a:r>
+            <a:r>
+              <a:rPr lang="en-US" baseline="30000" dirty="0">
+                <a:latin typeface="American Typewriter" panose="02090604020004020304" pitchFamily="18" charset="77"/>
+              </a:rPr>
+              <a:t>0</a:t>
+            </a:r>
+            <a:endParaRPr lang="en-US" dirty="0">
+              <a:latin typeface="American Typewriter" panose="02090604020004020304" pitchFamily="18" charset="77"/>
+            </a:endParaRPr>
+          </a:p>
+          <a:p>
+            <a:pPr lvl="0"/>
+            <a:r>
+              <a:rPr lang="en-US" dirty="0">
+                <a:latin typeface="American Typewriter" panose="02090604020004020304" pitchFamily="18" charset="77"/>
+              </a:rPr>
+              <a:t>We had to group these into 8 compass points covering a range of degrees</a:t>
+            </a:r>
+          </a:p>
+          <a:p>
+            <a:pPr marL="0" lvl="0" indent="0">
+              <a:buNone/>
+            </a:pPr>
+            <a:endParaRPr lang="en-US" dirty="0">
+              <a:latin typeface="American Typewriter" panose="02090604020004020304" pitchFamily="18" charset="77"/>
+            </a:endParaRPr>
+          </a:p>
+          <a:p>
+            <a:pPr lvl="0"/>
+            <a:endParaRPr lang="en-US" dirty="0">
+              <a:latin typeface="American Typewriter" panose="02090604020004020304" pitchFamily="18" charset="77"/>
+            </a:endParaRPr>
+          </a:p>
+          <a:p>
+            <a:pPr lvl="0"/>
+            <a:endParaRPr lang="en-US" dirty="0">
+              <a:latin typeface="American Typewriter" panose="02090604020004020304" pitchFamily="18" charset="77"/>
+            </a:endParaRPr>
+          </a:p>
+          <a:p>
+            <a:pPr lvl="0"/>
+            <a:endParaRPr lang="en-US" dirty="0">
+              <a:latin typeface="American Typewriter" panose="02090604020004020304" pitchFamily="18" charset="77"/>
+            </a:endParaRPr>
+          </a:p>
+          <a:p>
+            <a:pPr lvl="0"/>
+            <a:endParaRPr lang="en-US" dirty="0">
+              <a:latin typeface="American Typewriter" panose="02090604020004020304" pitchFamily="18" charset="77"/>
+            </a:endParaRPr>
+          </a:p>
+          <a:p>
+            <a:pPr lvl="0"/>
+            <a:endParaRPr lang="en-US" dirty="0">
+              <a:latin typeface="American Typewriter" panose="02090604020004020304" pitchFamily="18" charset="77"/>
+            </a:endParaRPr>
+          </a:p>
+          <a:p>
+            <a:pPr lvl="0"/>
+            <a:endParaRPr lang="en-US" dirty="0">
+              <a:latin typeface="American Typewriter" panose="02090604020004020304" pitchFamily="18" charset="77"/>
+            </a:endParaRPr>
+          </a:p>
+          <a:p>
+            <a:pPr lvl="0"/>
+            <a:endParaRPr lang="en-US" dirty="0">
+              <a:latin typeface="American Typewriter" panose="02090604020004020304" pitchFamily="18" charset="77"/>
+            </a:endParaRPr>
+          </a:p>
+        </p:txBody>
+      </p:sp>
+      <p:sp>
+        <p:nvSpPr>
+          <p:cNvPr id="4" name="Footer Placeholder 3">
+            <a:extLst>
+              <a:ext uri="{FF2B5EF4-FFF2-40B4-BE49-F238E27FC236}">
+                <a16:creationId xmlns:a16="http://schemas.microsoft.com/office/drawing/2014/main" id="{DAC23DF3-5F42-0247-A036-D9092509F5D2}"/>
+              </a:ext>
+            </a:extLst>
+          </p:cNvPr>
+          <p:cNvSpPr>
+            <a:spLocks noGrp="1"/>
+          </p:cNvSpPr>
+          <p:nvPr>
+            <p:ph type="ftr" sz="quarter" idx="11"/>
+          </p:nvPr>
+        </p:nvSpPr>
+        <p:spPr/>
+        <p:txBody>
+          <a:bodyPr/>
+          <a:lstStyle/>
+          <a:p>
+            <a:r>
+              <a:rPr lang="en-US"/>
+              <a:t>UWA Data Analytics Boot Camp 2020-21</a:t>
+            </a:r>
+          </a:p>
+        </p:txBody>
+      </p:sp>
+      <p:pic>
+        <p:nvPicPr>
+          <p:cNvPr id="3" name="Picture 2" descr="Chart, radar chart&#10;&#10;Description automatically generated">
+            <a:extLst>
+              <a:ext uri="{FF2B5EF4-FFF2-40B4-BE49-F238E27FC236}">
+                <a16:creationId xmlns:a16="http://schemas.microsoft.com/office/drawing/2014/main" id="{A5CA9E5C-A57B-A640-8FD8-20C3EF378B41}"/>
+              </a:ext>
+            </a:extLst>
+          </p:cNvPr>
+          <p:cNvPicPr>
+            <a:picLocks noChangeAspect="1"/>
+          </p:cNvPicPr>
+          <p:nvPr/>
+        </p:nvPicPr>
+        <p:blipFill>
+          <a:blip r:embed="rId2">
+            <a:extLst>
+              <a:ext uri="{28A0092B-C50C-407E-A947-70E740481C1C}">
+                <a14:useLocalDpi xmlns:a14="http://schemas.microsoft.com/office/drawing/2010/main" val="0"/>
+              </a:ext>
+            </a:extLst>
+          </a:blip>
+          <a:stretch>
+            <a:fillRect/>
+          </a:stretch>
+        </p:blipFill>
+        <p:spPr>
+          <a:xfrm>
+            <a:off x="4271010" y="3035299"/>
+            <a:ext cx="3192780" cy="3053205"/>
+          </a:xfrm>
+          <a:prstGeom prst="rect">
+            <a:avLst/>
+          </a:prstGeom>
+        </p:spPr>
+      </p:pic>
+    </p:spTree>
+    <p:extLst>
+      <p:ext uri="{BB962C8B-B14F-4D97-AF65-F5344CB8AC3E}">
+        <p14:creationId xmlns:p14="http://schemas.microsoft.com/office/powerpoint/2010/main" val="1090143356"/>
+      </p:ext>
+    </p:extLst>
+  </p:cSld>
+  <p:clrMapOvr>
+    <a:masterClrMapping/>
+  </p:clrMapOvr>
+  <mc:AlternateContent xmlns:mc="http://schemas.openxmlformats.org/markup-compatibility/2006" xmlns:p14="http://schemas.microsoft.com/office/powerpoint/2010/main">
+    <mc:Choice Requires="p14">
+      <p:transition spd="med" p14:dur="700">
+        <p:fade/>
+      </p:transition>
+    </mc:Choice>
+    <mc:Fallback xmlns="">
+      <p:transition spd="med">
+        <p:fade/>
+      </p:transition>
+    </mc:Fallback>
+  </mc:AlternateContent>
+</p:sld>
+</file>
+
+<file path=ppt/slides/slide7.xml><?xml version="1.0" encoding="utf-8"?>
+<p:sld xmlns:a="http://schemas.openxmlformats.org/drawingml/2006/main" xmlns:r="http://schemas.openxmlformats.org/officeDocument/2006/relationships" xmlns:p="http://schemas.openxmlformats.org/presentationml/2006/main">
+  <p:cSld>
+    <p:spTree>
+      <p:nvGrpSpPr>
+        <p:cNvPr id="1" name=""/>
+        <p:cNvGrpSpPr/>
+        <p:nvPr/>
+      </p:nvGrpSpPr>
+      <p:grpSpPr>
+        <a:xfrm>
+          <a:off x="0" y="0"/>
+          <a:ext cx="0" cy="0"/>
+          <a:chOff x="0" y="0"/>
+          <a:chExt cx="0" cy="0"/>
+        </a:xfrm>
+      </p:grpSpPr>
+      <p:sp>
+        <p:nvSpPr>
+          <p:cNvPr id="13" name="Title 12"/>
+          <p:cNvSpPr>
+            <a:spLocks noGrp="1"/>
+          </p:cNvSpPr>
+          <p:nvPr>
+            <p:ph type="title"/>
+          </p:nvPr>
+        </p:nvSpPr>
+        <p:spPr/>
+        <p:txBody>
+          <a:bodyPr/>
+          <a:lstStyle/>
+          <a:p>
+            <a:pPr algn="ctr"/>
+            <a:r>
+              <a:rPr lang="en-US" dirty="0">
+                <a:latin typeface="AMERICAN TYPEWRITER SEMIBOLD" panose="02090604020004020304" pitchFamily="18" charset="77"/>
+              </a:rPr>
+              <a:t>Machine learning</a:t>
+            </a:r>
+          </a:p>
+        </p:txBody>
+      </p:sp>
+      <p:sp>
+        <p:nvSpPr>
+          <p:cNvPr id="14" name="Content Placeholder 13"/>
+          <p:cNvSpPr>
+            <a:spLocks noGrp="1"/>
+          </p:cNvSpPr>
+          <p:nvPr>
+            <p:ph sz="quarter" idx="13"/>
+          </p:nvPr>
+        </p:nvSpPr>
+        <p:spPr/>
+        <p:txBody>
+          <a:bodyPr>
+            <a:normAutofit fontScale="70000" lnSpcReduction="20000"/>
+          </a:bodyPr>
+          <a:lstStyle/>
+          <a:p>
+            <a:pPr lvl="0"/>
+            <a:r>
+              <a:rPr lang="en-US" dirty="0">
+                <a:latin typeface="American Typewriter" panose="02090604020004020304" pitchFamily="18" charset="77"/>
+              </a:rPr>
+              <a:t>There were 79 features in the raw data set</a:t>
+            </a:r>
+          </a:p>
+          <a:p>
+            <a:pPr lvl="0"/>
+            <a:r>
+              <a:rPr lang="en-US" dirty="0">
+                <a:latin typeface="American Typewriter" panose="02090604020004020304" pitchFamily="18" charset="77"/>
+              </a:rPr>
+              <a:t>Removed all features with ‘null’ and ‘0’ values</a:t>
+            </a:r>
+          </a:p>
+          <a:p>
+            <a:pPr lvl="0"/>
+            <a:r>
+              <a:rPr lang="en-US" dirty="0">
+                <a:latin typeface="American Typewriter" panose="02090604020004020304" pitchFamily="18" charset="77"/>
+              </a:rPr>
+              <a:t>This reduced the data set significantly to 6 features for ml model</a:t>
+            </a:r>
+          </a:p>
+          <a:p>
+            <a:pPr marL="0" lvl="0" indent="0">
+              <a:buNone/>
+            </a:pPr>
+            <a:r>
+              <a:rPr lang="en-US" dirty="0">
+                <a:latin typeface="American Typewriter" panose="02090604020004020304" pitchFamily="18" charset="77"/>
+              </a:rPr>
+              <a:t>	SURFACE_CODE - Indicates the type of surface (land /water)</a:t>
+            </a:r>
+          </a:p>
+          <a:p>
+            <a:pPr marL="0" lvl="0" indent="0">
+              <a:buNone/>
+            </a:pPr>
+            <a:r>
+              <a:rPr lang="en-US" dirty="0">
+                <a:latin typeface="American Typewriter" panose="02090604020004020304" pitchFamily="18" charset="77"/>
+              </a:rPr>
+              <a:t>	CYC_TYPE – Type of cyclone e.g. Tropical/Sub Tropical/Over Land etc..</a:t>
+            </a:r>
+          </a:p>
+          <a:p>
+            <a:pPr marL="0" lvl="0" indent="0">
+              <a:buNone/>
+            </a:pPr>
+            <a:r>
+              <a:rPr lang="en-US" dirty="0">
+                <a:latin typeface="American Typewriter" panose="02090604020004020304" pitchFamily="18" charset="77"/>
+              </a:rPr>
+              <a:t>	LAT – Latitude of Cyclone Centre</a:t>
+            </a:r>
+          </a:p>
+          <a:p>
+            <a:pPr marL="0" lvl="0" indent="0">
+              <a:buNone/>
+            </a:pPr>
+            <a:r>
+              <a:rPr lang="en-US" dirty="0">
+                <a:latin typeface="American Typewriter" panose="02090604020004020304" pitchFamily="18" charset="77"/>
+              </a:rPr>
+              <a:t>	LON – Longitude of Cyclone Centre</a:t>
+            </a:r>
+          </a:p>
+          <a:p>
+            <a:pPr marL="0" lvl="0" indent="0">
+              <a:buNone/>
+            </a:pPr>
+            <a:r>
+              <a:rPr lang="en-US" dirty="0">
+                <a:latin typeface="American Typewriter" panose="02090604020004020304" pitchFamily="18" charset="77"/>
+              </a:rPr>
+              <a:t>	CENTRAL_PRES - Central pressure of the cyclone (</a:t>
+            </a:r>
+            <a:r>
+              <a:rPr lang="en-US" dirty="0" err="1">
+                <a:latin typeface="American Typewriter" panose="02090604020004020304" pitchFamily="18" charset="77"/>
+              </a:rPr>
+              <a:t>hPa</a:t>
+            </a:r>
+            <a:r>
+              <a:rPr lang="en-US" dirty="0">
+                <a:latin typeface="American Typewriter" panose="02090604020004020304" pitchFamily="18" charset="77"/>
+              </a:rPr>
+              <a:t>) </a:t>
+            </a:r>
+          </a:p>
+          <a:p>
+            <a:pPr marL="0" lvl="0" indent="0">
+              <a:buNone/>
+            </a:pPr>
+            <a:r>
+              <a:rPr lang="en-US" dirty="0">
+                <a:latin typeface="American Typewriter" panose="02090604020004020304" pitchFamily="18" charset="77"/>
+              </a:rPr>
+              <a:t>	MAX_WIND_SPD - Estimated maximum mean wind around the cyclone (m/s)</a:t>
+            </a:r>
+          </a:p>
+          <a:p>
+            <a:r>
+              <a:rPr lang="en-US" dirty="0">
+                <a:latin typeface="American Typewriter" panose="02090604020004020304" pitchFamily="18" charset="77"/>
+              </a:rPr>
+              <a:t>Added 2 derived features called:</a:t>
+            </a:r>
+          </a:p>
+          <a:p>
+            <a:pPr marL="914400" lvl="2" indent="0">
+              <a:buNone/>
+            </a:pPr>
+            <a:r>
+              <a:rPr lang="en-US" dirty="0">
+                <a:latin typeface="American Typewriter" panose="02090604020004020304" pitchFamily="18" charset="77"/>
+              </a:rPr>
+              <a:t>CENTRAL INDEX – (0.186*V</a:t>
+            </a:r>
+            <a:r>
+              <a:rPr lang="en-US" baseline="-25000" dirty="0">
+                <a:latin typeface="American Typewriter" panose="02090604020004020304" pitchFamily="18" charset="77"/>
+              </a:rPr>
+              <a:t>60</a:t>
+            </a:r>
+            <a:r>
+              <a:rPr lang="en-US" dirty="0">
+                <a:latin typeface="American Typewriter" panose="02090604020004020304" pitchFamily="18" charset="77"/>
+              </a:rPr>
+              <a:t>)</a:t>
+            </a:r>
+            <a:r>
+              <a:rPr lang="en-US" baseline="30000" dirty="0">
+                <a:latin typeface="American Typewriter" panose="02090604020004020304" pitchFamily="18" charset="77"/>
+              </a:rPr>
+              <a:t>0.746 </a:t>
+            </a:r>
+            <a:r>
+              <a:rPr lang="en-US" dirty="0">
+                <a:latin typeface="American Typewriter" panose="02090604020004020304" pitchFamily="18" charset="77"/>
+              </a:rPr>
+              <a:t> (Where V</a:t>
+            </a:r>
+            <a:r>
+              <a:rPr lang="en-US" baseline="-25000" dirty="0">
+                <a:latin typeface="American Typewriter" panose="02090604020004020304" pitchFamily="18" charset="77"/>
+              </a:rPr>
+              <a:t>60 </a:t>
+            </a:r>
+            <a:r>
+              <a:rPr lang="en-US" dirty="0">
+                <a:latin typeface="American Typewriter" panose="02090604020004020304" pitchFamily="18" charset="77"/>
+              </a:rPr>
+              <a:t> (one-minute sustained winds) derived from CP)</a:t>
+            </a:r>
+          </a:p>
+          <a:p>
+            <a:pPr marL="914400" lvl="2" indent="0">
+              <a:buNone/>
+            </a:pPr>
+            <a:r>
+              <a:rPr lang="en-US" dirty="0">
+                <a:latin typeface="American Typewriter" panose="02090604020004020304" pitchFamily="18" charset="77"/>
+              </a:rPr>
+              <a:t>WAVE HEIGHT – V</a:t>
+            </a:r>
+            <a:r>
+              <a:rPr lang="en-US" baseline="-25000" dirty="0">
+                <a:latin typeface="American Typewriter" panose="02090604020004020304" pitchFamily="18" charset="77"/>
+              </a:rPr>
+              <a:t>60 </a:t>
+            </a:r>
+            <a:r>
+              <a:rPr lang="en-US" dirty="0">
+                <a:latin typeface="American Typewriter" panose="02090604020004020304" pitchFamily="18" charset="77"/>
+              </a:rPr>
+              <a:t> * 0.235</a:t>
+            </a:r>
+          </a:p>
+          <a:p>
+            <a:pPr marL="0" lvl="0" indent="0">
+              <a:buNone/>
+            </a:pPr>
+            <a:r>
+              <a:rPr lang="en-US" dirty="0">
+                <a:latin typeface="American Typewriter" panose="02090604020004020304" pitchFamily="18" charset="77"/>
+              </a:rPr>
+              <a:t>	</a:t>
+            </a:r>
+          </a:p>
+          <a:p>
+            <a:pPr marL="0" lvl="0" indent="0">
+              <a:buNone/>
+            </a:pPr>
+            <a:r>
+              <a:rPr lang="en-US" dirty="0">
+                <a:latin typeface="American Typewriter" panose="02090604020004020304" pitchFamily="18" charset="77"/>
+              </a:rPr>
+              <a:t>	</a:t>
+            </a:r>
+          </a:p>
+          <a:p>
+            <a:pPr lvl="0"/>
+            <a:endParaRPr lang="en-US" dirty="0">
+              <a:latin typeface="American Typewriter" panose="02090604020004020304" pitchFamily="18" charset="77"/>
+            </a:endParaRPr>
+          </a:p>
+          <a:p>
+            <a:pPr lvl="0"/>
+            <a:endParaRPr lang="en-US" dirty="0">
+              <a:latin typeface="American Typewriter" panose="02090604020004020304" pitchFamily="18" charset="77"/>
+            </a:endParaRPr>
+          </a:p>
+          <a:p>
+            <a:pPr lvl="0"/>
+            <a:endParaRPr lang="en-US" dirty="0">
+              <a:latin typeface="American Typewriter" panose="02090604020004020304" pitchFamily="18" charset="77"/>
+            </a:endParaRPr>
+          </a:p>
+          <a:p>
+            <a:pPr lvl="0"/>
+            <a:endParaRPr lang="en-US" dirty="0">
+              <a:latin typeface="American Typewriter" panose="02090604020004020304" pitchFamily="18" charset="77"/>
+            </a:endParaRPr>
+          </a:p>
+          <a:p>
+            <a:pPr lvl="0"/>
+            <a:endParaRPr lang="en-US" dirty="0">
+              <a:latin typeface="American Typewriter" panose="02090604020004020304" pitchFamily="18" charset="77"/>
+            </a:endParaRPr>
+          </a:p>
+        </p:txBody>
+      </p:sp>
+      <p:sp>
+        <p:nvSpPr>
+          <p:cNvPr id="4" name="Footer Placeholder 3">
+            <a:extLst>
+              <a:ext uri="{FF2B5EF4-FFF2-40B4-BE49-F238E27FC236}">
+                <a16:creationId xmlns:a16="http://schemas.microsoft.com/office/drawing/2014/main" id="{DAC23DF3-5F42-0247-A036-D9092509F5D2}"/>
+              </a:ext>
+            </a:extLst>
+          </p:cNvPr>
+          <p:cNvSpPr>
+            <a:spLocks noGrp="1"/>
+          </p:cNvSpPr>
+          <p:nvPr>
+            <p:ph type="ftr" sz="quarter" idx="11"/>
+          </p:nvPr>
+        </p:nvSpPr>
+        <p:spPr/>
+        <p:txBody>
+          <a:bodyPr/>
+          <a:lstStyle/>
+          <a:p>
+            <a:r>
+              <a:rPr lang="en-US"/>
+              <a:t>UWA Data Analytics Boot Camp 2020-21</a:t>
+            </a:r>
+          </a:p>
+        </p:txBody>
+      </p:sp>
+    </p:spTree>
+    <p:extLst>
+      <p:ext uri="{BB962C8B-B14F-4D97-AF65-F5344CB8AC3E}">
+        <p14:creationId xmlns:p14="http://schemas.microsoft.com/office/powerpoint/2010/main" val="1307389013"/>
+      </p:ext>
+    </p:extLst>
+  </p:cSld>
+  <p:clrMapOvr>
+    <a:masterClrMapping/>
+  </p:clrMapOvr>
+  <mc:AlternateContent xmlns:mc="http://schemas.openxmlformats.org/markup-compatibility/2006" xmlns:p14="http://schemas.microsoft.com/office/powerpoint/2010/main">
+    <mc:Choice Requires="p14">
+      <p:transition spd="med" p14:dur="700">
+        <p:fade/>
+      </p:transition>
+    </mc:Choice>
+    <mc:Fallback xmlns="">
+      <p:transition spd="med">
+        <p:fade/>
+      </p:transition>
+    </mc:Fallback>
+  </mc:AlternateContent>
+</p:sld>
+</file>
+
+<file path=ppt/slides/slide8.xml><?xml version="1.0" encoding="utf-8"?>
+<p:sld xmlns:a="http://schemas.openxmlformats.org/drawingml/2006/main" xmlns:r="http://schemas.openxmlformats.org/officeDocument/2006/relationships" xmlns:p="http://schemas.openxmlformats.org/presentationml/2006/main">
+  <p:cSld>
+    <p:spTree>
+      <p:nvGrpSpPr>
+        <p:cNvPr id="1" name=""/>
+        <p:cNvGrpSpPr/>
+        <p:nvPr/>
+      </p:nvGrpSpPr>
+      <p:grpSpPr>
+        <a:xfrm>
+          <a:off x="0" y="0"/>
+          <a:ext cx="0" cy="0"/>
+          <a:chOff x="0" y="0"/>
+          <a:chExt cx="0" cy="0"/>
+        </a:xfrm>
+      </p:grpSpPr>
+      <p:sp>
+        <p:nvSpPr>
+          <p:cNvPr id="13" name="Title 12"/>
+          <p:cNvSpPr>
+            <a:spLocks noGrp="1"/>
+          </p:cNvSpPr>
+          <p:nvPr>
+            <p:ph type="title"/>
+          </p:nvPr>
+        </p:nvSpPr>
+        <p:spPr/>
+        <p:txBody>
+          <a:bodyPr/>
+          <a:lstStyle/>
+          <a:p>
+            <a:pPr algn="ctr"/>
+            <a:r>
+              <a:rPr lang="en-US" dirty="0">
+                <a:latin typeface="AMERICAN TYPEWRITER SEMIBOLD" panose="02090604020004020304" pitchFamily="18" charset="77"/>
+              </a:rPr>
+              <a:t>Machine learning</a:t>
+            </a:r>
+          </a:p>
+        </p:txBody>
+      </p:sp>
+      <p:sp>
+        <p:nvSpPr>
+          <p:cNvPr id="14" name="Content Placeholder 13"/>
+          <p:cNvSpPr>
+            <a:spLocks noGrp="1"/>
+          </p:cNvSpPr>
+          <p:nvPr>
+            <p:ph sz="quarter" idx="13"/>
+          </p:nvPr>
+        </p:nvSpPr>
+        <p:spPr>
+          <a:xfrm>
+            <a:off x="812800" y="1829594"/>
+            <a:ext cx="10566400" cy="4114800"/>
+          </a:xfrm>
+        </p:spPr>
+        <p:txBody>
+          <a:bodyPr>
+            <a:normAutofit fontScale="92500" lnSpcReduction="20000"/>
+          </a:bodyPr>
+          <a:lstStyle/>
+          <a:p>
+            <a:r>
+              <a:rPr lang="en-US" sz="2800" dirty="0">
+                <a:latin typeface="American Typewriter" panose="02090604020004020304" pitchFamily="18" charset="77"/>
+              </a:rPr>
+              <a:t>Experimented with 3 Models</a:t>
+            </a:r>
+          </a:p>
+          <a:p>
+            <a:pPr marL="0" indent="0">
+              <a:buNone/>
+            </a:pPr>
+            <a:r>
+              <a:rPr lang="en-US" sz="2800" dirty="0">
+                <a:latin typeface="American Typewriter" panose="02090604020004020304" pitchFamily="18" charset="77"/>
+              </a:rPr>
+              <a:t>	Support Vector Machine</a:t>
+            </a:r>
+          </a:p>
+          <a:p>
+            <a:pPr marL="0" indent="0">
+              <a:buNone/>
+            </a:pPr>
+            <a:r>
+              <a:rPr lang="en-US" sz="2800" dirty="0">
+                <a:latin typeface="American Typewriter" panose="02090604020004020304" pitchFamily="18" charset="77"/>
+              </a:rPr>
+              <a:t>	K Nearest Neighbour</a:t>
+            </a:r>
+          </a:p>
+          <a:p>
+            <a:pPr marL="0" indent="0">
+              <a:buNone/>
+            </a:pPr>
+            <a:r>
+              <a:rPr lang="en-US" sz="2800" dirty="0">
+                <a:latin typeface="American Typewriter" panose="02090604020004020304" pitchFamily="18" charset="77"/>
+              </a:rPr>
+              <a:t>	Random Forest</a:t>
+            </a:r>
+          </a:p>
+          <a:p>
+            <a:r>
+              <a:rPr lang="en-US" sz="2800" dirty="0">
+                <a:latin typeface="American Typewriter" panose="02090604020004020304" pitchFamily="18" charset="77"/>
+              </a:rPr>
+              <a:t>Used all eight features in models</a:t>
+            </a:r>
+          </a:p>
+          <a:p>
+            <a:r>
+              <a:rPr lang="en-US" sz="2800" dirty="0">
+                <a:latin typeface="American Typewriter" panose="02090604020004020304" pitchFamily="18" charset="77"/>
+              </a:rPr>
+              <a:t>The data set had 1679 observations to train and test</a:t>
+            </a:r>
+          </a:p>
+          <a:p>
+            <a:endParaRPr lang="en-US" dirty="0">
+              <a:latin typeface="American Typewriter" panose="02090604020004020304" pitchFamily="18" charset="77"/>
+            </a:endParaRPr>
+          </a:p>
+          <a:p>
+            <a:pPr marL="0" indent="0">
+              <a:buNone/>
+            </a:pPr>
+            <a:r>
+              <a:rPr lang="en-US" dirty="0">
+                <a:latin typeface="American Typewriter" panose="02090604020004020304" pitchFamily="18" charset="77"/>
+              </a:rPr>
+              <a:t>		</a:t>
+            </a:r>
+          </a:p>
+          <a:p>
+            <a:pPr marL="0" lvl="0" indent="0">
+              <a:buNone/>
+            </a:pPr>
+            <a:r>
+              <a:rPr lang="en-US" dirty="0">
+                <a:latin typeface="American Typewriter" panose="02090604020004020304" pitchFamily="18" charset="77"/>
+              </a:rPr>
+              <a:t>	</a:t>
+            </a:r>
+          </a:p>
+          <a:p>
+            <a:pPr lvl="0"/>
+            <a:endParaRPr lang="en-US" dirty="0">
+              <a:latin typeface="American Typewriter" panose="02090604020004020304" pitchFamily="18" charset="77"/>
+            </a:endParaRPr>
+          </a:p>
+          <a:p>
+            <a:pPr lvl="0"/>
+            <a:endParaRPr lang="en-US" dirty="0">
+              <a:latin typeface="American Typewriter" panose="02090604020004020304" pitchFamily="18" charset="77"/>
+            </a:endParaRPr>
+          </a:p>
+          <a:p>
+            <a:pPr lvl="0"/>
+            <a:endParaRPr lang="en-US" dirty="0">
+              <a:latin typeface="American Typewriter" panose="02090604020004020304" pitchFamily="18" charset="77"/>
+            </a:endParaRPr>
+          </a:p>
+          <a:p>
+            <a:pPr lvl="0"/>
+            <a:endParaRPr lang="en-US" dirty="0">
+              <a:latin typeface="American Typewriter" panose="02090604020004020304" pitchFamily="18" charset="77"/>
+            </a:endParaRPr>
+          </a:p>
+          <a:p>
+            <a:pPr lvl="0"/>
+            <a:endParaRPr lang="en-US" dirty="0">
+              <a:latin typeface="American Typewriter" panose="02090604020004020304" pitchFamily="18" charset="77"/>
+            </a:endParaRPr>
+          </a:p>
+        </p:txBody>
+      </p:sp>
+      <p:sp>
+        <p:nvSpPr>
+          <p:cNvPr id="4" name="Footer Placeholder 3">
+            <a:extLst>
+              <a:ext uri="{FF2B5EF4-FFF2-40B4-BE49-F238E27FC236}">
+                <a16:creationId xmlns:a16="http://schemas.microsoft.com/office/drawing/2014/main" id="{DAC23DF3-5F42-0247-A036-D9092509F5D2}"/>
+              </a:ext>
+            </a:extLst>
+          </p:cNvPr>
+          <p:cNvSpPr>
+            <a:spLocks noGrp="1"/>
+          </p:cNvSpPr>
+          <p:nvPr>
+            <p:ph type="ftr" sz="quarter" idx="11"/>
+          </p:nvPr>
+        </p:nvSpPr>
+        <p:spPr/>
+        <p:txBody>
+          <a:bodyPr/>
+          <a:lstStyle/>
+          <a:p>
+            <a:r>
+              <a:rPr lang="en-US"/>
+              <a:t>UWA Data Analytics Boot Camp 2020-21</a:t>
+            </a:r>
+          </a:p>
+        </p:txBody>
+      </p:sp>
+    </p:spTree>
+    <p:extLst>
+      <p:ext uri="{BB962C8B-B14F-4D97-AF65-F5344CB8AC3E}">
+        <p14:creationId xmlns:p14="http://schemas.microsoft.com/office/powerpoint/2010/main" val="1051879340"/>
+      </p:ext>
+    </p:extLst>
+  </p:cSld>
+  <p:clrMapOvr>
+    <a:masterClrMapping/>
+  </p:clrMapOvr>
+  <mc:AlternateContent xmlns:mc="http://schemas.openxmlformats.org/markup-compatibility/2006" xmlns:p14="http://schemas.microsoft.com/office/powerpoint/2010/main">
+    <mc:Choice Requires="p14">
+      <p:transition spd="med" p14:dur="700">
+        <p:fade/>
+      </p:transition>
+    </mc:Choice>
+    <mc:Fallback xmlns="">
+      <p:transition spd="med">
+        <p:fade/>
+      </p:transition>
+    </mc:Fallback>
+  </mc:AlternateContent>
+</p:sld>
+</file>
+
+<file path=ppt/slides/slide9.xml><?xml version="1.0" encoding="utf-8"?>
+<p:sld xmlns:a="http://schemas.openxmlformats.org/drawingml/2006/main" xmlns:r="http://schemas.openxmlformats.org/officeDocument/2006/relationships" xmlns:p="http://schemas.openxmlformats.org/presentationml/2006/main">
+  <p:cSld>
+    <p:spTree>
+      <p:nvGrpSpPr>
+        <p:cNvPr id="1" name=""/>
+        <p:cNvGrpSpPr/>
+        <p:nvPr/>
+      </p:nvGrpSpPr>
+      <p:grpSpPr>
+        <a:xfrm>
+          <a:off x="0" y="0"/>
+          <a:ext cx="0" cy="0"/>
+          <a:chOff x="0" y="0"/>
+          <a:chExt cx="0" cy="0"/>
+        </a:xfrm>
+      </p:grpSpPr>
+      <p:sp>
+        <p:nvSpPr>
+          <p:cNvPr id="13" name="Title 12"/>
+          <p:cNvSpPr>
+            <a:spLocks noGrp="1"/>
+          </p:cNvSpPr>
+          <p:nvPr>
+            <p:ph type="title"/>
+          </p:nvPr>
+        </p:nvSpPr>
+        <p:spPr>
+          <a:xfrm>
+            <a:off x="812800" y="22225"/>
+            <a:ext cx="10566400" cy="1143000"/>
+          </a:xfrm>
+        </p:spPr>
+        <p:txBody>
+          <a:bodyPr/>
+          <a:lstStyle/>
+          <a:p>
+            <a:pPr algn="ctr"/>
+            <a:r>
+              <a:rPr lang="en-US" dirty="0">
+                <a:latin typeface="AMERICAN TYPEWRITER SEMIBOLD" panose="02090604020004020304" pitchFamily="18" charset="77"/>
+              </a:rPr>
+              <a:t>Machine learning</a:t>
+            </a:r>
+          </a:p>
+        </p:txBody>
+      </p:sp>
+      <p:sp>
+        <p:nvSpPr>
+          <p:cNvPr id="14" name="Content Placeholder 13"/>
+          <p:cNvSpPr>
+            <a:spLocks noGrp="1"/>
+          </p:cNvSpPr>
+          <p:nvPr>
+            <p:ph sz="quarter" idx="13"/>
+          </p:nvPr>
+        </p:nvSpPr>
+        <p:spPr>
+          <a:xfrm>
+            <a:off x="721360" y="1051878"/>
+            <a:ext cx="10566400" cy="4114800"/>
+          </a:xfrm>
+        </p:spPr>
+        <p:txBody>
+          <a:bodyPr>
+            <a:normAutofit/>
+          </a:bodyPr>
+          <a:lstStyle/>
+          <a:p>
+            <a:pPr marL="0" indent="0" algn="ctr">
+              <a:buNone/>
+            </a:pPr>
+            <a:r>
+              <a:rPr lang="en-US" sz="2800" dirty="0">
+                <a:latin typeface="American Typewriter" panose="02090604020004020304" pitchFamily="18" charset="77"/>
+              </a:rPr>
+              <a:t>Support Vector Machine</a:t>
+            </a:r>
+          </a:p>
+          <a:p>
+            <a:r>
+              <a:rPr lang="en-US" dirty="0">
+                <a:latin typeface="American Typewriter" panose="02090604020004020304" pitchFamily="18" charset="77"/>
+              </a:rPr>
+              <a:t>Scaled data using Standard Scaler</a:t>
+            </a:r>
+          </a:p>
+          <a:p>
+            <a:r>
+              <a:rPr lang="en-US" dirty="0">
+                <a:latin typeface="American Typewriter" panose="02090604020004020304" pitchFamily="18" charset="77"/>
+              </a:rPr>
+              <a:t>Training Score Accuracy – 23.2%</a:t>
+            </a:r>
+          </a:p>
+          <a:p>
+            <a:r>
+              <a:rPr lang="en-US" dirty="0">
+                <a:latin typeface="American Typewriter" panose="02090604020004020304" pitchFamily="18" charset="77"/>
+              </a:rPr>
+              <a:t>Test Score Accuracy – 20.1%</a:t>
+            </a:r>
+          </a:p>
+          <a:p>
+            <a:pPr marL="457200" lvl="1" indent="0">
+              <a:buNone/>
+            </a:pPr>
+            <a:r>
+              <a:rPr lang="en-US" dirty="0">
+                <a:latin typeface="American Typewriter" panose="02090604020004020304" pitchFamily="18" charset="77"/>
+              </a:rPr>
+              <a:t>Training Classification				Test Classification</a:t>
+            </a:r>
+          </a:p>
+          <a:p>
+            <a:pPr marL="457200" lvl="1" indent="0">
+              <a:buNone/>
+            </a:pPr>
+            <a:endParaRPr lang="en-US" dirty="0">
+              <a:latin typeface="American Typewriter" panose="02090604020004020304" pitchFamily="18" charset="77"/>
+            </a:endParaRPr>
+          </a:p>
+          <a:p>
+            <a:pPr lvl="8"/>
+            <a:endParaRPr lang="en-US" dirty="0">
+              <a:latin typeface="American Typewriter" panose="02090604020004020304" pitchFamily="18" charset="77"/>
+            </a:endParaRPr>
+          </a:p>
+          <a:p>
+            <a:pPr marL="0" indent="0">
+              <a:buNone/>
+            </a:pPr>
+            <a:r>
+              <a:rPr lang="en-US" dirty="0">
+                <a:latin typeface="American Typewriter" panose="02090604020004020304" pitchFamily="18" charset="77"/>
+              </a:rPr>
+              <a:t>		</a:t>
+            </a:r>
+          </a:p>
+          <a:p>
+            <a:pPr marL="0" lvl="0" indent="0">
+              <a:buNone/>
+            </a:pPr>
+            <a:r>
+              <a:rPr lang="en-US" dirty="0">
+                <a:latin typeface="American Typewriter" panose="02090604020004020304" pitchFamily="18" charset="77"/>
+              </a:rPr>
+              <a:t>	</a:t>
+            </a:r>
+          </a:p>
+          <a:p>
+            <a:pPr lvl="0"/>
+            <a:endParaRPr lang="en-US" dirty="0">
+              <a:latin typeface="American Typewriter" panose="02090604020004020304" pitchFamily="18" charset="77"/>
+            </a:endParaRPr>
+          </a:p>
+          <a:p>
+            <a:pPr lvl="0"/>
+            <a:endParaRPr lang="en-US" dirty="0">
+              <a:latin typeface="American Typewriter" panose="02090604020004020304" pitchFamily="18" charset="77"/>
+            </a:endParaRPr>
+          </a:p>
+          <a:p>
+            <a:pPr lvl="0"/>
+            <a:endParaRPr lang="en-US" dirty="0">
+              <a:latin typeface="American Typewriter" panose="02090604020004020304" pitchFamily="18" charset="77"/>
+            </a:endParaRPr>
+          </a:p>
+          <a:p>
+            <a:pPr lvl="0"/>
+            <a:endParaRPr lang="en-US" dirty="0">
+              <a:latin typeface="American Typewriter" panose="02090604020004020304" pitchFamily="18" charset="77"/>
+            </a:endParaRPr>
+          </a:p>
+          <a:p>
+            <a:pPr lvl="0"/>
+            <a:endParaRPr lang="en-US" dirty="0">
+              <a:latin typeface="American Typewriter" panose="02090604020004020304" pitchFamily="18" charset="77"/>
+            </a:endParaRPr>
+          </a:p>
+        </p:txBody>
+      </p:sp>
+      <p:sp>
+        <p:nvSpPr>
+          <p:cNvPr id="4" name="Footer Placeholder 3">
+            <a:extLst>
+              <a:ext uri="{FF2B5EF4-FFF2-40B4-BE49-F238E27FC236}">
+                <a16:creationId xmlns:a16="http://schemas.microsoft.com/office/drawing/2014/main" id="{DAC23DF3-5F42-0247-A036-D9092509F5D2}"/>
+              </a:ext>
+            </a:extLst>
+          </p:cNvPr>
+          <p:cNvSpPr>
+            <a:spLocks noGrp="1"/>
+          </p:cNvSpPr>
+          <p:nvPr>
+            <p:ph type="ftr" sz="quarter" idx="11"/>
+          </p:nvPr>
+        </p:nvSpPr>
+        <p:spPr/>
+        <p:txBody>
+          <a:bodyPr/>
+          <a:lstStyle/>
+          <a:p>
+            <a:r>
+              <a:rPr lang="en-US"/>
+              <a:t>UWA Data Analytics Boot Camp 2020-21</a:t>
+            </a:r>
+          </a:p>
+        </p:txBody>
+      </p:sp>
+      <p:pic>
+        <p:nvPicPr>
+          <p:cNvPr id="3" name="Picture 2" descr="A picture containing chart&#10;&#10;Description automatically generated">
+            <a:extLst>
+              <a:ext uri="{FF2B5EF4-FFF2-40B4-BE49-F238E27FC236}">
+                <a16:creationId xmlns:a16="http://schemas.microsoft.com/office/drawing/2014/main" id="{3BBAD2D7-1138-8641-881D-26145E6F4CF0}"/>
+              </a:ext>
+            </a:extLst>
+          </p:cNvPr>
+          <p:cNvPicPr>
+            <a:picLocks noChangeAspect="1"/>
+          </p:cNvPicPr>
+          <p:nvPr/>
+        </p:nvPicPr>
+        <p:blipFill>
+          <a:blip r:embed="rId2">
+            <a:extLst>
+              <a:ext uri="{28A0092B-C50C-407E-A947-70E740481C1C}">
+                <a14:useLocalDpi xmlns:a14="http://schemas.microsoft.com/office/drawing/2010/main" val="0"/>
+              </a:ext>
+            </a:extLst>
+          </a:blip>
+          <a:stretch>
+            <a:fillRect/>
+          </a:stretch>
+        </p:blipFill>
+        <p:spPr>
+          <a:xfrm>
+            <a:off x="1066800" y="3429000"/>
+            <a:ext cx="3606800" cy="2755900"/>
+          </a:xfrm>
+          <a:prstGeom prst="rect">
+            <a:avLst/>
+          </a:prstGeom>
+        </p:spPr>
+      </p:pic>
+      <p:pic>
+        <p:nvPicPr>
+          <p:cNvPr id="6" name="Picture 5" descr="Chart&#10;&#10;Description automatically generated">
+            <a:extLst>
+              <a:ext uri="{FF2B5EF4-FFF2-40B4-BE49-F238E27FC236}">
+                <a16:creationId xmlns:a16="http://schemas.microsoft.com/office/drawing/2014/main" id="{B1570F7E-C6D4-4E49-BD27-A461992E2071}"/>
+              </a:ext>
+            </a:extLst>
+          </p:cNvPr>
+          <p:cNvPicPr>
+            <a:picLocks noChangeAspect="1"/>
+          </p:cNvPicPr>
+          <p:nvPr/>
+        </p:nvPicPr>
+        <p:blipFill>
+          <a:blip r:embed="rId3">
+            <a:extLst>
+              <a:ext uri="{28A0092B-C50C-407E-A947-70E740481C1C}">
+                <a14:useLocalDpi xmlns:a14="http://schemas.microsoft.com/office/drawing/2010/main" val="0"/>
+              </a:ext>
+            </a:extLst>
+          </a:blip>
+          <a:stretch>
+            <a:fillRect/>
+          </a:stretch>
+        </p:blipFill>
+        <p:spPr>
+          <a:xfrm>
+            <a:off x="6934200" y="3475038"/>
+            <a:ext cx="3238500" cy="2603500"/>
+          </a:xfrm>
+          <a:prstGeom prst="rect">
+            <a:avLst/>
+          </a:prstGeom>
+        </p:spPr>
+      </p:pic>
+    </p:spTree>
+    <p:extLst>
+      <p:ext uri="{BB962C8B-B14F-4D97-AF65-F5344CB8AC3E}">
+        <p14:creationId xmlns:p14="http://schemas.microsoft.com/office/powerpoint/2010/main" val="613037701"/>
       </p:ext>
     </p:extLst>
   </p:cSld>
